--- a/slides/CUDA 图像处理入门 - 3.pptx
+++ b/slides/CUDA 图像处理入门 - 3.pptx
@@ -5,11 +5,23 @@
     <p:sldMasterId id="2147483648" r:id="rId1"/>
   </p:sldMasterIdLst>
   <p:notesMasterIdLst>
-    <p:notesMasterId r:id="rId4"/>
+    <p:notesMasterId r:id="rId16"/>
   </p:notesMasterIdLst>
   <p:sldIdLst>
     <p:sldId id="256" r:id="rId2"/>
-    <p:sldId id="257" r:id="rId3"/>
+    <p:sldId id="264" r:id="rId3"/>
+    <p:sldId id="257" r:id="rId4"/>
+    <p:sldId id="267" r:id="rId5"/>
+    <p:sldId id="268" r:id="rId6"/>
+    <p:sldId id="269" r:id="rId7"/>
+    <p:sldId id="270" r:id="rId8"/>
+    <p:sldId id="271" r:id="rId9"/>
+    <p:sldId id="259" r:id="rId10"/>
+    <p:sldId id="260" r:id="rId11"/>
+    <p:sldId id="258" r:id="rId12"/>
+    <p:sldId id="265" r:id="rId13"/>
+    <p:sldId id="266" r:id="rId14"/>
+    <p:sldId id="263" r:id="rId15"/>
   </p:sldIdLst>
   <p:sldSz cx="12192000" cy="6858000"/>
   <p:notesSz cx="6858000" cy="9144000"/>
@@ -116,6 +128,5772 @@
 </p:presentation>
 </file>
 
+<file path=ppt/charts/chart1.xml><?xml version="1.0" encoding="utf-8"?>
+<c:chartSpace xmlns:c="http://schemas.openxmlformats.org/drawingml/2006/chart" xmlns:a="http://schemas.openxmlformats.org/drawingml/2006/main" xmlns:r="http://schemas.openxmlformats.org/officeDocument/2006/relationships" xmlns:c16r2="http://schemas.microsoft.com/office/drawing/2015/06/chart">
+  <c:date1904 val="0"/>
+  <c:lang val="zh-CN"/>
+  <c:roundedCorners val="0"/>
+  <mc:AlternateContent xmlns:mc="http://schemas.openxmlformats.org/markup-compatibility/2006">
+    <mc:Choice xmlns:c14="http://schemas.microsoft.com/office/drawing/2007/8/2/chart" Requires="c14">
+      <c14:style val="102"/>
+    </mc:Choice>
+    <mc:Fallback>
+      <c:style val="2"/>
+    </mc:Fallback>
+  </mc:AlternateContent>
+  <c:chart>
+    <c:title>
+      <c:tx>
+        <c:rich>
+          <a:bodyPr rot="0" spcFirstLastPara="1" vertOverflow="ellipsis" vert="horz" wrap="square" anchor="ctr" anchorCtr="1"/>
+          <a:lstStyle/>
+          <a:p>
+            <a:pPr>
+              <a:defRPr sz="1862" b="0" i="0" u="none" strike="noStrike" kern="1200" spc="0" baseline="0">
+                <a:solidFill>
+                  <a:schemeClr val="tx1">
+                    <a:lumMod val="65000"/>
+                    <a:lumOff val="35000"/>
+                  </a:schemeClr>
+                </a:solidFill>
+                <a:latin typeface="+mn-lt"/>
+                <a:ea typeface="+mn-ea"/>
+                <a:cs typeface="+mn-cs"/>
+              </a:defRPr>
+            </a:pPr>
+            <a:r>
+              <a:rPr lang="zh-CN" altLang="en-US" dirty="0"/>
+              <a:t>不同核大小的核函数平均耗时</a:t>
+            </a:r>
+          </a:p>
+        </c:rich>
+      </c:tx>
+      <c:overlay val="0"/>
+      <c:spPr>
+        <a:noFill/>
+        <a:ln>
+          <a:noFill/>
+        </a:ln>
+        <a:effectLst/>
+      </c:spPr>
+      <c:txPr>
+        <a:bodyPr rot="0" spcFirstLastPara="1" vertOverflow="ellipsis" vert="horz" wrap="square" anchor="ctr" anchorCtr="1"/>
+        <a:lstStyle/>
+        <a:p>
+          <a:pPr>
+            <a:defRPr sz="1862" b="0" i="0" u="none" strike="noStrike" kern="1200" spc="0" baseline="0">
+              <a:solidFill>
+                <a:schemeClr val="tx1">
+                  <a:lumMod val="65000"/>
+                  <a:lumOff val="35000"/>
+                </a:schemeClr>
+              </a:solidFill>
+              <a:latin typeface="+mn-lt"/>
+              <a:ea typeface="+mn-ea"/>
+              <a:cs typeface="+mn-cs"/>
+            </a:defRPr>
+          </a:pPr>
+          <a:endParaRPr lang="zh-CN"/>
+        </a:p>
+      </c:txPr>
+    </c:title>
+    <c:autoTitleDeleted val="0"/>
+    <c:plotArea>
+      <c:layout/>
+      <c:barChart>
+        <c:barDir val="col"/>
+        <c:grouping val="clustered"/>
+        <c:varyColors val="0"/>
+        <c:ser>
+          <c:idx val="0"/>
+          <c:order val="0"/>
+          <c:tx>
+            <c:strRef>
+              <c:f>Sheet1!$B$1</c:f>
+              <c:strCache>
+                <c:ptCount val="1"/>
+                <c:pt idx="0">
+                  <c:v>blur_image</c:v>
+                </c:pt>
+              </c:strCache>
+            </c:strRef>
+          </c:tx>
+          <c:spPr>
+            <a:solidFill>
+              <a:schemeClr val="accent1"/>
+            </a:solidFill>
+            <a:ln>
+              <a:noFill/>
+            </a:ln>
+            <a:effectLst/>
+          </c:spPr>
+          <c:invertIfNegative val="0"/>
+          <c:cat>
+            <c:numRef>
+              <c:f>Sheet1!$A$2:$A$7</c:f>
+              <c:numCache>
+                <c:formatCode>General</c:formatCode>
+                <c:ptCount val="6"/>
+                <c:pt idx="0">
+                  <c:v>3</c:v>
+                </c:pt>
+                <c:pt idx="1">
+                  <c:v>5</c:v>
+                </c:pt>
+                <c:pt idx="2">
+                  <c:v>7</c:v>
+                </c:pt>
+                <c:pt idx="3">
+                  <c:v>15</c:v>
+                </c:pt>
+                <c:pt idx="4">
+                  <c:v>21</c:v>
+                </c:pt>
+                <c:pt idx="5">
+                  <c:v>31</c:v>
+                </c:pt>
+              </c:numCache>
+            </c:numRef>
+          </c:cat>
+          <c:val>
+            <c:numRef>
+              <c:f>Sheet1!$B$2:$B$7</c:f>
+              <c:numCache>
+                <c:formatCode>General</c:formatCode>
+                <c:ptCount val="6"/>
+                <c:pt idx="0">
+                  <c:v>1.0269E-2</c:v>
+                </c:pt>
+                <c:pt idx="1">
+                  <c:v>1.7028499999999998E-2</c:v>
+                </c:pt>
+                <c:pt idx="2">
+                  <c:v>2.16873E-2</c:v>
+                </c:pt>
+                <c:pt idx="3">
+                  <c:v>8.12919E-2</c:v>
+                </c:pt>
+                <c:pt idx="4">
+                  <c:v>0.157781</c:v>
+                </c:pt>
+                <c:pt idx="5">
+                  <c:v>0.31457400000000002</c:v>
+                </c:pt>
+              </c:numCache>
+            </c:numRef>
+          </c:val>
+          <c:extLst>
+            <c:ext xmlns:c16="http://schemas.microsoft.com/office/drawing/2014/chart" uri="{C3380CC4-5D6E-409C-BE32-E72D297353CC}">
+              <c16:uniqueId val="{00000000-3370-41AB-8EC9-E55936796A6E}"/>
+            </c:ext>
+          </c:extLst>
+        </c:ser>
+        <c:ser>
+          <c:idx val="1"/>
+          <c:order val="1"/>
+          <c:tx>
+            <c:strRef>
+              <c:f>Sheet1!$C$1</c:f>
+              <c:strCache>
+                <c:ptCount val="1"/>
+                <c:pt idx="0">
+                  <c:v>blur_image_separable</c:v>
+                </c:pt>
+              </c:strCache>
+            </c:strRef>
+          </c:tx>
+          <c:spPr>
+            <a:solidFill>
+              <a:schemeClr val="accent2"/>
+            </a:solidFill>
+            <a:ln>
+              <a:noFill/>
+            </a:ln>
+            <a:effectLst/>
+          </c:spPr>
+          <c:invertIfNegative val="0"/>
+          <c:cat>
+            <c:numRef>
+              <c:f>Sheet1!$A$2:$A$7</c:f>
+              <c:numCache>
+                <c:formatCode>General</c:formatCode>
+                <c:ptCount val="6"/>
+                <c:pt idx="0">
+                  <c:v>3</c:v>
+                </c:pt>
+                <c:pt idx="1">
+                  <c:v>5</c:v>
+                </c:pt>
+                <c:pt idx="2">
+                  <c:v>7</c:v>
+                </c:pt>
+                <c:pt idx="3">
+                  <c:v>15</c:v>
+                </c:pt>
+                <c:pt idx="4">
+                  <c:v>21</c:v>
+                </c:pt>
+                <c:pt idx="5">
+                  <c:v>31</c:v>
+                </c:pt>
+              </c:numCache>
+            </c:numRef>
+          </c:cat>
+          <c:val>
+            <c:numRef>
+              <c:f>Sheet1!$C$2:$C$7</c:f>
+              <c:numCache>
+                <c:formatCode>General</c:formatCode>
+                <c:ptCount val="6"/>
+                <c:pt idx="0">
+                  <c:v>1.59294E-2</c:v>
+                </c:pt>
+                <c:pt idx="1">
+                  <c:v>1.4475699999999999E-2</c:v>
+                </c:pt>
+                <c:pt idx="2">
+                  <c:v>1.73267E-2</c:v>
+                </c:pt>
+                <c:pt idx="3">
+                  <c:v>2.7720100000000001E-2</c:v>
+                </c:pt>
+                <c:pt idx="4">
+                  <c:v>3.2224200000000001E-2</c:v>
+                </c:pt>
+                <c:pt idx="5">
+                  <c:v>4.4315E-2</c:v>
+                </c:pt>
+              </c:numCache>
+            </c:numRef>
+          </c:val>
+          <c:extLst>
+            <c:ext xmlns:c16="http://schemas.microsoft.com/office/drawing/2014/chart" uri="{C3380CC4-5D6E-409C-BE32-E72D297353CC}">
+              <c16:uniqueId val="{00000001-3370-41AB-8EC9-E55936796A6E}"/>
+            </c:ext>
+          </c:extLst>
+        </c:ser>
+        <c:dLbls>
+          <c:showLegendKey val="0"/>
+          <c:showVal val="0"/>
+          <c:showCatName val="0"/>
+          <c:showSerName val="0"/>
+          <c:showPercent val="0"/>
+          <c:showBubbleSize val="0"/>
+        </c:dLbls>
+        <c:gapWidth val="219"/>
+        <c:overlap val="-27"/>
+        <c:axId val="1400470671"/>
+        <c:axId val="1400472591"/>
+      </c:barChart>
+      <c:catAx>
+        <c:axId val="1400470671"/>
+        <c:scaling>
+          <c:orientation val="minMax"/>
+        </c:scaling>
+        <c:delete val="0"/>
+        <c:axPos val="b"/>
+        <c:title>
+          <c:tx>
+            <c:rich>
+              <a:bodyPr rot="0" spcFirstLastPara="1" vertOverflow="ellipsis" vert="horz" wrap="square" anchor="ctr" anchorCtr="1"/>
+              <a:lstStyle/>
+              <a:p>
+                <a:pPr>
+                  <a:defRPr sz="1330" b="0" i="0" u="none" strike="noStrike" kern="1200" baseline="0">
+                    <a:solidFill>
+                      <a:schemeClr val="tx1">
+                        <a:lumMod val="65000"/>
+                        <a:lumOff val="35000"/>
+                      </a:schemeClr>
+                    </a:solidFill>
+                    <a:latin typeface="+mn-lt"/>
+                    <a:ea typeface="+mn-ea"/>
+                    <a:cs typeface="+mn-cs"/>
+                  </a:defRPr>
+                </a:pPr>
+                <a:r>
+                  <a:rPr lang="zh-CN" altLang="en-US" dirty="0"/>
+                  <a:t>核大小</a:t>
+                </a:r>
+              </a:p>
+            </c:rich>
+          </c:tx>
+          <c:overlay val="0"/>
+          <c:spPr>
+            <a:noFill/>
+            <a:ln>
+              <a:noFill/>
+            </a:ln>
+            <a:effectLst/>
+          </c:spPr>
+          <c:txPr>
+            <a:bodyPr rot="0" spcFirstLastPara="1" vertOverflow="ellipsis" vert="horz" wrap="square" anchor="ctr" anchorCtr="1"/>
+            <a:lstStyle/>
+            <a:p>
+              <a:pPr>
+                <a:defRPr sz="1330" b="0" i="0" u="none" strike="noStrike" kern="1200" baseline="0">
+                  <a:solidFill>
+                    <a:schemeClr val="tx1">
+                      <a:lumMod val="65000"/>
+                      <a:lumOff val="35000"/>
+                    </a:schemeClr>
+                  </a:solidFill>
+                  <a:latin typeface="+mn-lt"/>
+                  <a:ea typeface="+mn-ea"/>
+                  <a:cs typeface="+mn-cs"/>
+                </a:defRPr>
+              </a:pPr>
+              <a:endParaRPr lang="zh-CN"/>
+            </a:p>
+          </c:txPr>
+        </c:title>
+        <c:numFmt formatCode="General" sourceLinked="1"/>
+        <c:majorTickMark val="none"/>
+        <c:minorTickMark val="none"/>
+        <c:tickLblPos val="nextTo"/>
+        <c:spPr>
+          <a:noFill/>
+          <a:ln w="9525" cap="flat" cmpd="sng" algn="ctr">
+            <a:solidFill>
+              <a:schemeClr val="tx1">
+                <a:lumMod val="15000"/>
+                <a:lumOff val="85000"/>
+              </a:schemeClr>
+            </a:solidFill>
+            <a:round/>
+          </a:ln>
+          <a:effectLst/>
+        </c:spPr>
+        <c:txPr>
+          <a:bodyPr rot="-60000000" spcFirstLastPara="1" vertOverflow="ellipsis" vert="horz" wrap="square" anchor="ctr" anchorCtr="1"/>
+          <a:lstStyle/>
+          <a:p>
+            <a:pPr>
+              <a:defRPr sz="1197" b="0" i="0" u="none" strike="noStrike" kern="1200" baseline="0">
+                <a:solidFill>
+                  <a:schemeClr val="tx1">
+                    <a:lumMod val="65000"/>
+                    <a:lumOff val="35000"/>
+                  </a:schemeClr>
+                </a:solidFill>
+                <a:latin typeface="+mn-lt"/>
+                <a:ea typeface="+mn-ea"/>
+                <a:cs typeface="+mn-cs"/>
+              </a:defRPr>
+            </a:pPr>
+            <a:endParaRPr lang="zh-CN"/>
+          </a:p>
+        </c:txPr>
+        <c:crossAx val="1400472591"/>
+        <c:crosses val="autoZero"/>
+        <c:auto val="1"/>
+        <c:lblAlgn val="ctr"/>
+        <c:lblOffset val="100"/>
+        <c:noMultiLvlLbl val="0"/>
+      </c:catAx>
+      <c:valAx>
+        <c:axId val="1400472591"/>
+        <c:scaling>
+          <c:orientation val="minMax"/>
+        </c:scaling>
+        <c:delete val="0"/>
+        <c:axPos val="l"/>
+        <c:majorGridlines>
+          <c:spPr>
+            <a:ln w="9525" cap="flat" cmpd="sng" algn="ctr">
+              <a:solidFill>
+                <a:schemeClr val="tx1">
+                  <a:lumMod val="15000"/>
+                  <a:lumOff val="85000"/>
+                </a:schemeClr>
+              </a:solidFill>
+              <a:round/>
+            </a:ln>
+            <a:effectLst/>
+          </c:spPr>
+        </c:majorGridlines>
+        <c:title>
+          <c:tx>
+            <c:rich>
+              <a:bodyPr rot="-5400000" spcFirstLastPara="1" vertOverflow="ellipsis" vert="horz" wrap="square" anchor="ctr" anchorCtr="1"/>
+              <a:lstStyle/>
+              <a:p>
+                <a:pPr>
+                  <a:defRPr sz="1330" b="0" i="0" u="none" strike="noStrike" kern="1200" baseline="0">
+                    <a:solidFill>
+                      <a:schemeClr val="tx1">
+                        <a:lumMod val="65000"/>
+                        <a:lumOff val="35000"/>
+                      </a:schemeClr>
+                    </a:solidFill>
+                    <a:latin typeface="+mn-lt"/>
+                    <a:ea typeface="+mn-ea"/>
+                    <a:cs typeface="+mn-cs"/>
+                  </a:defRPr>
+                </a:pPr>
+                <a:r>
+                  <a:rPr lang="zh-CN" altLang="en-US" dirty="0"/>
+                  <a:t>运行时间 </a:t>
+                </a:r>
+                <a:r>
+                  <a:rPr lang="en-US" altLang="zh-CN" dirty="0"/>
+                  <a:t>(</a:t>
+                </a:r>
+                <a:r>
+                  <a:rPr lang="en-US" altLang="zh-CN" dirty="0" err="1"/>
+                  <a:t>ms</a:t>
+                </a:r>
+                <a:r>
+                  <a:rPr lang="en-US" altLang="zh-CN" dirty="0"/>
+                  <a:t>)</a:t>
+                </a:r>
+                <a:endParaRPr lang="zh-CN" altLang="en-US" dirty="0"/>
+              </a:p>
+            </c:rich>
+          </c:tx>
+          <c:overlay val="0"/>
+          <c:spPr>
+            <a:noFill/>
+            <a:ln>
+              <a:noFill/>
+            </a:ln>
+            <a:effectLst/>
+          </c:spPr>
+          <c:txPr>
+            <a:bodyPr rot="-5400000" spcFirstLastPara="1" vertOverflow="ellipsis" vert="horz" wrap="square" anchor="ctr" anchorCtr="1"/>
+            <a:lstStyle/>
+            <a:p>
+              <a:pPr>
+                <a:defRPr sz="1330" b="0" i="0" u="none" strike="noStrike" kern="1200" baseline="0">
+                  <a:solidFill>
+                    <a:schemeClr val="tx1">
+                      <a:lumMod val="65000"/>
+                      <a:lumOff val="35000"/>
+                    </a:schemeClr>
+                  </a:solidFill>
+                  <a:latin typeface="+mn-lt"/>
+                  <a:ea typeface="+mn-ea"/>
+                  <a:cs typeface="+mn-cs"/>
+                </a:defRPr>
+              </a:pPr>
+              <a:endParaRPr lang="zh-CN" altLang="en-US"/>
+            </a:p>
+          </c:txPr>
+        </c:title>
+        <c:numFmt formatCode="General" sourceLinked="1"/>
+        <c:majorTickMark val="none"/>
+        <c:minorTickMark val="none"/>
+        <c:tickLblPos val="nextTo"/>
+        <c:spPr>
+          <a:noFill/>
+          <a:ln>
+            <a:noFill/>
+          </a:ln>
+          <a:effectLst/>
+        </c:spPr>
+        <c:txPr>
+          <a:bodyPr rot="-60000000" spcFirstLastPara="1" vertOverflow="ellipsis" vert="horz" wrap="square" anchor="ctr" anchorCtr="1"/>
+          <a:lstStyle/>
+          <a:p>
+            <a:pPr>
+              <a:defRPr sz="1197" b="0" i="0" u="none" strike="noStrike" kern="1200" baseline="0">
+                <a:solidFill>
+                  <a:schemeClr val="tx1">
+                    <a:lumMod val="65000"/>
+                    <a:lumOff val="35000"/>
+                  </a:schemeClr>
+                </a:solidFill>
+                <a:latin typeface="+mn-lt"/>
+                <a:ea typeface="+mn-ea"/>
+                <a:cs typeface="+mn-cs"/>
+              </a:defRPr>
+            </a:pPr>
+            <a:endParaRPr lang="zh-CN"/>
+          </a:p>
+        </c:txPr>
+        <c:crossAx val="1400470671"/>
+        <c:crosses val="autoZero"/>
+        <c:crossBetween val="between"/>
+      </c:valAx>
+      <c:dTable>
+        <c:showHorzBorder val="1"/>
+        <c:showVertBorder val="1"/>
+        <c:showOutline val="1"/>
+        <c:showKeys val="1"/>
+        <c:spPr>
+          <a:noFill/>
+          <a:ln w="9525" cap="flat" cmpd="sng" algn="ctr">
+            <a:solidFill>
+              <a:schemeClr val="tx1">
+                <a:lumMod val="15000"/>
+                <a:lumOff val="85000"/>
+              </a:schemeClr>
+            </a:solidFill>
+            <a:round/>
+          </a:ln>
+          <a:effectLst/>
+        </c:spPr>
+        <c:txPr>
+          <a:bodyPr rot="0" spcFirstLastPara="1" vertOverflow="ellipsis" vert="horz" wrap="square" anchor="ctr" anchorCtr="1"/>
+          <a:lstStyle/>
+          <a:p>
+            <a:pPr rtl="0">
+              <a:defRPr sz="1197" b="0" i="0" u="none" strike="noStrike" kern="1200" baseline="0">
+                <a:solidFill>
+                  <a:schemeClr val="tx1">
+                    <a:lumMod val="65000"/>
+                    <a:lumOff val="35000"/>
+                  </a:schemeClr>
+                </a:solidFill>
+                <a:latin typeface="+mn-lt"/>
+                <a:ea typeface="+mn-ea"/>
+                <a:cs typeface="+mn-cs"/>
+              </a:defRPr>
+            </a:pPr>
+            <a:endParaRPr lang="zh-CN"/>
+          </a:p>
+        </c:txPr>
+      </c:dTable>
+      <c:spPr>
+        <a:noFill/>
+        <a:ln>
+          <a:noFill/>
+        </a:ln>
+        <a:effectLst/>
+      </c:spPr>
+    </c:plotArea>
+    <c:legend>
+      <c:legendPos val="b"/>
+      <c:overlay val="0"/>
+      <c:spPr>
+        <a:noFill/>
+        <a:ln>
+          <a:noFill/>
+        </a:ln>
+        <a:effectLst/>
+      </c:spPr>
+      <c:txPr>
+        <a:bodyPr rot="0" spcFirstLastPara="1" vertOverflow="ellipsis" vert="horz" wrap="square" anchor="ctr" anchorCtr="1"/>
+        <a:lstStyle/>
+        <a:p>
+          <a:pPr>
+            <a:defRPr sz="1197" b="0" i="0" u="none" strike="noStrike" kern="1200" baseline="0">
+              <a:solidFill>
+                <a:schemeClr val="tx1">
+                  <a:lumMod val="65000"/>
+                  <a:lumOff val="35000"/>
+                </a:schemeClr>
+              </a:solidFill>
+              <a:latin typeface="+mn-lt"/>
+              <a:ea typeface="+mn-ea"/>
+              <a:cs typeface="+mn-cs"/>
+            </a:defRPr>
+          </a:pPr>
+          <a:endParaRPr lang="zh-CN"/>
+        </a:p>
+      </c:txPr>
+    </c:legend>
+    <c:plotVisOnly val="1"/>
+    <c:dispBlanksAs val="gap"/>
+    <c:showDLblsOverMax val="0"/>
+    <c:extLst>
+      <c:ext xmlns:c16r3="http://schemas.microsoft.com/office/drawing/2017/03/chart" uri="{56B9EC1D-385E-4148-901F-78D8002777C0}">
+        <c16r3:dataDisplayOptions16>
+          <c16r3:dispNaAsBlank val="1"/>
+        </c16r3:dataDisplayOptions16>
+      </c:ext>
+    </c:extLst>
+  </c:chart>
+  <c:spPr>
+    <a:noFill/>
+    <a:ln>
+      <a:noFill/>
+    </a:ln>
+    <a:effectLst/>
+  </c:spPr>
+  <c:txPr>
+    <a:bodyPr/>
+    <a:lstStyle/>
+    <a:p>
+      <a:pPr>
+        <a:defRPr/>
+      </a:pPr>
+      <a:endParaRPr lang="zh-CN"/>
+    </a:p>
+  </c:txPr>
+  <c:externalData r:id="rId3">
+    <c:autoUpdate val="0"/>
+  </c:externalData>
+</c:chartSpace>
+</file>
+
+<file path=ppt/charts/chart2.xml><?xml version="1.0" encoding="utf-8"?>
+<c:chartSpace xmlns:c="http://schemas.openxmlformats.org/drawingml/2006/chart" xmlns:a="http://schemas.openxmlformats.org/drawingml/2006/main" xmlns:r="http://schemas.openxmlformats.org/officeDocument/2006/relationships" xmlns:c16r2="http://schemas.microsoft.com/office/drawing/2015/06/chart">
+  <c:date1904 val="0"/>
+  <c:lang val="zh-CN"/>
+  <c:roundedCorners val="0"/>
+  <mc:AlternateContent xmlns:mc="http://schemas.openxmlformats.org/markup-compatibility/2006">
+    <mc:Choice xmlns:c14="http://schemas.microsoft.com/office/drawing/2007/8/2/chart" Requires="c14">
+      <c14:style val="102"/>
+    </mc:Choice>
+    <mc:Fallback>
+      <c:style val="2"/>
+    </mc:Fallback>
+  </mc:AlternateContent>
+  <c:chart>
+    <c:title>
+      <c:tx>
+        <c:rich>
+          <a:bodyPr rot="0" spcFirstLastPara="1" vertOverflow="ellipsis" vert="horz" wrap="square" anchor="ctr" anchorCtr="1"/>
+          <a:lstStyle/>
+          <a:p>
+            <a:pPr>
+              <a:defRPr sz="1862" b="0" i="0" u="none" strike="noStrike" kern="1200" spc="0" baseline="0">
+                <a:solidFill>
+                  <a:schemeClr val="tx1">
+                    <a:lumMod val="65000"/>
+                    <a:lumOff val="35000"/>
+                  </a:schemeClr>
+                </a:solidFill>
+                <a:latin typeface="+mn-lt"/>
+                <a:ea typeface="+mn-ea"/>
+                <a:cs typeface="+mn-cs"/>
+              </a:defRPr>
+            </a:pPr>
+            <a:r>
+              <a:rPr lang="zh-CN" altLang="en-US" dirty="0"/>
+              <a:t>不同核大小的核函数平均耗时</a:t>
+            </a:r>
+          </a:p>
+        </c:rich>
+      </c:tx>
+      <c:overlay val="0"/>
+      <c:spPr>
+        <a:noFill/>
+        <a:ln>
+          <a:noFill/>
+        </a:ln>
+        <a:effectLst/>
+      </c:spPr>
+      <c:txPr>
+        <a:bodyPr rot="0" spcFirstLastPara="1" vertOverflow="ellipsis" vert="horz" wrap="square" anchor="ctr" anchorCtr="1"/>
+        <a:lstStyle/>
+        <a:p>
+          <a:pPr>
+            <a:defRPr sz="1862" b="0" i="0" u="none" strike="noStrike" kern="1200" spc="0" baseline="0">
+              <a:solidFill>
+                <a:schemeClr val="tx1">
+                  <a:lumMod val="65000"/>
+                  <a:lumOff val="35000"/>
+                </a:schemeClr>
+              </a:solidFill>
+              <a:latin typeface="+mn-lt"/>
+              <a:ea typeface="+mn-ea"/>
+              <a:cs typeface="+mn-cs"/>
+            </a:defRPr>
+          </a:pPr>
+          <a:endParaRPr lang="zh-CN"/>
+        </a:p>
+      </c:txPr>
+    </c:title>
+    <c:autoTitleDeleted val="0"/>
+    <c:plotArea>
+      <c:layout/>
+      <c:barChart>
+        <c:barDir val="col"/>
+        <c:grouping val="clustered"/>
+        <c:varyColors val="0"/>
+        <c:ser>
+          <c:idx val="0"/>
+          <c:order val="0"/>
+          <c:tx>
+            <c:strRef>
+              <c:f>Sheet1!$B$1</c:f>
+              <c:strCache>
+                <c:ptCount val="1"/>
+                <c:pt idx="0">
+                  <c:v>blur_image</c:v>
+                </c:pt>
+              </c:strCache>
+            </c:strRef>
+          </c:tx>
+          <c:spPr>
+            <a:solidFill>
+              <a:schemeClr val="accent1"/>
+            </a:solidFill>
+            <a:ln>
+              <a:noFill/>
+            </a:ln>
+            <a:effectLst/>
+          </c:spPr>
+          <c:invertIfNegative val="0"/>
+          <c:trendline>
+            <c:spPr>
+              <a:ln w="19050" cap="rnd">
+                <a:solidFill>
+                  <a:schemeClr val="accent1"/>
+                </a:solidFill>
+                <a:prstDash val="sysDot"/>
+              </a:ln>
+              <a:effectLst/>
+            </c:spPr>
+            <c:trendlineType val="exp"/>
+            <c:dispRSqr val="0"/>
+            <c:dispEq val="0"/>
+          </c:trendline>
+          <c:cat>
+            <c:numRef>
+              <c:f>Sheet1!$A$2:$A$7</c:f>
+              <c:numCache>
+                <c:formatCode>General</c:formatCode>
+                <c:ptCount val="6"/>
+                <c:pt idx="0">
+                  <c:v>3</c:v>
+                </c:pt>
+                <c:pt idx="1">
+                  <c:v>5</c:v>
+                </c:pt>
+                <c:pt idx="2">
+                  <c:v>7</c:v>
+                </c:pt>
+                <c:pt idx="3">
+                  <c:v>15</c:v>
+                </c:pt>
+                <c:pt idx="4">
+                  <c:v>21</c:v>
+                </c:pt>
+                <c:pt idx="5">
+                  <c:v>31</c:v>
+                </c:pt>
+              </c:numCache>
+            </c:numRef>
+          </c:cat>
+          <c:val>
+            <c:numRef>
+              <c:f>Sheet1!$B$2:$B$7</c:f>
+              <c:numCache>
+                <c:formatCode>General</c:formatCode>
+                <c:ptCount val="6"/>
+                <c:pt idx="0">
+                  <c:v>1.0269E-2</c:v>
+                </c:pt>
+                <c:pt idx="1">
+                  <c:v>1.7028499999999998E-2</c:v>
+                </c:pt>
+                <c:pt idx="2">
+                  <c:v>2.16873E-2</c:v>
+                </c:pt>
+                <c:pt idx="3">
+                  <c:v>8.12919E-2</c:v>
+                </c:pt>
+                <c:pt idx="4">
+                  <c:v>0.157781</c:v>
+                </c:pt>
+                <c:pt idx="5">
+                  <c:v>0.31457400000000002</c:v>
+                </c:pt>
+              </c:numCache>
+            </c:numRef>
+          </c:val>
+          <c:extLst>
+            <c:ext xmlns:c16="http://schemas.microsoft.com/office/drawing/2014/chart" uri="{C3380CC4-5D6E-409C-BE32-E72D297353CC}">
+              <c16:uniqueId val="{00000000-3370-41AB-8EC9-E55936796A6E}"/>
+            </c:ext>
+          </c:extLst>
+        </c:ser>
+        <c:ser>
+          <c:idx val="1"/>
+          <c:order val="1"/>
+          <c:tx>
+            <c:strRef>
+              <c:f>Sheet1!$C$1</c:f>
+              <c:strCache>
+                <c:ptCount val="1"/>
+                <c:pt idx="0">
+                  <c:v>blur_image_separable</c:v>
+                </c:pt>
+              </c:strCache>
+            </c:strRef>
+          </c:tx>
+          <c:spPr>
+            <a:solidFill>
+              <a:schemeClr val="accent2"/>
+            </a:solidFill>
+            <a:ln>
+              <a:noFill/>
+            </a:ln>
+            <a:effectLst/>
+          </c:spPr>
+          <c:invertIfNegative val="0"/>
+          <c:cat>
+            <c:numRef>
+              <c:f>Sheet1!$A$2:$A$7</c:f>
+              <c:numCache>
+                <c:formatCode>General</c:formatCode>
+                <c:ptCount val="6"/>
+                <c:pt idx="0">
+                  <c:v>3</c:v>
+                </c:pt>
+                <c:pt idx="1">
+                  <c:v>5</c:v>
+                </c:pt>
+                <c:pt idx="2">
+                  <c:v>7</c:v>
+                </c:pt>
+                <c:pt idx="3">
+                  <c:v>15</c:v>
+                </c:pt>
+                <c:pt idx="4">
+                  <c:v>21</c:v>
+                </c:pt>
+                <c:pt idx="5">
+                  <c:v>31</c:v>
+                </c:pt>
+              </c:numCache>
+            </c:numRef>
+          </c:cat>
+          <c:val>
+            <c:numRef>
+              <c:f>Sheet1!$C$2:$C$7</c:f>
+              <c:numCache>
+                <c:formatCode>General</c:formatCode>
+                <c:ptCount val="6"/>
+                <c:pt idx="0">
+                  <c:v>1.59294E-2</c:v>
+                </c:pt>
+                <c:pt idx="1">
+                  <c:v>1.4475699999999999E-2</c:v>
+                </c:pt>
+                <c:pt idx="2">
+                  <c:v>1.73267E-2</c:v>
+                </c:pt>
+                <c:pt idx="3">
+                  <c:v>2.7720100000000001E-2</c:v>
+                </c:pt>
+                <c:pt idx="4">
+                  <c:v>3.2224200000000001E-2</c:v>
+                </c:pt>
+                <c:pt idx="5">
+                  <c:v>4.4315E-2</c:v>
+                </c:pt>
+              </c:numCache>
+            </c:numRef>
+          </c:val>
+          <c:extLst>
+            <c:ext xmlns:c16="http://schemas.microsoft.com/office/drawing/2014/chart" uri="{C3380CC4-5D6E-409C-BE32-E72D297353CC}">
+              <c16:uniqueId val="{00000001-3370-41AB-8EC9-E55936796A6E}"/>
+            </c:ext>
+          </c:extLst>
+        </c:ser>
+        <c:dLbls>
+          <c:showLegendKey val="0"/>
+          <c:showVal val="0"/>
+          <c:showCatName val="0"/>
+          <c:showSerName val="0"/>
+          <c:showPercent val="0"/>
+          <c:showBubbleSize val="0"/>
+        </c:dLbls>
+        <c:gapWidth val="219"/>
+        <c:overlap val="-27"/>
+        <c:axId val="1400470671"/>
+        <c:axId val="1400472591"/>
+      </c:barChart>
+      <c:catAx>
+        <c:axId val="1400470671"/>
+        <c:scaling>
+          <c:orientation val="minMax"/>
+        </c:scaling>
+        <c:delete val="0"/>
+        <c:axPos val="b"/>
+        <c:title>
+          <c:tx>
+            <c:rich>
+              <a:bodyPr rot="0" spcFirstLastPara="1" vertOverflow="ellipsis" vert="horz" wrap="square" anchor="ctr" anchorCtr="1"/>
+              <a:lstStyle/>
+              <a:p>
+                <a:pPr>
+                  <a:defRPr sz="1330" b="0" i="0" u="none" strike="noStrike" kern="1200" baseline="0">
+                    <a:solidFill>
+                      <a:schemeClr val="tx1">
+                        <a:lumMod val="65000"/>
+                        <a:lumOff val="35000"/>
+                      </a:schemeClr>
+                    </a:solidFill>
+                    <a:latin typeface="+mn-lt"/>
+                    <a:ea typeface="+mn-ea"/>
+                    <a:cs typeface="+mn-cs"/>
+                  </a:defRPr>
+                </a:pPr>
+                <a:r>
+                  <a:rPr lang="zh-CN" altLang="en-US" dirty="0"/>
+                  <a:t>核大小</a:t>
+                </a:r>
+              </a:p>
+            </c:rich>
+          </c:tx>
+          <c:overlay val="0"/>
+          <c:spPr>
+            <a:noFill/>
+            <a:ln>
+              <a:noFill/>
+            </a:ln>
+            <a:effectLst/>
+          </c:spPr>
+          <c:txPr>
+            <a:bodyPr rot="0" spcFirstLastPara="1" vertOverflow="ellipsis" vert="horz" wrap="square" anchor="ctr" anchorCtr="1"/>
+            <a:lstStyle/>
+            <a:p>
+              <a:pPr>
+                <a:defRPr sz="1330" b="0" i="0" u="none" strike="noStrike" kern="1200" baseline="0">
+                  <a:solidFill>
+                    <a:schemeClr val="tx1">
+                      <a:lumMod val="65000"/>
+                      <a:lumOff val="35000"/>
+                    </a:schemeClr>
+                  </a:solidFill>
+                  <a:latin typeface="+mn-lt"/>
+                  <a:ea typeface="+mn-ea"/>
+                  <a:cs typeface="+mn-cs"/>
+                </a:defRPr>
+              </a:pPr>
+              <a:endParaRPr lang="zh-CN"/>
+            </a:p>
+          </c:txPr>
+        </c:title>
+        <c:numFmt formatCode="General" sourceLinked="1"/>
+        <c:majorTickMark val="none"/>
+        <c:minorTickMark val="none"/>
+        <c:tickLblPos val="nextTo"/>
+        <c:spPr>
+          <a:noFill/>
+          <a:ln w="9525" cap="flat" cmpd="sng" algn="ctr">
+            <a:solidFill>
+              <a:schemeClr val="tx1">
+                <a:lumMod val="15000"/>
+                <a:lumOff val="85000"/>
+              </a:schemeClr>
+            </a:solidFill>
+            <a:round/>
+          </a:ln>
+          <a:effectLst/>
+        </c:spPr>
+        <c:txPr>
+          <a:bodyPr rot="-60000000" spcFirstLastPara="1" vertOverflow="ellipsis" vert="horz" wrap="square" anchor="ctr" anchorCtr="1"/>
+          <a:lstStyle/>
+          <a:p>
+            <a:pPr>
+              <a:defRPr sz="1197" b="0" i="0" u="none" strike="noStrike" kern="1200" baseline="0">
+                <a:solidFill>
+                  <a:schemeClr val="tx1">
+                    <a:lumMod val="65000"/>
+                    <a:lumOff val="35000"/>
+                  </a:schemeClr>
+                </a:solidFill>
+                <a:latin typeface="+mn-lt"/>
+                <a:ea typeface="+mn-ea"/>
+                <a:cs typeface="+mn-cs"/>
+              </a:defRPr>
+            </a:pPr>
+            <a:endParaRPr lang="zh-CN"/>
+          </a:p>
+        </c:txPr>
+        <c:crossAx val="1400472591"/>
+        <c:crosses val="autoZero"/>
+        <c:auto val="1"/>
+        <c:lblAlgn val="ctr"/>
+        <c:lblOffset val="100"/>
+        <c:noMultiLvlLbl val="0"/>
+      </c:catAx>
+      <c:valAx>
+        <c:axId val="1400472591"/>
+        <c:scaling>
+          <c:orientation val="minMax"/>
+        </c:scaling>
+        <c:delete val="0"/>
+        <c:axPos val="l"/>
+        <c:majorGridlines>
+          <c:spPr>
+            <a:ln w="9525" cap="flat" cmpd="sng" algn="ctr">
+              <a:solidFill>
+                <a:schemeClr val="tx1">
+                  <a:lumMod val="15000"/>
+                  <a:lumOff val="85000"/>
+                </a:schemeClr>
+              </a:solidFill>
+              <a:round/>
+            </a:ln>
+            <a:effectLst/>
+          </c:spPr>
+        </c:majorGridlines>
+        <c:title>
+          <c:tx>
+            <c:rich>
+              <a:bodyPr rot="-5400000" spcFirstLastPara="1" vertOverflow="ellipsis" vert="horz" wrap="square" anchor="ctr" anchorCtr="1"/>
+              <a:lstStyle/>
+              <a:p>
+                <a:pPr>
+                  <a:defRPr sz="1330" b="0" i="0" u="none" strike="noStrike" kern="1200" baseline="0">
+                    <a:solidFill>
+                      <a:schemeClr val="tx1">
+                        <a:lumMod val="65000"/>
+                        <a:lumOff val="35000"/>
+                      </a:schemeClr>
+                    </a:solidFill>
+                    <a:latin typeface="+mn-lt"/>
+                    <a:ea typeface="+mn-ea"/>
+                    <a:cs typeface="+mn-cs"/>
+                  </a:defRPr>
+                </a:pPr>
+                <a:r>
+                  <a:rPr lang="zh-CN" altLang="en-US" dirty="0"/>
+                  <a:t>运行时间 </a:t>
+                </a:r>
+                <a:r>
+                  <a:rPr lang="en-US" altLang="zh-CN" dirty="0"/>
+                  <a:t>(</a:t>
+                </a:r>
+                <a:r>
+                  <a:rPr lang="en-US" altLang="zh-CN" dirty="0" err="1"/>
+                  <a:t>ms</a:t>
+                </a:r>
+                <a:r>
+                  <a:rPr lang="en-US" altLang="zh-CN" dirty="0"/>
+                  <a:t>)</a:t>
+                </a:r>
+                <a:endParaRPr lang="zh-CN" altLang="en-US" dirty="0"/>
+              </a:p>
+            </c:rich>
+          </c:tx>
+          <c:overlay val="0"/>
+          <c:spPr>
+            <a:noFill/>
+            <a:ln>
+              <a:noFill/>
+            </a:ln>
+            <a:effectLst/>
+          </c:spPr>
+          <c:txPr>
+            <a:bodyPr rot="-5400000" spcFirstLastPara="1" vertOverflow="ellipsis" vert="horz" wrap="square" anchor="ctr" anchorCtr="1"/>
+            <a:lstStyle/>
+            <a:p>
+              <a:pPr>
+                <a:defRPr sz="1330" b="0" i="0" u="none" strike="noStrike" kern="1200" baseline="0">
+                  <a:solidFill>
+                    <a:schemeClr val="tx1">
+                      <a:lumMod val="65000"/>
+                      <a:lumOff val="35000"/>
+                    </a:schemeClr>
+                  </a:solidFill>
+                  <a:latin typeface="+mn-lt"/>
+                  <a:ea typeface="+mn-ea"/>
+                  <a:cs typeface="+mn-cs"/>
+                </a:defRPr>
+              </a:pPr>
+              <a:endParaRPr lang="zh-CN" altLang="en-US"/>
+            </a:p>
+          </c:txPr>
+        </c:title>
+        <c:numFmt formatCode="General" sourceLinked="1"/>
+        <c:majorTickMark val="none"/>
+        <c:minorTickMark val="none"/>
+        <c:tickLblPos val="nextTo"/>
+        <c:spPr>
+          <a:noFill/>
+          <a:ln>
+            <a:noFill/>
+          </a:ln>
+          <a:effectLst/>
+        </c:spPr>
+        <c:txPr>
+          <a:bodyPr rot="-60000000" spcFirstLastPara="1" vertOverflow="ellipsis" vert="horz" wrap="square" anchor="ctr" anchorCtr="1"/>
+          <a:lstStyle/>
+          <a:p>
+            <a:pPr>
+              <a:defRPr sz="1197" b="0" i="0" u="none" strike="noStrike" kern="1200" baseline="0">
+                <a:solidFill>
+                  <a:schemeClr val="tx1">
+                    <a:lumMod val="65000"/>
+                    <a:lumOff val="35000"/>
+                  </a:schemeClr>
+                </a:solidFill>
+                <a:latin typeface="+mn-lt"/>
+                <a:ea typeface="+mn-ea"/>
+                <a:cs typeface="+mn-cs"/>
+              </a:defRPr>
+            </a:pPr>
+            <a:endParaRPr lang="zh-CN"/>
+          </a:p>
+        </c:txPr>
+        <c:crossAx val="1400470671"/>
+        <c:crosses val="autoZero"/>
+        <c:crossBetween val="between"/>
+      </c:valAx>
+      <c:dTable>
+        <c:showHorzBorder val="1"/>
+        <c:showVertBorder val="1"/>
+        <c:showOutline val="1"/>
+        <c:showKeys val="1"/>
+        <c:spPr>
+          <a:noFill/>
+          <a:ln w="9525" cap="flat" cmpd="sng" algn="ctr">
+            <a:solidFill>
+              <a:schemeClr val="tx1">
+                <a:lumMod val="15000"/>
+                <a:lumOff val="85000"/>
+              </a:schemeClr>
+            </a:solidFill>
+            <a:round/>
+          </a:ln>
+          <a:effectLst/>
+        </c:spPr>
+        <c:txPr>
+          <a:bodyPr rot="0" spcFirstLastPara="1" vertOverflow="ellipsis" vert="horz" wrap="square" anchor="ctr" anchorCtr="1"/>
+          <a:lstStyle/>
+          <a:p>
+            <a:pPr rtl="0">
+              <a:defRPr sz="1197" b="0" i="0" u="none" strike="noStrike" kern="1200" baseline="0">
+                <a:solidFill>
+                  <a:schemeClr val="tx1">
+                    <a:lumMod val="65000"/>
+                    <a:lumOff val="35000"/>
+                  </a:schemeClr>
+                </a:solidFill>
+                <a:latin typeface="+mn-lt"/>
+                <a:ea typeface="+mn-ea"/>
+                <a:cs typeface="+mn-cs"/>
+              </a:defRPr>
+            </a:pPr>
+            <a:endParaRPr lang="zh-CN"/>
+          </a:p>
+        </c:txPr>
+      </c:dTable>
+      <c:spPr>
+        <a:noFill/>
+        <a:ln>
+          <a:noFill/>
+        </a:ln>
+        <a:effectLst/>
+      </c:spPr>
+    </c:plotArea>
+    <c:legend>
+      <c:legendPos val="b"/>
+      <c:overlay val="0"/>
+      <c:spPr>
+        <a:noFill/>
+        <a:ln>
+          <a:noFill/>
+        </a:ln>
+        <a:effectLst/>
+      </c:spPr>
+      <c:txPr>
+        <a:bodyPr rot="0" spcFirstLastPara="1" vertOverflow="ellipsis" vert="horz" wrap="square" anchor="ctr" anchorCtr="1"/>
+        <a:lstStyle/>
+        <a:p>
+          <a:pPr>
+            <a:defRPr sz="1197" b="0" i="0" u="none" strike="noStrike" kern="1200" baseline="0">
+              <a:solidFill>
+                <a:schemeClr val="tx1">
+                  <a:lumMod val="65000"/>
+                  <a:lumOff val="35000"/>
+                </a:schemeClr>
+              </a:solidFill>
+              <a:latin typeface="+mn-lt"/>
+              <a:ea typeface="+mn-ea"/>
+              <a:cs typeface="+mn-cs"/>
+            </a:defRPr>
+          </a:pPr>
+          <a:endParaRPr lang="zh-CN"/>
+        </a:p>
+      </c:txPr>
+    </c:legend>
+    <c:plotVisOnly val="1"/>
+    <c:dispBlanksAs val="gap"/>
+    <c:showDLblsOverMax val="0"/>
+    <c:extLst>
+      <c:ext xmlns:c16r3="http://schemas.microsoft.com/office/drawing/2017/03/chart" uri="{56B9EC1D-385E-4148-901F-78D8002777C0}">
+        <c16r3:dataDisplayOptions16>
+          <c16r3:dispNaAsBlank val="1"/>
+        </c16r3:dataDisplayOptions16>
+      </c:ext>
+    </c:extLst>
+  </c:chart>
+  <c:spPr>
+    <a:noFill/>
+    <a:ln>
+      <a:noFill/>
+    </a:ln>
+    <a:effectLst/>
+  </c:spPr>
+  <c:txPr>
+    <a:bodyPr/>
+    <a:lstStyle/>
+    <a:p>
+      <a:pPr>
+        <a:defRPr/>
+      </a:pPr>
+      <a:endParaRPr lang="zh-CN"/>
+    </a:p>
+  </c:txPr>
+  <c:externalData r:id="rId3">
+    <c:autoUpdate val="0"/>
+  </c:externalData>
+</c:chartSpace>
+</file>
+
+<file path=ppt/charts/chart3.xml><?xml version="1.0" encoding="utf-8"?>
+<c:chartSpace xmlns:c="http://schemas.openxmlformats.org/drawingml/2006/chart" xmlns:a="http://schemas.openxmlformats.org/drawingml/2006/main" xmlns:r="http://schemas.openxmlformats.org/officeDocument/2006/relationships" xmlns:c16r2="http://schemas.microsoft.com/office/drawing/2015/06/chart">
+  <c:date1904 val="0"/>
+  <c:lang val="zh-CN"/>
+  <c:roundedCorners val="0"/>
+  <mc:AlternateContent xmlns:mc="http://schemas.openxmlformats.org/markup-compatibility/2006">
+    <mc:Choice xmlns:c14="http://schemas.microsoft.com/office/drawing/2007/8/2/chart" Requires="c14">
+      <c14:style val="102"/>
+    </mc:Choice>
+    <mc:Fallback>
+      <c:style val="2"/>
+    </mc:Fallback>
+  </mc:AlternateContent>
+  <c:chart>
+    <c:title>
+      <c:tx>
+        <c:rich>
+          <a:bodyPr rot="0" spcFirstLastPara="1" vertOverflow="ellipsis" vert="horz" wrap="square" anchor="ctr" anchorCtr="1"/>
+          <a:lstStyle/>
+          <a:p>
+            <a:pPr>
+              <a:defRPr sz="1862" b="0" i="0" u="none" strike="noStrike" kern="1200" spc="0" baseline="0">
+                <a:solidFill>
+                  <a:schemeClr val="tx1">
+                    <a:lumMod val="65000"/>
+                    <a:lumOff val="35000"/>
+                  </a:schemeClr>
+                </a:solidFill>
+                <a:latin typeface="+mn-lt"/>
+                <a:ea typeface="+mn-ea"/>
+                <a:cs typeface="+mn-cs"/>
+              </a:defRPr>
+            </a:pPr>
+            <a:r>
+              <a:rPr lang="zh-CN" altLang="en-US" dirty="0"/>
+              <a:t>不同核大小的核函数平均耗时</a:t>
+            </a:r>
+          </a:p>
+        </c:rich>
+      </c:tx>
+      <c:overlay val="0"/>
+      <c:spPr>
+        <a:noFill/>
+        <a:ln>
+          <a:noFill/>
+        </a:ln>
+        <a:effectLst/>
+      </c:spPr>
+      <c:txPr>
+        <a:bodyPr rot="0" spcFirstLastPara="1" vertOverflow="ellipsis" vert="horz" wrap="square" anchor="ctr" anchorCtr="1"/>
+        <a:lstStyle/>
+        <a:p>
+          <a:pPr>
+            <a:defRPr sz="1862" b="0" i="0" u="none" strike="noStrike" kern="1200" spc="0" baseline="0">
+              <a:solidFill>
+                <a:schemeClr val="tx1">
+                  <a:lumMod val="65000"/>
+                  <a:lumOff val="35000"/>
+                </a:schemeClr>
+              </a:solidFill>
+              <a:latin typeface="+mn-lt"/>
+              <a:ea typeface="+mn-ea"/>
+              <a:cs typeface="+mn-cs"/>
+            </a:defRPr>
+          </a:pPr>
+          <a:endParaRPr lang="zh-CN"/>
+        </a:p>
+      </c:txPr>
+    </c:title>
+    <c:autoTitleDeleted val="0"/>
+    <c:plotArea>
+      <c:layout/>
+      <c:barChart>
+        <c:barDir val="col"/>
+        <c:grouping val="clustered"/>
+        <c:varyColors val="0"/>
+        <c:ser>
+          <c:idx val="0"/>
+          <c:order val="0"/>
+          <c:tx>
+            <c:strRef>
+              <c:f>Sheet1!$B$1</c:f>
+              <c:strCache>
+                <c:ptCount val="1"/>
+                <c:pt idx="0">
+                  <c:v>blur_image</c:v>
+                </c:pt>
+              </c:strCache>
+            </c:strRef>
+          </c:tx>
+          <c:spPr>
+            <a:solidFill>
+              <a:schemeClr val="accent1"/>
+            </a:solidFill>
+            <a:ln>
+              <a:noFill/>
+            </a:ln>
+            <a:effectLst/>
+          </c:spPr>
+          <c:invertIfNegative val="0"/>
+          <c:cat>
+            <c:numRef>
+              <c:f>Sheet1!$A$2:$A$7</c:f>
+              <c:numCache>
+                <c:formatCode>General</c:formatCode>
+                <c:ptCount val="6"/>
+                <c:pt idx="0">
+                  <c:v>3</c:v>
+                </c:pt>
+                <c:pt idx="1">
+                  <c:v>5</c:v>
+                </c:pt>
+                <c:pt idx="2">
+                  <c:v>7</c:v>
+                </c:pt>
+                <c:pt idx="3">
+                  <c:v>15</c:v>
+                </c:pt>
+                <c:pt idx="4">
+                  <c:v>21</c:v>
+                </c:pt>
+                <c:pt idx="5">
+                  <c:v>31</c:v>
+                </c:pt>
+              </c:numCache>
+            </c:numRef>
+          </c:cat>
+          <c:val>
+            <c:numRef>
+              <c:f>Sheet1!$B$2:$B$7</c:f>
+              <c:numCache>
+                <c:formatCode>General</c:formatCode>
+                <c:ptCount val="6"/>
+                <c:pt idx="0">
+                  <c:v>1.0269E-2</c:v>
+                </c:pt>
+                <c:pt idx="1">
+                  <c:v>1.7028499999999998E-2</c:v>
+                </c:pt>
+                <c:pt idx="2">
+                  <c:v>2.16873E-2</c:v>
+                </c:pt>
+                <c:pt idx="3">
+                  <c:v>8.12919E-2</c:v>
+                </c:pt>
+                <c:pt idx="4">
+                  <c:v>0.157781</c:v>
+                </c:pt>
+                <c:pt idx="5">
+                  <c:v>0.31457400000000002</c:v>
+                </c:pt>
+              </c:numCache>
+            </c:numRef>
+          </c:val>
+          <c:extLst>
+            <c:ext xmlns:c16="http://schemas.microsoft.com/office/drawing/2014/chart" uri="{C3380CC4-5D6E-409C-BE32-E72D297353CC}">
+              <c16:uniqueId val="{00000000-3370-41AB-8EC9-E55936796A6E}"/>
+            </c:ext>
+          </c:extLst>
+        </c:ser>
+        <c:ser>
+          <c:idx val="1"/>
+          <c:order val="1"/>
+          <c:tx>
+            <c:strRef>
+              <c:f>Sheet1!$C$1</c:f>
+              <c:strCache>
+                <c:ptCount val="1"/>
+                <c:pt idx="0">
+                  <c:v>blur_image_separable</c:v>
+                </c:pt>
+              </c:strCache>
+            </c:strRef>
+          </c:tx>
+          <c:spPr>
+            <a:solidFill>
+              <a:schemeClr val="accent2"/>
+            </a:solidFill>
+            <a:ln>
+              <a:noFill/>
+            </a:ln>
+            <a:effectLst/>
+          </c:spPr>
+          <c:invertIfNegative val="0"/>
+          <c:trendline>
+            <c:spPr>
+              <a:ln w="19050" cap="rnd">
+                <a:solidFill>
+                  <a:schemeClr val="accent2"/>
+                </a:solidFill>
+                <a:prstDash val="sysDot"/>
+              </a:ln>
+              <a:effectLst/>
+            </c:spPr>
+            <c:trendlineType val="linear"/>
+            <c:dispRSqr val="0"/>
+            <c:dispEq val="0"/>
+          </c:trendline>
+          <c:cat>
+            <c:numRef>
+              <c:f>Sheet1!$A$2:$A$7</c:f>
+              <c:numCache>
+                <c:formatCode>General</c:formatCode>
+                <c:ptCount val="6"/>
+                <c:pt idx="0">
+                  <c:v>3</c:v>
+                </c:pt>
+                <c:pt idx="1">
+                  <c:v>5</c:v>
+                </c:pt>
+                <c:pt idx="2">
+                  <c:v>7</c:v>
+                </c:pt>
+                <c:pt idx="3">
+                  <c:v>15</c:v>
+                </c:pt>
+                <c:pt idx="4">
+                  <c:v>21</c:v>
+                </c:pt>
+                <c:pt idx="5">
+                  <c:v>31</c:v>
+                </c:pt>
+              </c:numCache>
+            </c:numRef>
+          </c:cat>
+          <c:val>
+            <c:numRef>
+              <c:f>Sheet1!$C$2:$C$7</c:f>
+              <c:numCache>
+                <c:formatCode>General</c:formatCode>
+                <c:ptCount val="6"/>
+                <c:pt idx="0">
+                  <c:v>1.59294E-2</c:v>
+                </c:pt>
+                <c:pt idx="1">
+                  <c:v>1.4475699999999999E-2</c:v>
+                </c:pt>
+                <c:pt idx="2">
+                  <c:v>1.73267E-2</c:v>
+                </c:pt>
+                <c:pt idx="3">
+                  <c:v>2.7720100000000001E-2</c:v>
+                </c:pt>
+                <c:pt idx="4">
+                  <c:v>3.2224200000000001E-2</c:v>
+                </c:pt>
+                <c:pt idx="5">
+                  <c:v>4.4315E-2</c:v>
+                </c:pt>
+              </c:numCache>
+            </c:numRef>
+          </c:val>
+          <c:extLst>
+            <c:ext xmlns:c16="http://schemas.microsoft.com/office/drawing/2014/chart" uri="{C3380CC4-5D6E-409C-BE32-E72D297353CC}">
+              <c16:uniqueId val="{00000001-3370-41AB-8EC9-E55936796A6E}"/>
+            </c:ext>
+          </c:extLst>
+        </c:ser>
+        <c:dLbls>
+          <c:showLegendKey val="0"/>
+          <c:showVal val="0"/>
+          <c:showCatName val="0"/>
+          <c:showSerName val="0"/>
+          <c:showPercent val="0"/>
+          <c:showBubbleSize val="0"/>
+        </c:dLbls>
+        <c:gapWidth val="219"/>
+        <c:overlap val="-27"/>
+        <c:axId val="1400470671"/>
+        <c:axId val="1400472591"/>
+      </c:barChart>
+      <c:catAx>
+        <c:axId val="1400470671"/>
+        <c:scaling>
+          <c:orientation val="minMax"/>
+        </c:scaling>
+        <c:delete val="0"/>
+        <c:axPos val="b"/>
+        <c:title>
+          <c:tx>
+            <c:rich>
+              <a:bodyPr rot="0" spcFirstLastPara="1" vertOverflow="ellipsis" vert="horz" wrap="square" anchor="ctr" anchorCtr="1"/>
+              <a:lstStyle/>
+              <a:p>
+                <a:pPr>
+                  <a:defRPr sz="1330" b="0" i="0" u="none" strike="noStrike" kern="1200" baseline="0">
+                    <a:solidFill>
+                      <a:schemeClr val="tx1">
+                        <a:lumMod val="65000"/>
+                        <a:lumOff val="35000"/>
+                      </a:schemeClr>
+                    </a:solidFill>
+                    <a:latin typeface="+mn-lt"/>
+                    <a:ea typeface="+mn-ea"/>
+                    <a:cs typeface="+mn-cs"/>
+                  </a:defRPr>
+                </a:pPr>
+                <a:r>
+                  <a:rPr lang="zh-CN" altLang="en-US" dirty="0"/>
+                  <a:t>核大小</a:t>
+                </a:r>
+              </a:p>
+            </c:rich>
+          </c:tx>
+          <c:overlay val="0"/>
+          <c:spPr>
+            <a:noFill/>
+            <a:ln>
+              <a:noFill/>
+            </a:ln>
+            <a:effectLst/>
+          </c:spPr>
+          <c:txPr>
+            <a:bodyPr rot="0" spcFirstLastPara="1" vertOverflow="ellipsis" vert="horz" wrap="square" anchor="ctr" anchorCtr="1"/>
+            <a:lstStyle/>
+            <a:p>
+              <a:pPr>
+                <a:defRPr sz="1330" b="0" i="0" u="none" strike="noStrike" kern="1200" baseline="0">
+                  <a:solidFill>
+                    <a:schemeClr val="tx1">
+                      <a:lumMod val="65000"/>
+                      <a:lumOff val="35000"/>
+                    </a:schemeClr>
+                  </a:solidFill>
+                  <a:latin typeface="+mn-lt"/>
+                  <a:ea typeface="+mn-ea"/>
+                  <a:cs typeface="+mn-cs"/>
+                </a:defRPr>
+              </a:pPr>
+              <a:endParaRPr lang="zh-CN"/>
+            </a:p>
+          </c:txPr>
+        </c:title>
+        <c:numFmt formatCode="General" sourceLinked="1"/>
+        <c:majorTickMark val="none"/>
+        <c:minorTickMark val="none"/>
+        <c:tickLblPos val="nextTo"/>
+        <c:spPr>
+          <a:noFill/>
+          <a:ln w="9525" cap="flat" cmpd="sng" algn="ctr">
+            <a:solidFill>
+              <a:schemeClr val="tx1">
+                <a:lumMod val="15000"/>
+                <a:lumOff val="85000"/>
+              </a:schemeClr>
+            </a:solidFill>
+            <a:round/>
+          </a:ln>
+          <a:effectLst/>
+        </c:spPr>
+        <c:txPr>
+          <a:bodyPr rot="-60000000" spcFirstLastPara="1" vertOverflow="ellipsis" vert="horz" wrap="square" anchor="ctr" anchorCtr="1"/>
+          <a:lstStyle/>
+          <a:p>
+            <a:pPr>
+              <a:defRPr sz="1197" b="0" i="0" u="none" strike="noStrike" kern="1200" baseline="0">
+                <a:solidFill>
+                  <a:schemeClr val="tx1">
+                    <a:lumMod val="65000"/>
+                    <a:lumOff val="35000"/>
+                  </a:schemeClr>
+                </a:solidFill>
+                <a:latin typeface="+mn-lt"/>
+                <a:ea typeface="+mn-ea"/>
+                <a:cs typeface="+mn-cs"/>
+              </a:defRPr>
+            </a:pPr>
+            <a:endParaRPr lang="zh-CN"/>
+          </a:p>
+        </c:txPr>
+        <c:crossAx val="1400472591"/>
+        <c:crosses val="autoZero"/>
+        <c:auto val="1"/>
+        <c:lblAlgn val="ctr"/>
+        <c:lblOffset val="100"/>
+        <c:noMultiLvlLbl val="0"/>
+      </c:catAx>
+      <c:valAx>
+        <c:axId val="1400472591"/>
+        <c:scaling>
+          <c:orientation val="minMax"/>
+        </c:scaling>
+        <c:delete val="0"/>
+        <c:axPos val="l"/>
+        <c:majorGridlines>
+          <c:spPr>
+            <a:ln w="9525" cap="flat" cmpd="sng" algn="ctr">
+              <a:solidFill>
+                <a:schemeClr val="tx1">
+                  <a:lumMod val="15000"/>
+                  <a:lumOff val="85000"/>
+                </a:schemeClr>
+              </a:solidFill>
+              <a:round/>
+            </a:ln>
+            <a:effectLst/>
+          </c:spPr>
+        </c:majorGridlines>
+        <c:title>
+          <c:tx>
+            <c:rich>
+              <a:bodyPr rot="-5400000" spcFirstLastPara="1" vertOverflow="ellipsis" vert="horz" wrap="square" anchor="ctr" anchorCtr="1"/>
+              <a:lstStyle/>
+              <a:p>
+                <a:pPr>
+                  <a:defRPr sz="1330" b="0" i="0" u="none" strike="noStrike" kern="1200" baseline="0">
+                    <a:solidFill>
+                      <a:schemeClr val="tx1">
+                        <a:lumMod val="65000"/>
+                        <a:lumOff val="35000"/>
+                      </a:schemeClr>
+                    </a:solidFill>
+                    <a:latin typeface="+mn-lt"/>
+                    <a:ea typeface="+mn-ea"/>
+                    <a:cs typeface="+mn-cs"/>
+                  </a:defRPr>
+                </a:pPr>
+                <a:r>
+                  <a:rPr lang="zh-CN" altLang="en-US" dirty="0"/>
+                  <a:t>运行时间 </a:t>
+                </a:r>
+                <a:r>
+                  <a:rPr lang="en-US" altLang="zh-CN" dirty="0"/>
+                  <a:t>(</a:t>
+                </a:r>
+                <a:r>
+                  <a:rPr lang="en-US" altLang="zh-CN" dirty="0" err="1"/>
+                  <a:t>ms</a:t>
+                </a:r>
+                <a:r>
+                  <a:rPr lang="en-US" altLang="zh-CN" dirty="0"/>
+                  <a:t>)</a:t>
+                </a:r>
+                <a:endParaRPr lang="zh-CN" altLang="en-US" dirty="0"/>
+              </a:p>
+            </c:rich>
+          </c:tx>
+          <c:overlay val="0"/>
+          <c:spPr>
+            <a:noFill/>
+            <a:ln>
+              <a:noFill/>
+            </a:ln>
+            <a:effectLst/>
+          </c:spPr>
+          <c:txPr>
+            <a:bodyPr rot="-5400000" spcFirstLastPara="1" vertOverflow="ellipsis" vert="horz" wrap="square" anchor="ctr" anchorCtr="1"/>
+            <a:lstStyle/>
+            <a:p>
+              <a:pPr>
+                <a:defRPr sz="1330" b="0" i="0" u="none" strike="noStrike" kern="1200" baseline="0">
+                  <a:solidFill>
+                    <a:schemeClr val="tx1">
+                      <a:lumMod val="65000"/>
+                      <a:lumOff val="35000"/>
+                    </a:schemeClr>
+                  </a:solidFill>
+                  <a:latin typeface="+mn-lt"/>
+                  <a:ea typeface="+mn-ea"/>
+                  <a:cs typeface="+mn-cs"/>
+                </a:defRPr>
+              </a:pPr>
+              <a:endParaRPr lang="zh-CN" altLang="en-US"/>
+            </a:p>
+          </c:txPr>
+        </c:title>
+        <c:numFmt formatCode="General" sourceLinked="1"/>
+        <c:majorTickMark val="none"/>
+        <c:minorTickMark val="none"/>
+        <c:tickLblPos val="nextTo"/>
+        <c:spPr>
+          <a:noFill/>
+          <a:ln>
+            <a:noFill/>
+          </a:ln>
+          <a:effectLst/>
+        </c:spPr>
+        <c:txPr>
+          <a:bodyPr rot="-60000000" spcFirstLastPara="1" vertOverflow="ellipsis" vert="horz" wrap="square" anchor="ctr" anchorCtr="1"/>
+          <a:lstStyle/>
+          <a:p>
+            <a:pPr>
+              <a:defRPr sz="1197" b="0" i="0" u="none" strike="noStrike" kern="1200" baseline="0">
+                <a:solidFill>
+                  <a:schemeClr val="tx1">
+                    <a:lumMod val="65000"/>
+                    <a:lumOff val="35000"/>
+                  </a:schemeClr>
+                </a:solidFill>
+                <a:latin typeface="+mn-lt"/>
+                <a:ea typeface="+mn-ea"/>
+                <a:cs typeface="+mn-cs"/>
+              </a:defRPr>
+            </a:pPr>
+            <a:endParaRPr lang="zh-CN"/>
+          </a:p>
+        </c:txPr>
+        <c:crossAx val="1400470671"/>
+        <c:crosses val="autoZero"/>
+        <c:crossBetween val="between"/>
+      </c:valAx>
+      <c:dTable>
+        <c:showHorzBorder val="1"/>
+        <c:showVertBorder val="1"/>
+        <c:showOutline val="1"/>
+        <c:showKeys val="1"/>
+        <c:spPr>
+          <a:noFill/>
+          <a:ln w="9525" cap="flat" cmpd="sng" algn="ctr">
+            <a:solidFill>
+              <a:schemeClr val="tx1">
+                <a:lumMod val="15000"/>
+                <a:lumOff val="85000"/>
+              </a:schemeClr>
+            </a:solidFill>
+            <a:round/>
+          </a:ln>
+          <a:effectLst/>
+        </c:spPr>
+        <c:txPr>
+          <a:bodyPr rot="0" spcFirstLastPara="1" vertOverflow="ellipsis" vert="horz" wrap="square" anchor="ctr" anchorCtr="1"/>
+          <a:lstStyle/>
+          <a:p>
+            <a:pPr rtl="0">
+              <a:defRPr sz="1197" b="0" i="0" u="none" strike="noStrike" kern="1200" baseline="0">
+                <a:solidFill>
+                  <a:schemeClr val="tx1">
+                    <a:lumMod val="65000"/>
+                    <a:lumOff val="35000"/>
+                  </a:schemeClr>
+                </a:solidFill>
+                <a:latin typeface="+mn-lt"/>
+                <a:ea typeface="+mn-ea"/>
+                <a:cs typeface="+mn-cs"/>
+              </a:defRPr>
+            </a:pPr>
+            <a:endParaRPr lang="zh-CN"/>
+          </a:p>
+        </c:txPr>
+      </c:dTable>
+      <c:spPr>
+        <a:noFill/>
+        <a:ln>
+          <a:noFill/>
+        </a:ln>
+        <a:effectLst/>
+      </c:spPr>
+    </c:plotArea>
+    <c:legend>
+      <c:legendPos val="b"/>
+      <c:overlay val="0"/>
+      <c:spPr>
+        <a:noFill/>
+        <a:ln>
+          <a:noFill/>
+        </a:ln>
+        <a:effectLst/>
+      </c:spPr>
+      <c:txPr>
+        <a:bodyPr rot="0" spcFirstLastPara="1" vertOverflow="ellipsis" vert="horz" wrap="square" anchor="ctr" anchorCtr="1"/>
+        <a:lstStyle/>
+        <a:p>
+          <a:pPr>
+            <a:defRPr sz="1197" b="0" i="0" u="none" strike="noStrike" kern="1200" baseline="0">
+              <a:solidFill>
+                <a:schemeClr val="tx1">
+                  <a:lumMod val="65000"/>
+                  <a:lumOff val="35000"/>
+                </a:schemeClr>
+              </a:solidFill>
+              <a:latin typeface="+mn-lt"/>
+              <a:ea typeface="+mn-ea"/>
+              <a:cs typeface="+mn-cs"/>
+            </a:defRPr>
+          </a:pPr>
+          <a:endParaRPr lang="zh-CN"/>
+        </a:p>
+      </c:txPr>
+    </c:legend>
+    <c:plotVisOnly val="1"/>
+    <c:dispBlanksAs val="gap"/>
+    <c:showDLblsOverMax val="0"/>
+    <c:extLst>
+      <c:ext xmlns:c16r3="http://schemas.microsoft.com/office/drawing/2017/03/chart" uri="{56B9EC1D-385E-4148-901F-78D8002777C0}">
+        <c16r3:dataDisplayOptions16>
+          <c16r3:dispNaAsBlank val="1"/>
+        </c16r3:dataDisplayOptions16>
+      </c:ext>
+    </c:extLst>
+  </c:chart>
+  <c:spPr>
+    <a:noFill/>
+    <a:ln>
+      <a:noFill/>
+    </a:ln>
+    <a:effectLst/>
+  </c:spPr>
+  <c:txPr>
+    <a:bodyPr/>
+    <a:lstStyle/>
+    <a:p>
+      <a:pPr>
+        <a:defRPr/>
+      </a:pPr>
+      <a:endParaRPr lang="zh-CN"/>
+    </a:p>
+  </c:txPr>
+  <c:externalData r:id="rId3">
+    <c:autoUpdate val="0"/>
+  </c:externalData>
+</c:chartSpace>
+</file>
+
+<file path=ppt/charts/chart4.xml><?xml version="1.0" encoding="utf-8"?>
+<c:chartSpace xmlns:c="http://schemas.openxmlformats.org/drawingml/2006/chart" xmlns:a="http://schemas.openxmlformats.org/drawingml/2006/main" xmlns:r="http://schemas.openxmlformats.org/officeDocument/2006/relationships" xmlns:c16r2="http://schemas.microsoft.com/office/drawing/2015/06/chart">
+  <c:date1904 val="0"/>
+  <c:lang val="zh-CN"/>
+  <c:roundedCorners val="0"/>
+  <mc:AlternateContent xmlns:mc="http://schemas.openxmlformats.org/markup-compatibility/2006">
+    <mc:Choice xmlns:c14="http://schemas.microsoft.com/office/drawing/2007/8/2/chart" Requires="c14">
+      <c14:style val="102"/>
+    </mc:Choice>
+    <mc:Fallback>
+      <c:style val="2"/>
+    </mc:Fallback>
+  </mc:AlternateContent>
+  <c:chart>
+    <c:title>
+      <c:tx>
+        <c:rich>
+          <a:bodyPr rot="0" spcFirstLastPara="1" vertOverflow="ellipsis" vert="horz" wrap="square" anchor="ctr" anchorCtr="1"/>
+          <a:lstStyle/>
+          <a:p>
+            <a:pPr>
+              <a:defRPr sz="1862" b="0" i="0" u="none" strike="noStrike" kern="1200" spc="0" baseline="0">
+                <a:solidFill>
+                  <a:schemeClr val="tx1">
+                    <a:lumMod val="65000"/>
+                    <a:lumOff val="35000"/>
+                  </a:schemeClr>
+                </a:solidFill>
+                <a:latin typeface="+mn-lt"/>
+                <a:ea typeface="+mn-ea"/>
+                <a:cs typeface="+mn-cs"/>
+              </a:defRPr>
+            </a:pPr>
+            <a:r>
+              <a:rPr lang="zh-CN" altLang="en-US" dirty="0"/>
+              <a:t>不同核大小的核函数平均耗时</a:t>
+            </a:r>
+          </a:p>
+        </c:rich>
+      </c:tx>
+      <c:overlay val="0"/>
+      <c:spPr>
+        <a:noFill/>
+        <a:ln>
+          <a:noFill/>
+        </a:ln>
+        <a:effectLst/>
+      </c:spPr>
+      <c:txPr>
+        <a:bodyPr rot="0" spcFirstLastPara="1" vertOverflow="ellipsis" vert="horz" wrap="square" anchor="ctr" anchorCtr="1"/>
+        <a:lstStyle/>
+        <a:p>
+          <a:pPr>
+            <a:defRPr sz="1862" b="0" i="0" u="none" strike="noStrike" kern="1200" spc="0" baseline="0">
+              <a:solidFill>
+                <a:schemeClr val="tx1">
+                  <a:lumMod val="65000"/>
+                  <a:lumOff val="35000"/>
+                </a:schemeClr>
+              </a:solidFill>
+              <a:latin typeface="+mn-lt"/>
+              <a:ea typeface="+mn-ea"/>
+              <a:cs typeface="+mn-cs"/>
+            </a:defRPr>
+          </a:pPr>
+          <a:endParaRPr lang="zh-CN"/>
+        </a:p>
+      </c:txPr>
+    </c:title>
+    <c:autoTitleDeleted val="0"/>
+    <c:plotArea>
+      <c:layout/>
+      <c:barChart>
+        <c:barDir val="col"/>
+        <c:grouping val="clustered"/>
+        <c:varyColors val="0"/>
+        <c:ser>
+          <c:idx val="0"/>
+          <c:order val="0"/>
+          <c:tx>
+            <c:strRef>
+              <c:f>Sheet1!$B$1</c:f>
+              <c:strCache>
+                <c:ptCount val="1"/>
+                <c:pt idx="0">
+                  <c:v>blur_image</c:v>
+                </c:pt>
+              </c:strCache>
+            </c:strRef>
+          </c:tx>
+          <c:spPr>
+            <a:solidFill>
+              <a:schemeClr val="accent1"/>
+            </a:solidFill>
+            <a:ln>
+              <a:noFill/>
+            </a:ln>
+            <a:effectLst/>
+          </c:spPr>
+          <c:invertIfNegative val="0"/>
+          <c:trendline>
+            <c:spPr>
+              <a:ln w="19050" cap="rnd">
+                <a:solidFill>
+                  <a:schemeClr val="accent1"/>
+                </a:solidFill>
+                <a:prstDash val="sysDot"/>
+              </a:ln>
+              <a:effectLst/>
+            </c:spPr>
+            <c:trendlineType val="exp"/>
+            <c:dispRSqr val="0"/>
+            <c:dispEq val="0"/>
+          </c:trendline>
+          <c:cat>
+            <c:numRef>
+              <c:f>Sheet1!$A$2:$A$7</c:f>
+              <c:numCache>
+                <c:formatCode>General</c:formatCode>
+                <c:ptCount val="6"/>
+                <c:pt idx="0">
+                  <c:v>3</c:v>
+                </c:pt>
+                <c:pt idx="1">
+                  <c:v>5</c:v>
+                </c:pt>
+                <c:pt idx="2">
+                  <c:v>7</c:v>
+                </c:pt>
+                <c:pt idx="3">
+                  <c:v>15</c:v>
+                </c:pt>
+                <c:pt idx="4">
+                  <c:v>21</c:v>
+                </c:pt>
+                <c:pt idx="5">
+                  <c:v>31</c:v>
+                </c:pt>
+              </c:numCache>
+            </c:numRef>
+          </c:cat>
+          <c:val>
+            <c:numRef>
+              <c:f>Sheet1!$B$2:$B$7</c:f>
+              <c:numCache>
+                <c:formatCode>General</c:formatCode>
+                <c:ptCount val="6"/>
+                <c:pt idx="0">
+                  <c:v>1.0269E-2</c:v>
+                </c:pt>
+                <c:pt idx="1">
+                  <c:v>1.7028499999999998E-2</c:v>
+                </c:pt>
+                <c:pt idx="2">
+                  <c:v>2.16873E-2</c:v>
+                </c:pt>
+                <c:pt idx="3">
+                  <c:v>8.12919E-2</c:v>
+                </c:pt>
+                <c:pt idx="4">
+                  <c:v>0.157781</c:v>
+                </c:pt>
+                <c:pt idx="5">
+                  <c:v>0.31457400000000002</c:v>
+                </c:pt>
+              </c:numCache>
+            </c:numRef>
+          </c:val>
+          <c:extLst>
+            <c:ext xmlns:c16="http://schemas.microsoft.com/office/drawing/2014/chart" uri="{C3380CC4-5D6E-409C-BE32-E72D297353CC}">
+              <c16:uniqueId val="{00000000-3370-41AB-8EC9-E55936796A6E}"/>
+            </c:ext>
+          </c:extLst>
+        </c:ser>
+        <c:ser>
+          <c:idx val="1"/>
+          <c:order val="1"/>
+          <c:tx>
+            <c:strRef>
+              <c:f>Sheet1!$C$1</c:f>
+              <c:strCache>
+                <c:ptCount val="1"/>
+                <c:pt idx="0">
+                  <c:v>blur_image_separable</c:v>
+                </c:pt>
+              </c:strCache>
+            </c:strRef>
+          </c:tx>
+          <c:spPr>
+            <a:solidFill>
+              <a:schemeClr val="accent2"/>
+            </a:solidFill>
+            <a:ln>
+              <a:noFill/>
+            </a:ln>
+            <a:effectLst/>
+          </c:spPr>
+          <c:invertIfNegative val="0"/>
+          <c:cat>
+            <c:numRef>
+              <c:f>Sheet1!$A$2:$A$7</c:f>
+              <c:numCache>
+                <c:formatCode>General</c:formatCode>
+                <c:ptCount val="6"/>
+                <c:pt idx="0">
+                  <c:v>3</c:v>
+                </c:pt>
+                <c:pt idx="1">
+                  <c:v>5</c:v>
+                </c:pt>
+                <c:pt idx="2">
+                  <c:v>7</c:v>
+                </c:pt>
+                <c:pt idx="3">
+                  <c:v>15</c:v>
+                </c:pt>
+                <c:pt idx="4">
+                  <c:v>21</c:v>
+                </c:pt>
+                <c:pt idx="5">
+                  <c:v>31</c:v>
+                </c:pt>
+              </c:numCache>
+            </c:numRef>
+          </c:cat>
+          <c:val>
+            <c:numRef>
+              <c:f>Sheet1!$C$2:$C$7</c:f>
+              <c:numCache>
+                <c:formatCode>General</c:formatCode>
+                <c:ptCount val="6"/>
+                <c:pt idx="0">
+                  <c:v>1.59294E-2</c:v>
+                </c:pt>
+                <c:pt idx="1">
+                  <c:v>1.4475699999999999E-2</c:v>
+                </c:pt>
+                <c:pt idx="2">
+                  <c:v>1.73267E-2</c:v>
+                </c:pt>
+                <c:pt idx="3">
+                  <c:v>2.7720100000000001E-2</c:v>
+                </c:pt>
+                <c:pt idx="4">
+                  <c:v>3.2224200000000001E-2</c:v>
+                </c:pt>
+                <c:pt idx="5">
+                  <c:v>4.4315E-2</c:v>
+                </c:pt>
+              </c:numCache>
+            </c:numRef>
+          </c:val>
+          <c:extLst>
+            <c:ext xmlns:c16="http://schemas.microsoft.com/office/drawing/2014/chart" uri="{C3380CC4-5D6E-409C-BE32-E72D297353CC}">
+              <c16:uniqueId val="{00000001-3370-41AB-8EC9-E55936796A6E}"/>
+            </c:ext>
+          </c:extLst>
+        </c:ser>
+        <c:dLbls>
+          <c:showLegendKey val="0"/>
+          <c:showVal val="0"/>
+          <c:showCatName val="0"/>
+          <c:showSerName val="0"/>
+          <c:showPercent val="0"/>
+          <c:showBubbleSize val="0"/>
+        </c:dLbls>
+        <c:gapWidth val="219"/>
+        <c:overlap val="-27"/>
+        <c:axId val="1400470671"/>
+        <c:axId val="1400472591"/>
+      </c:barChart>
+      <c:catAx>
+        <c:axId val="1400470671"/>
+        <c:scaling>
+          <c:orientation val="minMax"/>
+        </c:scaling>
+        <c:delete val="0"/>
+        <c:axPos val="b"/>
+        <c:title>
+          <c:tx>
+            <c:rich>
+              <a:bodyPr rot="0" spcFirstLastPara="1" vertOverflow="ellipsis" vert="horz" wrap="square" anchor="ctr" anchorCtr="1"/>
+              <a:lstStyle/>
+              <a:p>
+                <a:pPr>
+                  <a:defRPr sz="1330" b="0" i="0" u="none" strike="noStrike" kern="1200" baseline="0">
+                    <a:solidFill>
+                      <a:schemeClr val="tx1">
+                        <a:lumMod val="65000"/>
+                        <a:lumOff val="35000"/>
+                      </a:schemeClr>
+                    </a:solidFill>
+                    <a:latin typeface="+mn-lt"/>
+                    <a:ea typeface="+mn-ea"/>
+                    <a:cs typeface="+mn-cs"/>
+                  </a:defRPr>
+                </a:pPr>
+                <a:r>
+                  <a:rPr lang="zh-CN" altLang="en-US" dirty="0"/>
+                  <a:t>核大小</a:t>
+                </a:r>
+              </a:p>
+            </c:rich>
+          </c:tx>
+          <c:overlay val="0"/>
+          <c:spPr>
+            <a:noFill/>
+            <a:ln>
+              <a:noFill/>
+            </a:ln>
+            <a:effectLst/>
+          </c:spPr>
+          <c:txPr>
+            <a:bodyPr rot="0" spcFirstLastPara="1" vertOverflow="ellipsis" vert="horz" wrap="square" anchor="ctr" anchorCtr="1"/>
+            <a:lstStyle/>
+            <a:p>
+              <a:pPr>
+                <a:defRPr sz="1330" b="0" i="0" u="none" strike="noStrike" kern="1200" baseline="0">
+                  <a:solidFill>
+                    <a:schemeClr val="tx1">
+                      <a:lumMod val="65000"/>
+                      <a:lumOff val="35000"/>
+                    </a:schemeClr>
+                  </a:solidFill>
+                  <a:latin typeface="+mn-lt"/>
+                  <a:ea typeface="+mn-ea"/>
+                  <a:cs typeface="+mn-cs"/>
+                </a:defRPr>
+              </a:pPr>
+              <a:endParaRPr lang="zh-CN"/>
+            </a:p>
+          </c:txPr>
+        </c:title>
+        <c:numFmt formatCode="General" sourceLinked="1"/>
+        <c:majorTickMark val="none"/>
+        <c:minorTickMark val="none"/>
+        <c:tickLblPos val="nextTo"/>
+        <c:spPr>
+          <a:noFill/>
+          <a:ln w="9525" cap="flat" cmpd="sng" algn="ctr">
+            <a:solidFill>
+              <a:schemeClr val="tx1">
+                <a:lumMod val="15000"/>
+                <a:lumOff val="85000"/>
+              </a:schemeClr>
+            </a:solidFill>
+            <a:round/>
+          </a:ln>
+          <a:effectLst/>
+        </c:spPr>
+        <c:txPr>
+          <a:bodyPr rot="-60000000" spcFirstLastPara="1" vertOverflow="ellipsis" vert="horz" wrap="square" anchor="ctr" anchorCtr="1"/>
+          <a:lstStyle/>
+          <a:p>
+            <a:pPr>
+              <a:defRPr sz="1197" b="0" i="0" u="none" strike="noStrike" kern="1200" baseline="0">
+                <a:solidFill>
+                  <a:schemeClr val="tx1">
+                    <a:lumMod val="65000"/>
+                    <a:lumOff val="35000"/>
+                  </a:schemeClr>
+                </a:solidFill>
+                <a:latin typeface="+mn-lt"/>
+                <a:ea typeface="+mn-ea"/>
+                <a:cs typeface="+mn-cs"/>
+              </a:defRPr>
+            </a:pPr>
+            <a:endParaRPr lang="zh-CN"/>
+          </a:p>
+        </c:txPr>
+        <c:crossAx val="1400472591"/>
+        <c:crosses val="autoZero"/>
+        <c:auto val="1"/>
+        <c:lblAlgn val="ctr"/>
+        <c:lblOffset val="100"/>
+        <c:noMultiLvlLbl val="0"/>
+      </c:catAx>
+      <c:valAx>
+        <c:axId val="1400472591"/>
+        <c:scaling>
+          <c:orientation val="minMax"/>
+        </c:scaling>
+        <c:delete val="0"/>
+        <c:axPos val="l"/>
+        <c:majorGridlines>
+          <c:spPr>
+            <a:ln w="9525" cap="flat" cmpd="sng" algn="ctr">
+              <a:solidFill>
+                <a:schemeClr val="tx1">
+                  <a:lumMod val="15000"/>
+                  <a:lumOff val="85000"/>
+                </a:schemeClr>
+              </a:solidFill>
+              <a:round/>
+            </a:ln>
+            <a:effectLst/>
+          </c:spPr>
+        </c:majorGridlines>
+        <c:title>
+          <c:tx>
+            <c:rich>
+              <a:bodyPr rot="-5400000" spcFirstLastPara="1" vertOverflow="ellipsis" vert="horz" wrap="square" anchor="ctr" anchorCtr="1"/>
+              <a:lstStyle/>
+              <a:p>
+                <a:pPr>
+                  <a:defRPr sz="1330" b="0" i="0" u="none" strike="noStrike" kern="1200" baseline="0">
+                    <a:solidFill>
+                      <a:schemeClr val="tx1">
+                        <a:lumMod val="65000"/>
+                        <a:lumOff val="35000"/>
+                      </a:schemeClr>
+                    </a:solidFill>
+                    <a:latin typeface="+mn-lt"/>
+                    <a:ea typeface="+mn-ea"/>
+                    <a:cs typeface="+mn-cs"/>
+                  </a:defRPr>
+                </a:pPr>
+                <a:r>
+                  <a:rPr lang="zh-CN" altLang="en-US" dirty="0"/>
+                  <a:t>运行时间 </a:t>
+                </a:r>
+                <a:r>
+                  <a:rPr lang="en-US" altLang="zh-CN" dirty="0"/>
+                  <a:t>(</a:t>
+                </a:r>
+                <a:r>
+                  <a:rPr lang="en-US" altLang="zh-CN" dirty="0" err="1"/>
+                  <a:t>ms</a:t>
+                </a:r>
+                <a:r>
+                  <a:rPr lang="en-US" altLang="zh-CN" dirty="0"/>
+                  <a:t>)</a:t>
+                </a:r>
+                <a:endParaRPr lang="zh-CN" altLang="en-US" dirty="0"/>
+              </a:p>
+            </c:rich>
+          </c:tx>
+          <c:overlay val="0"/>
+          <c:spPr>
+            <a:noFill/>
+            <a:ln>
+              <a:noFill/>
+            </a:ln>
+            <a:effectLst/>
+          </c:spPr>
+          <c:txPr>
+            <a:bodyPr rot="-5400000" spcFirstLastPara="1" vertOverflow="ellipsis" vert="horz" wrap="square" anchor="ctr" anchorCtr="1"/>
+            <a:lstStyle/>
+            <a:p>
+              <a:pPr>
+                <a:defRPr sz="1330" b="0" i="0" u="none" strike="noStrike" kern="1200" baseline="0">
+                  <a:solidFill>
+                    <a:schemeClr val="tx1">
+                      <a:lumMod val="65000"/>
+                      <a:lumOff val="35000"/>
+                    </a:schemeClr>
+                  </a:solidFill>
+                  <a:latin typeface="+mn-lt"/>
+                  <a:ea typeface="+mn-ea"/>
+                  <a:cs typeface="+mn-cs"/>
+                </a:defRPr>
+              </a:pPr>
+              <a:endParaRPr lang="zh-CN" altLang="en-US"/>
+            </a:p>
+          </c:txPr>
+        </c:title>
+        <c:numFmt formatCode="General" sourceLinked="1"/>
+        <c:majorTickMark val="none"/>
+        <c:minorTickMark val="none"/>
+        <c:tickLblPos val="nextTo"/>
+        <c:spPr>
+          <a:noFill/>
+          <a:ln>
+            <a:noFill/>
+          </a:ln>
+          <a:effectLst/>
+        </c:spPr>
+        <c:txPr>
+          <a:bodyPr rot="-60000000" spcFirstLastPara="1" vertOverflow="ellipsis" vert="horz" wrap="square" anchor="ctr" anchorCtr="1"/>
+          <a:lstStyle/>
+          <a:p>
+            <a:pPr>
+              <a:defRPr sz="1197" b="0" i="0" u="none" strike="noStrike" kern="1200" baseline="0">
+                <a:solidFill>
+                  <a:schemeClr val="tx1">
+                    <a:lumMod val="65000"/>
+                    <a:lumOff val="35000"/>
+                  </a:schemeClr>
+                </a:solidFill>
+                <a:latin typeface="+mn-lt"/>
+                <a:ea typeface="+mn-ea"/>
+                <a:cs typeface="+mn-cs"/>
+              </a:defRPr>
+            </a:pPr>
+            <a:endParaRPr lang="zh-CN"/>
+          </a:p>
+        </c:txPr>
+        <c:crossAx val="1400470671"/>
+        <c:crosses val="autoZero"/>
+        <c:crossBetween val="between"/>
+      </c:valAx>
+      <c:dTable>
+        <c:showHorzBorder val="1"/>
+        <c:showVertBorder val="1"/>
+        <c:showOutline val="1"/>
+        <c:showKeys val="1"/>
+        <c:spPr>
+          <a:noFill/>
+          <a:ln w="9525" cap="flat" cmpd="sng" algn="ctr">
+            <a:solidFill>
+              <a:schemeClr val="tx1">
+                <a:lumMod val="15000"/>
+                <a:lumOff val="85000"/>
+              </a:schemeClr>
+            </a:solidFill>
+            <a:round/>
+          </a:ln>
+          <a:effectLst/>
+        </c:spPr>
+        <c:txPr>
+          <a:bodyPr rot="0" spcFirstLastPara="1" vertOverflow="ellipsis" vert="horz" wrap="square" anchor="ctr" anchorCtr="1"/>
+          <a:lstStyle/>
+          <a:p>
+            <a:pPr rtl="0">
+              <a:defRPr sz="1197" b="0" i="0" u="none" strike="noStrike" kern="1200" baseline="0">
+                <a:solidFill>
+                  <a:schemeClr val="tx1">
+                    <a:lumMod val="65000"/>
+                    <a:lumOff val="35000"/>
+                  </a:schemeClr>
+                </a:solidFill>
+                <a:latin typeface="+mn-lt"/>
+                <a:ea typeface="+mn-ea"/>
+                <a:cs typeface="+mn-cs"/>
+              </a:defRPr>
+            </a:pPr>
+            <a:endParaRPr lang="zh-CN"/>
+          </a:p>
+        </c:txPr>
+      </c:dTable>
+      <c:spPr>
+        <a:noFill/>
+        <a:ln>
+          <a:noFill/>
+        </a:ln>
+        <a:effectLst/>
+      </c:spPr>
+    </c:plotArea>
+    <c:legend>
+      <c:legendPos val="b"/>
+      <c:overlay val="0"/>
+      <c:spPr>
+        <a:noFill/>
+        <a:ln>
+          <a:noFill/>
+        </a:ln>
+        <a:effectLst/>
+      </c:spPr>
+      <c:txPr>
+        <a:bodyPr rot="0" spcFirstLastPara="1" vertOverflow="ellipsis" vert="horz" wrap="square" anchor="ctr" anchorCtr="1"/>
+        <a:lstStyle/>
+        <a:p>
+          <a:pPr>
+            <a:defRPr sz="1197" b="0" i="0" u="none" strike="noStrike" kern="1200" baseline="0">
+              <a:solidFill>
+                <a:schemeClr val="tx1">
+                  <a:lumMod val="65000"/>
+                  <a:lumOff val="35000"/>
+                </a:schemeClr>
+              </a:solidFill>
+              <a:latin typeface="+mn-lt"/>
+              <a:ea typeface="+mn-ea"/>
+              <a:cs typeface="+mn-cs"/>
+            </a:defRPr>
+          </a:pPr>
+          <a:endParaRPr lang="zh-CN"/>
+        </a:p>
+      </c:txPr>
+    </c:legend>
+    <c:plotVisOnly val="1"/>
+    <c:dispBlanksAs val="gap"/>
+    <c:showDLblsOverMax val="0"/>
+    <c:extLst>
+      <c:ext xmlns:c16r3="http://schemas.microsoft.com/office/drawing/2017/03/chart" uri="{56B9EC1D-385E-4148-901F-78D8002777C0}">
+        <c16r3:dataDisplayOptions16>
+          <c16r3:dispNaAsBlank val="1"/>
+        </c16r3:dataDisplayOptions16>
+      </c:ext>
+    </c:extLst>
+  </c:chart>
+  <c:spPr>
+    <a:noFill/>
+    <a:ln>
+      <a:noFill/>
+    </a:ln>
+    <a:effectLst/>
+  </c:spPr>
+  <c:txPr>
+    <a:bodyPr/>
+    <a:lstStyle/>
+    <a:p>
+      <a:pPr>
+        <a:defRPr/>
+      </a:pPr>
+      <a:endParaRPr lang="zh-CN"/>
+    </a:p>
+  </c:txPr>
+  <c:externalData r:id="rId3">
+    <c:autoUpdate val="0"/>
+  </c:externalData>
+</c:chartSpace>
+</file>
+
+<file path=ppt/charts/chart5.xml><?xml version="1.0" encoding="utf-8"?>
+<c:chartSpace xmlns:c="http://schemas.openxmlformats.org/drawingml/2006/chart" xmlns:a="http://schemas.openxmlformats.org/drawingml/2006/main" xmlns:r="http://schemas.openxmlformats.org/officeDocument/2006/relationships" xmlns:c16r2="http://schemas.microsoft.com/office/drawing/2015/06/chart">
+  <c:date1904 val="0"/>
+  <c:lang val="zh-CN"/>
+  <c:roundedCorners val="0"/>
+  <mc:AlternateContent xmlns:mc="http://schemas.openxmlformats.org/markup-compatibility/2006">
+    <mc:Choice xmlns:c14="http://schemas.microsoft.com/office/drawing/2007/8/2/chart" Requires="c14">
+      <c14:style val="102"/>
+    </mc:Choice>
+    <mc:Fallback>
+      <c:style val="2"/>
+    </mc:Fallback>
+  </mc:AlternateContent>
+  <c:chart>
+    <c:title>
+      <c:tx>
+        <c:rich>
+          <a:bodyPr rot="0" spcFirstLastPara="1" vertOverflow="ellipsis" vert="horz" wrap="square" anchor="ctr" anchorCtr="1"/>
+          <a:lstStyle/>
+          <a:p>
+            <a:pPr>
+              <a:defRPr sz="1862" b="0" i="0" u="none" strike="noStrike" kern="1200" spc="0" baseline="0">
+                <a:solidFill>
+                  <a:schemeClr val="tx1">
+                    <a:lumMod val="65000"/>
+                    <a:lumOff val="35000"/>
+                  </a:schemeClr>
+                </a:solidFill>
+                <a:latin typeface="+mn-lt"/>
+                <a:ea typeface="+mn-ea"/>
+                <a:cs typeface="+mn-cs"/>
+              </a:defRPr>
+            </a:pPr>
+            <a:r>
+              <a:rPr lang="zh-CN" altLang="en-US" dirty="0"/>
+              <a:t>不同核大小的核函数平均耗时</a:t>
+            </a:r>
+          </a:p>
+        </c:rich>
+      </c:tx>
+      <c:overlay val="0"/>
+      <c:spPr>
+        <a:noFill/>
+        <a:ln>
+          <a:noFill/>
+        </a:ln>
+        <a:effectLst/>
+      </c:spPr>
+      <c:txPr>
+        <a:bodyPr rot="0" spcFirstLastPara="1" vertOverflow="ellipsis" vert="horz" wrap="square" anchor="ctr" anchorCtr="1"/>
+        <a:lstStyle/>
+        <a:p>
+          <a:pPr>
+            <a:defRPr sz="1862" b="0" i="0" u="none" strike="noStrike" kern="1200" spc="0" baseline="0">
+              <a:solidFill>
+                <a:schemeClr val="tx1">
+                  <a:lumMod val="65000"/>
+                  <a:lumOff val="35000"/>
+                </a:schemeClr>
+              </a:solidFill>
+              <a:latin typeface="+mn-lt"/>
+              <a:ea typeface="+mn-ea"/>
+              <a:cs typeface="+mn-cs"/>
+            </a:defRPr>
+          </a:pPr>
+          <a:endParaRPr lang="zh-CN"/>
+        </a:p>
+      </c:txPr>
+    </c:title>
+    <c:autoTitleDeleted val="0"/>
+    <c:plotArea>
+      <c:layout/>
+      <c:barChart>
+        <c:barDir val="col"/>
+        <c:grouping val="clustered"/>
+        <c:varyColors val="0"/>
+        <c:ser>
+          <c:idx val="0"/>
+          <c:order val="0"/>
+          <c:tx>
+            <c:strRef>
+              <c:f>Sheet1!$B$1</c:f>
+              <c:strCache>
+                <c:ptCount val="1"/>
+                <c:pt idx="0">
+                  <c:v>blur_image</c:v>
+                </c:pt>
+              </c:strCache>
+            </c:strRef>
+          </c:tx>
+          <c:spPr>
+            <a:solidFill>
+              <a:schemeClr val="accent1"/>
+            </a:solidFill>
+            <a:ln>
+              <a:noFill/>
+            </a:ln>
+            <a:effectLst/>
+          </c:spPr>
+          <c:invertIfNegative val="0"/>
+          <c:cat>
+            <c:numRef>
+              <c:f>Sheet1!$A$2:$A$7</c:f>
+              <c:numCache>
+                <c:formatCode>General</c:formatCode>
+                <c:ptCount val="6"/>
+                <c:pt idx="0">
+                  <c:v>3</c:v>
+                </c:pt>
+                <c:pt idx="1">
+                  <c:v>5</c:v>
+                </c:pt>
+                <c:pt idx="2">
+                  <c:v>7</c:v>
+                </c:pt>
+                <c:pt idx="3">
+                  <c:v>15</c:v>
+                </c:pt>
+                <c:pt idx="4">
+                  <c:v>21</c:v>
+                </c:pt>
+                <c:pt idx="5">
+                  <c:v>31</c:v>
+                </c:pt>
+              </c:numCache>
+            </c:numRef>
+          </c:cat>
+          <c:val>
+            <c:numRef>
+              <c:f>Sheet1!$B$2:$B$7</c:f>
+              <c:numCache>
+                <c:formatCode>General</c:formatCode>
+                <c:ptCount val="6"/>
+                <c:pt idx="0">
+                  <c:v>1.0269E-2</c:v>
+                </c:pt>
+                <c:pt idx="1">
+                  <c:v>1.7028499999999998E-2</c:v>
+                </c:pt>
+                <c:pt idx="2">
+                  <c:v>2.16873E-2</c:v>
+                </c:pt>
+                <c:pt idx="3">
+                  <c:v>8.12919E-2</c:v>
+                </c:pt>
+                <c:pt idx="4">
+                  <c:v>0.157781</c:v>
+                </c:pt>
+                <c:pt idx="5">
+                  <c:v>0.31457400000000002</c:v>
+                </c:pt>
+              </c:numCache>
+            </c:numRef>
+          </c:val>
+          <c:extLst>
+            <c:ext xmlns:c16="http://schemas.microsoft.com/office/drawing/2014/chart" uri="{C3380CC4-5D6E-409C-BE32-E72D297353CC}">
+              <c16:uniqueId val="{00000000-3370-41AB-8EC9-E55936796A6E}"/>
+            </c:ext>
+          </c:extLst>
+        </c:ser>
+        <c:ser>
+          <c:idx val="1"/>
+          <c:order val="1"/>
+          <c:tx>
+            <c:strRef>
+              <c:f>Sheet1!$C$1</c:f>
+              <c:strCache>
+                <c:ptCount val="1"/>
+                <c:pt idx="0">
+                  <c:v>blur_image_separable</c:v>
+                </c:pt>
+              </c:strCache>
+            </c:strRef>
+          </c:tx>
+          <c:spPr>
+            <a:solidFill>
+              <a:schemeClr val="accent2"/>
+            </a:solidFill>
+            <a:ln>
+              <a:noFill/>
+            </a:ln>
+            <a:effectLst/>
+          </c:spPr>
+          <c:invertIfNegative val="0"/>
+          <c:trendline>
+            <c:spPr>
+              <a:ln w="19050" cap="rnd">
+                <a:solidFill>
+                  <a:schemeClr val="accent2"/>
+                </a:solidFill>
+                <a:prstDash val="sysDot"/>
+              </a:ln>
+              <a:effectLst/>
+            </c:spPr>
+            <c:trendlineType val="linear"/>
+            <c:dispRSqr val="0"/>
+            <c:dispEq val="0"/>
+          </c:trendline>
+          <c:cat>
+            <c:numRef>
+              <c:f>Sheet1!$A$2:$A$7</c:f>
+              <c:numCache>
+                <c:formatCode>General</c:formatCode>
+                <c:ptCount val="6"/>
+                <c:pt idx="0">
+                  <c:v>3</c:v>
+                </c:pt>
+                <c:pt idx="1">
+                  <c:v>5</c:v>
+                </c:pt>
+                <c:pt idx="2">
+                  <c:v>7</c:v>
+                </c:pt>
+                <c:pt idx="3">
+                  <c:v>15</c:v>
+                </c:pt>
+                <c:pt idx="4">
+                  <c:v>21</c:v>
+                </c:pt>
+                <c:pt idx="5">
+                  <c:v>31</c:v>
+                </c:pt>
+              </c:numCache>
+            </c:numRef>
+          </c:cat>
+          <c:val>
+            <c:numRef>
+              <c:f>Sheet1!$C$2:$C$7</c:f>
+              <c:numCache>
+                <c:formatCode>General</c:formatCode>
+                <c:ptCount val="6"/>
+                <c:pt idx="0">
+                  <c:v>1.59294E-2</c:v>
+                </c:pt>
+                <c:pt idx="1">
+                  <c:v>1.4475699999999999E-2</c:v>
+                </c:pt>
+                <c:pt idx="2">
+                  <c:v>1.73267E-2</c:v>
+                </c:pt>
+                <c:pt idx="3">
+                  <c:v>2.7720100000000001E-2</c:v>
+                </c:pt>
+                <c:pt idx="4">
+                  <c:v>3.2224200000000001E-2</c:v>
+                </c:pt>
+                <c:pt idx="5">
+                  <c:v>4.4315E-2</c:v>
+                </c:pt>
+              </c:numCache>
+            </c:numRef>
+          </c:val>
+          <c:extLst>
+            <c:ext xmlns:c16="http://schemas.microsoft.com/office/drawing/2014/chart" uri="{C3380CC4-5D6E-409C-BE32-E72D297353CC}">
+              <c16:uniqueId val="{00000001-3370-41AB-8EC9-E55936796A6E}"/>
+            </c:ext>
+          </c:extLst>
+        </c:ser>
+        <c:dLbls>
+          <c:showLegendKey val="0"/>
+          <c:showVal val="0"/>
+          <c:showCatName val="0"/>
+          <c:showSerName val="0"/>
+          <c:showPercent val="0"/>
+          <c:showBubbleSize val="0"/>
+        </c:dLbls>
+        <c:gapWidth val="219"/>
+        <c:overlap val="-27"/>
+        <c:axId val="1400470671"/>
+        <c:axId val="1400472591"/>
+      </c:barChart>
+      <c:catAx>
+        <c:axId val="1400470671"/>
+        <c:scaling>
+          <c:orientation val="minMax"/>
+        </c:scaling>
+        <c:delete val="0"/>
+        <c:axPos val="b"/>
+        <c:title>
+          <c:tx>
+            <c:rich>
+              <a:bodyPr rot="0" spcFirstLastPara="1" vertOverflow="ellipsis" vert="horz" wrap="square" anchor="ctr" anchorCtr="1"/>
+              <a:lstStyle/>
+              <a:p>
+                <a:pPr>
+                  <a:defRPr sz="1330" b="0" i="0" u="none" strike="noStrike" kern="1200" baseline="0">
+                    <a:solidFill>
+                      <a:schemeClr val="tx1">
+                        <a:lumMod val="65000"/>
+                        <a:lumOff val="35000"/>
+                      </a:schemeClr>
+                    </a:solidFill>
+                    <a:latin typeface="+mn-lt"/>
+                    <a:ea typeface="+mn-ea"/>
+                    <a:cs typeface="+mn-cs"/>
+                  </a:defRPr>
+                </a:pPr>
+                <a:r>
+                  <a:rPr lang="zh-CN" altLang="en-US" dirty="0"/>
+                  <a:t>核大小</a:t>
+                </a:r>
+              </a:p>
+            </c:rich>
+          </c:tx>
+          <c:overlay val="0"/>
+          <c:spPr>
+            <a:noFill/>
+            <a:ln>
+              <a:noFill/>
+            </a:ln>
+            <a:effectLst/>
+          </c:spPr>
+          <c:txPr>
+            <a:bodyPr rot="0" spcFirstLastPara="1" vertOverflow="ellipsis" vert="horz" wrap="square" anchor="ctr" anchorCtr="1"/>
+            <a:lstStyle/>
+            <a:p>
+              <a:pPr>
+                <a:defRPr sz="1330" b="0" i="0" u="none" strike="noStrike" kern="1200" baseline="0">
+                  <a:solidFill>
+                    <a:schemeClr val="tx1">
+                      <a:lumMod val="65000"/>
+                      <a:lumOff val="35000"/>
+                    </a:schemeClr>
+                  </a:solidFill>
+                  <a:latin typeface="+mn-lt"/>
+                  <a:ea typeface="+mn-ea"/>
+                  <a:cs typeface="+mn-cs"/>
+                </a:defRPr>
+              </a:pPr>
+              <a:endParaRPr lang="zh-CN"/>
+            </a:p>
+          </c:txPr>
+        </c:title>
+        <c:numFmt formatCode="General" sourceLinked="1"/>
+        <c:majorTickMark val="none"/>
+        <c:minorTickMark val="none"/>
+        <c:tickLblPos val="nextTo"/>
+        <c:spPr>
+          <a:noFill/>
+          <a:ln w="9525" cap="flat" cmpd="sng" algn="ctr">
+            <a:solidFill>
+              <a:schemeClr val="tx1">
+                <a:lumMod val="15000"/>
+                <a:lumOff val="85000"/>
+              </a:schemeClr>
+            </a:solidFill>
+            <a:round/>
+          </a:ln>
+          <a:effectLst/>
+        </c:spPr>
+        <c:txPr>
+          <a:bodyPr rot="-60000000" spcFirstLastPara="1" vertOverflow="ellipsis" vert="horz" wrap="square" anchor="ctr" anchorCtr="1"/>
+          <a:lstStyle/>
+          <a:p>
+            <a:pPr>
+              <a:defRPr sz="1197" b="0" i="0" u="none" strike="noStrike" kern="1200" baseline="0">
+                <a:solidFill>
+                  <a:schemeClr val="tx1">
+                    <a:lumMod val="65000"/>
+                    <a:lumOff val="35000"/>
+                  </a:schemeClr>
+                </a:solidFill>
+                <a:latin typeface="+mn-lt"/>
+                <a:ea typeface="+mn-ea"/>
+                <a:cs typeface="+mn-cs"/>
+              </a:defRPr>
+            </a:pPr>
+            <a:endParaRPr lang="zh-CN"/>
+          </a:p>
+        </c:txPr>
+        <c:crossAx val="1400472591"/>
+        <c:crosses val="autoZero"/>
+        <c:auto val="1"/>
+        <c:lblAlgn val="ctr"/>
+        <c:lblOffset val="100"/>
+        <c:noMultiLvlLbl val="0"/>
+      </c:catAx>
+      <c:valAx>
+        <c:axId val="1400472591"/>
+        <c:scaling>
+          <c:orientation val="minMax"/>
+        </c:scaling>
+        <c:delete val="0"/>
+        <c:axPos val="l"/>
+        <c:majorGridlines>
+          <c:spPr>
+            <a:ln w="9525" cap="flat" cmpd="sng" algn="ctr">
+              <a:solidFill>
+                <a:schemeClr val="tx1">
+                  <a:lumMod val="15000"/>
+                  <a:lumOff val="85000"/>
+                </a:schemeClr>
+              </a:solidFill>
+              <a:round/>
+            </a:ln>
+            <a:effectLst/>
+          </c:spPr>
+        </c:majorGridlines>
+        <c:title>
+          <c:tx>
+            <c:rich>
+              <a:bodyPr rot="-5400000" spcFirstLastPara="1" vertOverflow="ellipsis" vert="horz" wrap="square" anchor="ctr" anchorCtr="1"/>
+              <a:lstStyle/>
+              <a:p>
+                <a:pPr>
+                  <a:defRPr sz="1330" b="0" i="0" u="none" strike="noStrike" kern="1200" baseline="0">
+                    <a:solidFill>
+                      <a:schemeClr val="tx1">
+                        <a:lumMod val="65000"/>
+                        <a:lumOff val="35000"/>
+                      </a:schemeClr>
+                    </a:solidFill>
+                    <a:latin typeface="+mn-lt"/>
+                    <a:ea typeface="+mn-ea"/>
+                    <a:cs typeface="+mn-cs"/>
+                  </a:defRPr>
+                </a:pPr>
+                <a:r>
+                  <a:rPr lang="zh-CN" altLang="en-US" dirty="0"/>
+                  <a:t>运行时间 </a:t>
+                </a:r>
+                <a:r>
+                  <a:rPr lang="en-US" altLang="zh-CN" dirty="0"/>
+                  <a:t>(</a:t>
+                </a:r>
+                <a:r>
+                  <a:rPr lang="en-US" altLang="zh-CN" dirty="0" err="1"/>
+                  <a:t>ms</a:t>
+                </a:r>
+                <a:r>
+                  <a:rPr lang="en-US" altLang="zh-CN" dirty="0"/>
+                  <a:t>)</a:t>
+                </a:r>
+                <a:endParaRPr lang="zh-CN" altLang="en-US" dirty="0"/>
+              </a:p>
+            </c:rich>
+          </c:tx>
+          <c:overlay val="0"/>
+          <c:spPr>
+            <a:noFill/>
+            <a:ln>
+              <a:noFill/>
+            </a:ln>
+            <a:effectLst/>
+          </c:spPr>
+          <c:txPr>
+            <a:bodyPr rot="-5400000" spcFirstLastPara="1" vertOverflow="ellipsis" vert="horz" wrap="square" anchor="ctr" anchorCtr="1"/>
+            <a:lstStyle/>
+            <a:p>
+              <a:pPr>
+                <a:defRPr sz="1330" b="0" i="0" u="none" strike="noStrike" kern="1200" baseline="0">
+                  <a:solidFill>
+                    <a:schemeClr val="tx1">
+                      <a:lumMod val="65000"/>
+                      <a:lumOff val="35000"/>
+                    </a:schemeClr>
+                  </a:solidFill>
+                  <a:latin typeface="+mn-lt"/>
+                  <a:ea typeface="+mn-ea"/>
+                  <a:cs typeface="+mn-cs"/>
+                </a:defRPr>
+              </a:pPr>
+              <a:endParaRPr lang="zh-CN" altLang="en-US"/>
+            </a:p>
+          </c:txPr>
+        </c:title>
+        <c:numFmt formatCode="General" sourceLinked="1"/>
+        <c:majorTickMark val="none"/>
+        <c:minorTickMark val="none"/>
+        <c:tickLblPos val="nextTo"/>
+        <c:spPr>
+          <a:noFill/>
+          <a:ln>
+            <a:noFill/>
+          </a:ln>
+          <a:effectLst/>
+        </c:spPr>
+        <c:txPr>
+          <a:bodyPr rot="-60000000" spcFirstLastPara="1" vertOverflow="ellipsis" vert="horz" wrap="square" anchor="ctr" anchorCtr="1"/>
+          <a:lstStyle/>
+          <a:p>
+            <a:pPr>
+              <a:defRPr sz="1197" b="0" i="0" u="none" strike="noStrike" kern="1200" baseline="0">
+                <a:solidFill>
+                  <a:schemeClr val="tx1">
+                    <a:lumMod val="65000"/>
+                    <a:lumOff val="35000"/>
+                  </a:schemeClr>
+                </a:solidFill>
+                <a:latin typeface="+mn-lt"/>
+                <a:ea typeface="+mn-ea"/>
+                <a:cs typeface="+mn-cs"/>
+              </a:defRPr>
+            </a:pPr>
+            <a:endParaRPr lang="zh-CN"/>
+          </a:p>
+        </c:txPr>
+        <c:crossAx val="1400470671"/>
+        <c:crosses val="autoZero"/>
+        <c:crossBetween val="between"/>
+      </c:valAx>
+      <c:dTable>
+        <c:showHorzBorder val="1"/>
+        <c:showVertBorder val="1"/>
+        <c:showOutline val="1"/>
+        <c:showKeys val="1"/>
+        <c:spPr>
+          <a:noFill/>
+          <a:ln w="9525" cap="flat" cmpd="sng" algn="ctr">
+            <a:solidFill>
+              <a:schemeClr val="tx1">
+                <a:lumMod val="15000"/>
+                <a:lumOff val="85000"/>
+              </a:schemeClr>
+            </a:solidFill>
+            <a:round/>
+          </a:ln>
+          <a:effectLst/>
+        </c:spPr>
+        <c:txPr>
+          <a:bodyPr rot="0" spcFirstLastPara="1" vertOverflow="ellipsis" vert="horz" wrap="square" anchor="ctr" anchorCtr="1"/>
+          <a:lstStyle/>
+          <a:p>
+            <a:pPr rtl="0">
+              <a:defRPr sz="1197" b="0" i="0" u="none" strike="noStrike" kern="1200" baseline="0">
+                <a:solidFill>
+                  <a:schemeClr val="tx1">
+                    <a:lumMod val="65000"/>
+                    <a:lumOff val="35000"/>
+                  </a:schemeClr>
+                </a:solidFill>
+                <a:latin typeface="+mn-lt"/>
+                <a:ea typeface="+mn-ea"/>
+                <a:cs typeface="+mn-cs"/>
+              </a:defRPr>
+            </a:pPr>
+            <a:endParaRPr lang="zh-CN"/>
+          </a:p>
+        </c:txPr>
+      </c:dTable>
+      <c:spPr>
+        <a:noFill/>
+        <a:ln>
+          <a:noFill/>
+        </a:ln>
+        <a:effectLst/>
+      </c:spPr>
+    </c:plotArea>
+    <c:legend>
+      <c:legendPos val="b"/>
+      <c:overlay val="0"/>
+      <c:spPr>
+        <a:noFill/>
+        <a:ln>
+          <a:noFill/>
+        </a:ln>
+        <a:effectLst/>
+      </c:spPr>
+      <c:txPr>
+        <a:bodyPr rot="0" spcFirstLastPara="1" vertOverflow="ellipsis" vert="horz" wrap="square" anchor="ctr" anchorCtr="1"/>
+        <a:lstStyle/>
+        <a:p>
+          <a:pPr>
+            <a:defRPr sz="1197" b="0" i="0" u="none" strike="noStrike" kern="1200" baseline="0">
+              <a:solidFill>
+                <a:schemeClr val="tx1">
+                  <a:lumMod val="65000"/>
+                  <a:lumOff val="35000"/>
+                </a:schemeClr>
+              </a:solidFill>
+              <a:latin typeface="+mn-lt"/>
+              <a:ea typeface="+mn-ea"/>
+              <a:cs typeface="+mn-cs"/>
+            </a:defRPr>
+          </a:pPr>
+          <a:endParaRPr lang="zh-CN"/>
+        </a:p>
+      </c:txPr>
+    </c:legend>
+    <c:plotVisOnly val="1"/>
+    <c:dispBlanksAs val="gap"/>
+    <c:showDLblsOverMax val="0"/>
+    <c:extLst>
+      <c:ext xmlns:c16r3="http://schemas.microsoft.com/office/drawing/2017/03/chart" uri="{56B9EC1D-385E-4148-901F-78D8002777C0}">
+        <c16r3:dataDisplayOptions16>
+          <c16r3:dispNaAsBlank val="1"/>
+        </c16r3:dataDisplayOptions16>
+      </c:ext>
+    </c:extLst>
+  </c:chart>
+  <c:spPr>
+    <a:noFill/>
+    <a:ln>
+      <a:noFill/>
+    </a:ln>
+    <a:effectLst/>
+  </c:spPr>
+  <c:txPr>
+    <a:bodyPr/>
+    <a:lstStyle/>
+    <a:p>
+      <a:pPr>
+        <a:defRPr/>
+      </a:pPr>
+      <a:endParaRPr lang="zh-CN"/>
+    </a:p>
+  </c:txPr>
+  <c:externalData r:id="rId3">
+    <c:autoUpdate val="0"/>
+  </c:externalData>
+</c:chartSpace>
+</file>
+
+<file path=ppt/charts/colors1.xml><?xml version="1.0" encoding="utf-8"?>
+<cs:colorStyle xmlns:cs="http://schemas.microsoft.com/office/drawing/2012/chartStyle" xmlns:a="http://schemas.openxmlformats.org/drawingml/2006/main" meth="cycle" id="10">
+  <a:schemeClr val="accent1"/>
+  <a:schemeClr val="accent2"/>
+  <a:schemeClr val="accent3"/>
+  <a:schemeClr val="accent4"/>
+  <a:schemeClr val="accent5"/>
+  <a:schemeClr val="accent6"/>
+  <cs:variation/>
+  <cs:variation>
+    <a:lumMod val="60000"/>
+  </cs:variation>
+  <cs:variation>
+    <a:lumMod val="80000"/>
+    <a:lumOff val="20000"/>
+  </cs:variation>
+  <cs:variation>
+    <a:lumMod val="80000"/>
+  </cs:variation>
+  <cs:variation>
+    <a:lumMod val="60000"/>
+    <a:lumOff val="40000"/>
+  </cs:variation>
+  <cs:variation>
+    <a:lumMod val="50000"/>
+  </cs:variation>
+  <cs:variation>
+    <a:lumMod val="70000"/>
+    <a:lumOff val="30000"/>
+  </cs:variation>
+  <cs:variation>
+    <a:lumMod val="70000"/>
+  </cs:variation>
+  <cs:variation>
+    <a:lumMod val="50000"/>
+    <a:lumOff val="50000"/>
+  </cs:variation>
+</cs:colorStyle>
+</file>
+
+<file path=ppt/charts/colors2.xml><?xml version="1.0" encoding="utf-8"?>
+<cs:colorStyle xmlns:cs="http://schemas.microsoft.com/office/drawing/2012/chartStyle" xmlns:a="http://schemas.openxmlformats.org/drawingml/2006/main" meth="cycle" id="10">
+  <a:schemeClr val="accent1"/>
+  <a:schemeClr val="accent2"/>
+  <a:schemeClr val="accent3"/>
+  <a:schemeClr val="accent4"/>
+  <a:schemeClr val="accent5"/>
+  <a:schemeClr val="accent6"/>
+  <cs:variation/>
+  <cs:variation>
+    <a:lumMod val="60000"/>
+  </cs:variation>
+  <cs:variation>
+    <a:lumMod val="80000"/>
+    <a:lumOff val="20000"/>
+  </cs:variation>
+  <cs:variation>
+    <a:lumMod val="80000"/>
+  </cs:variation>
+  <cs:variation>
+    <a:lumMod val="60000"/>
+    <a:lumOff val="40000"/>
+  </cs:variation>
+  <cs:variation>
+    <a:lumMod val="50000"/>
+  </cs:variation>
+  <cs:variation>
+    <a:lumMod val="70000"/>
+    <a:lumOff val="30000"/>
+  </cs:variation>
+  <cs:variation>
+    <a:lumMod val="70000"/>
+  </cs:variation>
+  <cs:variation>
+    <a:lumMod val="50000"/>
+    <a:lumOff val="50000"/>
+  </cs:variation>
+</cs:colorStyle>
+</file>
+
+<file path=ppt/charts/colors3.xml><?xml version="1.0" encoding="utf-8"?>
+<cs:colorStyle xmlns:cs="http://schemas.microsoft.com/office/drawing/2012/chartStyle" xmlns:a="http://schemas.openxmlformats.org/drawingml/2006/main" meth="cycle" id="10">
+  <a:schemeClr val="accent1"/>
+  <a:schemeClr val="accent2"/>
+  <a:schemeClr val="accent3"/>
+  <a:schemeClr val="accent4"/>
+  <a:schemeClr val="accent5"/>
+  <a:schemeClr val="accent6"/>
+  <cs:variation/>
+  <cs:variation>
+    <a:lumMod val="60000"/>
+  </cs:variation>
+  <cs:variation>
+    <a:lumMod val="80000"/>
+    <a:lumOff val="20000"/>
+  </cs:variation>
+  <cs:variation>
+    <a:lumMod val="80000"/>
+  </cs:variation>
+  <cs:variation>
+    <a:lumMod val="60000"/>
+    <a:lumOff val="40000"/>
+  </cs:variation>
+  <cs:variation>
+    <a:lumMod val="50000"/>
+  </cs:variation>
+  <cs:variation>
+    <a:lumMod val="70000"/>
+    <a:lumOff val="30000"/>
+  </cs:variation>
+  <cs:variation>
+    <a:lumMod val="70000"/>
+  </cs:variation>
+  <cs:variation>
+    <a:lumMod val="50000"/>
+    <a:lumOff val="50000"/>
+  </cs:variation>
+</cs:colorStyle>
+</file>
+
+<file path=ppt/charts/colors4.xml><?xml version="1.0" encoding="utf-8"?>
+<cs:colorStyle xmlns:cs="http://schemas.microsoft.com/office/drawing/2012/chartStyle" xmlns:a="http://schemas.openxmlformats.org/drawingml/2006/main" meth="cycle" id="10">
+  <a:schemeClr val="accent1"/>
+  <a:schemeClr val="accent2"/>
+  <a:schemeClr val="accent3"/>
+  <a:schemeClr val="accent4"/>
+  <a:schemeClr val="accent5"/>
+  <a:schemeClr val="accent6"/>
+  <cs:variation/>
+  <cs:variation>
+    <a:lumMod val="60000"/>
+  </cs:variation>
+  <cs:variation>
+    <a:lumMod val="80000"/>
+    <a:lumOff val="20000"/>
+  </cs:variation>
+  <cs:variation>
+    <a:lumMod val="80000"/>
+  </cs:variation>
+  <cs:variation>
+    <a:lumMod val="60000"/>
+    <a:lumOff val="40000"/>
+  </cs:variation>
+  <cs:variation>
+    <a:lumMod val="50000"/>
+  </cs:variation>
+  <cs:variation>
+    <a:lumMod val="70000"/>
+    <a:lumOff val="30000"/>
+  </cs:variation>
+  <cs:variation>
+    <a:lumMod val="70000"/>
+  </cs:variation>
+  <cs:variation>
+    <a:lumMod val="50000"/>
+    <a:lumOff val="50000"/>
+  </cs:variation>
+</cs:colorStyle>
+</file>
+
+<file path=ppt/charts/colors5.xml><?xml version="1.0" encoding="utf-8"?>
+<cs:colorStyle xmlns:cs="http://schemas.microsoft.com/office/drawing/2012/chartStyle" xmlns:a="http://schemas.openxmlformats.org/drawingml/2006/main" meth="cycle" id="10">
+  <a:schemeClr val="accent1"/>
+  <a:schemeClr val="accent2"/>
+  <a:schemeClr val="accent3"/>
+  <a:schemeClr val="accent4"/>
+  <a:schemeClr val="accent5"/>
+  <a:schemeClr val="accent6"/>
+  <cs:variation/>
+  <cs:variation>
+    <a:lumMod val="60000"/>
+  </cs:variation>
+  <cs:variation>
+    <a:lumMod val="80000"/>
+    <a:lumOff val="20000"/>
+  </cs:variation>
+  <cs:variation>
+    <a:lumMod val="80000"/>
+  </cs:variation>
+  <cs:variation>
+    <a:lumMod val="60000"/>
+    <a:lumOff val="40000"/>
+  </cs:variation>
+  <cs:variation>
+    <a:lumMod val="50000"/>
+  </cs:variation>
+  <cs:variation>
+    <a:lumMod val="70000"/>
+    <a:lumOff val="30000"/>
+  </cs:variation>
+  <cs:variation>
+    <a:lumMod val="70000"/>
+  </cs:variation>
+  <cs:variation>
+    <a:lumMod val="50000"/>
+    <a:lumOff val="50000"/>
+  </cs:variation>
+</cs:colorStyle>
+</file>
+
+<file path=ppt/charts/style1.xml><?xml version="1.0" encoding="utf-8"?>
+<cs:chartStyle xmlns:cs="http://schemas.microsoft.com/office/drawing/2012/chartStyle" xmlns:a="http://schemas.openxmlformats.org/drawingml/2006/main" id="201">
+  <cs:axisTitle>
+    <cs:lnRef idx="0"/>
+    <cs:fillRef idx="0"/>
+    <cs:effectRef idx="0"/>
+    <cs:fontRef idx="minor">
+      <a:schemeClr val="tx1">
+        <a:lumMod val="65000"/>
+        <a:lumOff val="35000"/>
+      </a:schemeClr>
+    </cs:fontRef>
+    <cs:defRPr sz="1330" kern="1200"/>
+  </cs:axisTitle>
+  <cs:categoryAxis>
+    <cs:lnRef idx="0"/>
+    <cs:fillRef idx="0"/>
+    <cs:effectRef idx="0"/>
+    <cs:fontRef idx="minor">
+      <a:schemeClr val="tx1">
+        <a:lumMod val="65000"/>
+        <a:lumOff val="35000"/>
+      </a:schemeClr>
+    </cs:fontRef>
+    <cs:spPr>
+      <a:ln w="9525" cap="flat" cmpd="sng" algn="ctr">
+        <a:solidFill>
+          <a:schemeClr val="tx1">
+            <a:lumMod val="15000"/>
+            <a:lumOff val="85000"/>
+          </a:schemeClr>
+        </a:solidFill>
+        <a:round/>
+      </a:ln>
+    </cs:spPr>
+    <cs:defRPr sz="1197" kern="1200"/>
+  </cs:categoryAxis>
+  <cs:chartArea mods="allowNoFillOverride allowNoLineOverride">
+    <cs:lnRef idx="0"/>
+    <cs:fillRef idx="0"/>
+    <cs:effectRef idx="0"/>
+    <cs:fontRef idx="minor">
+      <a:schemeClr val="tx1"/>
+    </cs:fontRef>
+    <cs:spPr>
+      <a:solidFill>
+        <a:schemeClr val="bg1"/>
+      </a:solidFill>
+      <a:ln w="9525" cap="flat" cmpd="sng" algn="ctr">
+        <a:solidFill>
+          <a:schemeClr val="tx1">
+            <a:lumMod val="15000"/>
+            <a:lumOff val="85000"/>
+          </a:schemeClr>
+        </a:solidFill>
+        <a:round/>
+      </a:ln>
+    </cs:spPr>
+    <cs:defRPr sz="1330" kern="1200"/>
+  </cs:chartArea>
+  <cs:dataLabel>
+    <cs:lnRef idx="0"/>
+    <cs:fillRef idx="0"/>
+    <cs:effectRef idx="0"/>
+    <cs:fontRef idx="minor">
+      <a:schemeClr val="tx1">
+        <a:lumMod val="75000"/>
+        <a:lumOff val="25000"/>
+      </a:schemeClr>
+    </cs:fontRef>
+    <cs:defRPr sz="1197" kern="1200"/>
+  </cs:dataLabel>
+  <cs:dataLabelCallout>
+    <cs:lnRef idx="0"/>
+    <cs:fillRef idx="0"/>
+    <cs:effectRef idx="0"/>
+    <cs:fontRef idx="minor">
+      <a:schemeClr val="dk1">
+        <a:lumMod val="65000"/>
+        <a:lumOff val="35000"/>
+      </a:schemeClr>
+    </cs:fontRef>
+    <cs:spPr>
+      <a:solidFill>
+        <a:schemeClr val="lt1"/>
+      </a:solidFill>
+      <a:ln>
+        <a:solidFill>
+          <a:schemeClr val="dk1">
+            <a:lumMod val="25000"/>
+            <a:lumOff val="75000"/>
+          </a:schemeClr>
+        </a:solidFill>
+      </a:ln>
+    </cs:spPr>
+    <cs:defRPr sz="1197" kern="1200"/>
+    <cs:bodyPr rot="0" spcFirstLastPara="1" vertOverflow="clip" horzOverflow="clip" vert="horz" wrap="square" lIns="36576" tIns="18288" rIns="36576" bIns="18288" anchor="ctr" anchorCtr="1">
+      <a:spAutoFit/>
+    </cs:bodyPr>
+  </cs:dataLabelCallout>
+  <cs:dataPoint>
+    <cs:lnRef idx="0"/>
+    <cs:fillRef idx="1">
+      <cs:styleClr val="auto"/>
+    </cs:fillRef>
+    <cs:effectRef idx="0"/>
+    <cs:fontRef idx="minor">
+      <a:schemeClr val="tx1"/>
+    </cs:fontRef>
+  </cs:dataPoint>
+  <cs:dataPoint3D>
+    <cs:lnRef idx="0"/>
+    <cs:fillRef idx="1">
+      <cs:styleClr val="auto"/>
+    </cs:fillRef>
+    <cs:effectRef idx="0"/>
+    <cs:fontRef idx="minor">
+      <a:schemeClr val="tx1"/>
+    </cs:fontRef>
+  </cs:dataPoint3D>
+  <cs:dataPointLine>
+    <cs:lnRef idx="0">
+      <cs:styleClr val="auto"/>
+    </cs:lnRef>
+    <cs:fillRef idx="1"/>
+    <cs:effectRef idx="0"/>
+    <cs:fontRef idx="minor">
+      <a:schemeClr val="tx1"/>
+    </cs:fontRef>
+    <cs:spPr>
+      <a:ln w="28575" cap="rnd">
+        <a:solidFill>
+          <a:schemeClr val="phClr"/>
+        </a:solidFill>
+        <a:round/>
+      </a:ln>
+    </cs:spPr>
+  </cs:dataPointLine>
+  <cs:dataPointMarker>
+    <cs:lnRef idx="0">
+      <cs:styleClr val="auto"/>
+    </cs:lnRef>
+    <cs:fillRef idx="1">
+      <cs:styleClr val="auto"/>
+    </cs:fillRef>
+    <cs:effectRef idx="0"/>
+    <cs:fontRef idx="minor">
+      <a:schemeClr val="tx1"/>
+    </cs:fontRef>
+    <cs:spPr>
+      <a:ln w="9525">
+        <a:solidFill>
+          <a:schemeClr val="phClr"/>
+        </a:solidFill>
+      </a:ln>
+    </cs:spPr>
+  </cs:dataPointMarker>
+  <cs:dataPointMarkerLayout symbol="circle" size="5"/>
+  <cs:dataPointWireframe>
+    <cs:lnRef idx="0">
+      <cs:styleClr val="auto"/>
+    </cs:lnRef>
+    <cs:fillRef idx="1"/>
+    <cs:effectRef idx="0"/>
+    <cs:fontRef idx="minor">
+      <a:schemeClr val="tx1"/>
+    </cs:fontRef>
+    <cs:spPr>
+      <a:ln w="9525" cap="rnd">
+        <a:solidFill>
+          <a:schemeClr val="phClr"/>
+        </a:solidFill>
+        <a:round/>
+      </a:ln>
+    </cs:spPr>
+  </cs:dataPointWireframe>
+  <cs:dataTable>
+    <cs:lnRef idx="0"/>
+    <cs:fillRef idx="0"/>
+    <cs:effectRef idx="0"/>
+    <cs:fontRef idx="minor">
+      <a:schemeClr val="tx1">
+        <a:lumMod val="65000"/>
+        <a:lumOff val="35000"/>
+      </a:schemeClr>
+    </cs:fontRef>
+    <cs:spPr>
+      <a:noFill/>
+      <a:ln w="9525" cap="flat" cmpd="sng" algn="ctr">
+        <a:solidFill>
+          <a:schemeClr val="tx1">
+            <a:lumMod val="15000"/>
+            <a:lumOff val="85000"/>
+          </a:schemeClr>
+        </a:solidFill>
+        <a:round/>
+      </a:ln>
+    </cs:spPr>
+    <cs:defRPr sz="1197" kern="1200"/>
+  </cs:dataTable>
+  <cs:downBar>
+    <cs:lnRef idx="0"/>
+    <cs:fillRef idx="0"/>
+    <cs:effectRef idx="0"/>
+    <cs:fontRef idx="minor">
+      <a:schemeClr val="dk1"/>
+    </cs:fontRef>
+    <cs:spPr>
+      <a:solidFill>
+        <a:schemeClr val="dk1">
+          <a:lumMod val="65000"/>
+          <a:lumOff val="35000"/>
+        </a:schemeClr>
+      </a:solidFill>
+      <a:ln w="9525">
+        <a:solidFill>
+          <a:schemeClr val="tx1">
+            <a:lumMod val="65000"/>
+            <a:lumOff val="35000"/>
+          </a:schemeClr>
+        </a:solidFill>
+      </a:ln>
+    </cs:spPr>
+  </cs:downBar>
+  <cs:dropLine>
+    <cs:lnRef idx="0"/>
+    <cs:fillRef idx="0"/>
+    <cs:effectRef idx="0"/>
+    <cs:fontRef idx="minor">
+      <a:schemeClr val="tx1"/>
+    </cs:fontRef>
+    <cs:spPr>
+      <a:ln w="9525" cap="flat" cmpd="sng" algn="ctr">
+        <a:solidFill>
+          <a:schemeClr val="tx1">
+            <a:lumMod val="35000"/>
+            <a:lumOff val="65000"/>
+          </a:schemeClr>
+        </a:solidFill>
+        <a:round/>
+      </a:ln>
+    </cs:spPr>
+  </cs:dropLine>
+  <cs:errorBar>
+    <cs:lnRef idx="0"/>
+    <cs:fillRef idx="0"/>
+    <cs:effectRef idx="0"/>
+    <cs:fontRef idx="minor">
+      <a:schemeClr val="tx1"/>
+    </cs:fontRef>
+    <cs:spPr>
+      <a:ln w="9525" cap="flat" cmpd="sng" algn="ctr">
+        <a:solidFill>
+          <a:schemeClr val="tx1">
+            <a:lumMod val="65000"/>
+            <a:lumOff val="35000"/>
+          </a:schemeClr>
+        </a:solidFill>
+        <a:round/>
+      </a:ln>
+    </cs:spPr>
+  </cs:errorBar>
+  <cs:floor>
+    <cs:lnRef idx="0"/>
+    <cs:fillRef idx="0"/>
+    <cs:effectRef idx="0"/>
+    <cs:fontRef idx="minor">
+      <a:schemeClr val="tx1"/>
+    </cs:fontRef>
+    <cs:spPr>
+      <a:noFill/>
+      <a:ln>
+        <a:noFill/>
+      </a:ln>
+    </cs:spPr>
+  </cs:floor>
+  <cs:gridlineMajor>
+    <cs:lnRef idx="0"/>
+    <cs:fillRef idx="0"/>
+    <cs:effectRef idx="0"/>
+    <cs:fontRef idx="minor">
+      <a:schemeClr val="tx1"/>
+    </cs:fontRef>
+    <cs:spPr>
+      <a:ln w="9525" cap="flat" cmpd="sng" algn="ctr">
+        <a:solidFill>
+          <a:schemeClr val="tx1">
+            <a:lumMod val="15000"/>
+            <a:lumOff val="85000"/>
+          </a:schemeClr>
+        </a:solidFill>
+        <a:round/>
+      </a:ln>
+    </cs:spPr>
+  </cs:gridlineMajor>
+  <cs:gridlineMinor>
+    <cs:lnRef idx="0"/>
+    <cs:fillRef idx="0"/>
+    <cs:effectRef idx="0"/>
+    <cs:fontRef idx="minor">
+      <a:schemeClr val="tx1"/>
+    </cs:fontRef>
+    <cs:spPr>
+      <a:ln w="9525" cap="flat" cmpd="sng" algn="ctr">
+        <a:solidFill>
+          <a:schemeClr val="tx1">
+            <a:lumMod val="5000"/>
+            <a:lumOff val="95000"/>
+          </a:schemeClr>
+        </a:solidFill>
+        <a:round/>
+      </a:ln>
+    </cs:spPr>
+  </cs:gridlineMinor>
+  <cs:hiLoLine>
+    <cs:lnRef idx="0"/>
+    <cs:fillRef idx="0"/>
+    <cs:effectRef idx="0"/>
+    <cs:fontRef idx="minor">
+      <a:schemeClr val="tx1"/>
+    </cs:fontRef>
+    <cs:spPr>
+      <a:ln w="9525" cap="flat" cmpd="sng" algn="ctr">
+        <a:solidFill>
+          <a:schemeClr val="tx1">
+            <a:lumMod val="75000"/>
+            <a:lumOff val="25000"/>
+          </a:schemeClr>
+        </a:solidFill>
+        <a:round/>
+      </a:ln>
+    </cs:spPr>
+  </cs:hiLoLine>
+  <cs:leaderLine>
+    <cs:lnRef idx="0"/>
+    <cs:fillRef idx="0"/>
+    <cs:effectRef idx="0"/>
+    <cs:fontRef idx="minor">
+      <a:schemeClr val="tx1"/>
+    </cs:fontRef>
+    <cs:spPr>
+      <a:ln w="9525" cap="flat" cmpd="sng" algn="ctr">
+        <a:solidFill>
+          <a:schemeClr val="tx1">
+            <a:lumMod val="35000"/>
+            <a:lumOff val="65000"/>
+          </a:schemeClr>
+        </a:solidFill>
+        <a:round/>
+      </a:ln>
+    </cs:spPr>
+  </cs:leaderLine>
+  <cs:legend>
+    <cs:lnRef idx="0"/>
+    <cs:fillRef idx="0"/>
+    <cs:effectRef idx="0"/>
+    <cs:fontRef idx="minor">
+      <a:schemeClr val="tx1">
+        <a:lumMod val="65000"/>
+        <a:lumOff val="35000"/>
+      </a:schemeClr>
+    </cs:fontRef>
+    <cs:defRPr sz="1197" kern="1200"/>
+  </cs:legend>
+  <cs:plotArea mods="allowNoFillOverride allowNoLineOverride">
+    <cs:lnRef idx="0"/>
+    <cs:fillRef idx="0"/>
+    <cs:effectRef idx="0"/>
+    <cs:fontRef idx="minor">
+      <a:schemeClr val="tx1"/>
+    </cs:fontRef>
+  </cs:plotArea>
+  <cs:plotArea3D mods="allowNoFillOverride allowNoLineOverride">
+    <cs:lnRef idx="0"/>
+    <cs:fillRef idx="0"/>
+    <cs:effectRef idx="0"/>
+    <cs:fontRef idx="minor">
+      <a:schemeClr val="tx1"/>
+    </cs:fontRef>
+  </cs:plotArea3D>
+  <cs:seriesAxis>
+    <cs:lnRef idx="0"/>
+    <cs:fillRef idx="0"/>
+    <cs:effectRef idx="0"/>
+    <cs:fontRef idx="minor">
+      <a:schemeClr val="tx1">
+        <a:lumMod val="65000"/>
+        <a:lumOff val="35000"/>
+      </a:schemeClr>
+    </cs:fontRef>
+    <cs:defRPr sz="1197" kern="1200"/>
+  </cs:seriesAxis>
+  <cs:seriesLine>
+    <cs:lnRef idx="0"/>
+    <cs:fillRef idx="0"/>
+    <cs:effectRef idx="0"/>
+    <cs:fontRef idx="minor">
+      <a:schemeClr val="tx1"/>
+    </cs:fontRef>
+    <cs:spPr>
+      <a:ln w="9525" cap="flat" cmpd="sng" algn="ctr">
+        <a:solidFill>
+          <a:schemeClr val="tx1">
+            <a:lumMod val="35000"/>
+            <a:lumOff val="65000"/>
+          </a:schemeClr>
+        </a:solidFill>
+        <a:round/>
+      </a:ln>
+    </cs:spPr>
+  </cs:seriesLine>
+  <cs:title>
+    <cs:lnRef idx="0"/>
+    <cs:fillRef idx="0"/>
+    <cs:effectRef idx="0"/>
+    <cs:fontRef idx="minor">
+      <a:schemeClr val="tx1">
+        <a:lumMod val="65000"/>
+        <a:lumOff val="35000"/>
+      </a:schemeClr>
+    </cs:fontRef>
+    <cs:defRPr sz="1862" b="0" kern="1200" spc="0" baseline="0"/>
+  </cs:title>
+  <cs:trendline>
+    <cs:lnRef idx="0">
+      <cs:styleClr val="auto"/>
+    </cs:lnRef>
+    <cs:fillRef idx="0"/>
+    <cs:effectRef idx="0"/>
+    <cs:fontRef idx="minor">
+      <a:schemeClr val="tx1"/>
+    </cs:fontRef>
+    <cs:spPr>
+      <a:ln w="19050" cap="rnd">
+        <a:solidFill>
+          <a:schemeClr val="phClr"/>
+        </a:solidFill>
+        <a:prstDash val="sysDot"/>
+      </a:ln>
+    </cs:spPr>
+  </cs:trendline>
+  <cs:trendlineLabel>
+    <cs:lnRef idx="0"/>
+    <cs:fillRef idx="0"/>
+    <cs:effectRef idx="0"/>
+    <cs:fontRef idx="minor">
+      <a:schemeClr val="tx1">
+        <a:lumMod val="65000"/>
+        <a:lumOff val="35000"/>
+      </a:schemeClr>
+    </cs:fontRef>
+    <cs:defRPr sz="1197" kern="1200"/>
+  </cs:trendlineLabel>
+  <cs:upBar>
+    <cs:lnRef idx="0"/>
+    <cs:fillRef idx="0"/>
+    <cs:effectRef idx="0"/>
+    <cs:fontRef idx="minor">
+      <a:schemeClr val="dk1"/>
+    </cs:fontRef>
+    <cs:spPr>
+      <a:solidFill>
+        <a:schemeClr val="lt1"/>
+      </a:solidFill>
+      <a:ln w="9525">
+        <a:solidFill>
+          <a:schemeClr val="tx1">
+            <a:lumMod val="15000"/>
+            <a:lumOff val="85000"/>
+          </a:schemeClr>
+        </a:solidFill>
+      </a:ln>
+    </cs:spPr>
+  </cs:upBar>
+  <cs:valueAxis>
+    <cs:lnRef idx="0"/>
+    <cs:fillRef idx="0"/>
+    <cs:effectRef idx="0"/>
+    <cs:fontRef idx="minor">
+      <a:schemeClr val="tx1">
+        <a:lumMod val="65000"/>
+        <a:lumOff val="35000"/>
+      </a:schemeClr>
+    </cs:fontRef>
+    <cs:defRPr sz="1197" kern="1200"/>
+  </cs:valueAxis>
+  <cs:wall>
+    <cs:lnRef idx="0"/>
+    <cs:fillRef idx="0"/>
+    <cs:effectRef idx="0"/>
+    <cs:fontRef idx="minor">
+      <a:schemeClr val="tx1"/>
+    </cs:fontRef>
+    <cs:spPr>
+      <a:noFill/>
+      <a:ln>
+        <a:noFill/>
+      </a:ln>
+    </cs:spPr>
+  </cs:wall>
+</cs:chartStyle>
+</file>
+
+<file path=ppt/charts/style2.xml><?xml version="1.0" encoding="utf-8"?>
+<cs:chartStyle xmlns:cs="http://schemas.microsoft.com/office/drawing/2012/chartStyle" xmlns:a="http://schemas.openxmlformats.org/drawingml/2006/main" id="201">
+  <cs:axisTitle>
+    <cs:lnRef idx="0"/>
+    <cs:fillRef idx="0"/>
+    <cs:effectRef idx="0"/>
+    <cs:fontRef idx="minor">
+      <a:schemeClr val="tx1">
+        <a:lumMod val="65000"/>
+        <a:lumOff val="35000"/>
+      </a:schemeClr>
+    </cs:fontRef>
+    <cs:defRPr sz="1330" kern="1200"/>
+  </cs:axisTitle>
+  <cs:categoryAxis>
+    <cs:lnRef idx="0"/>
+    <cs:fillRef idx="0"/>
+    <cs:effectRef idx="0"/>
+    <cs:fontRef idx="minor">
+      <a:schemeClr val="tx1">
+        <a:lumMod val="65000"/>
+        <a:lumOff val="35000"/>
+      </a:schemeClr>
+    </cs:fontRef>
+    <cs:spPr>
+      <a:ln w="9525" cap="flat" cmpd="sng" algn="ctr">
+        <a:solidFill>
+          <a:schemeClr val="tx1">
+            <a:lumMod val="15000"/>
+            <a:lumOff val="85000"/>
+          </a:schemeClr>
+        </a:solidFill>
+        <a:round/>
+      </a:ln>
+    </cs:spPr>
+    <cs:defRPr sz="1197" kern="1200"/>
+  </cs:categoryAxis>
+  <cs:chartArea mods="allowNoFillOverride allowNoLineOverride">
+    <cs:lnRef idx="0"/>
+    <cs:fillRef idx="0"/>
+    <cs:effectRef idx="0"/>
+    <cs:fontRef idx="minor">
+      <a:schemeClr val="tx1"/>
+    </cs:fontRef>
+    <cs:spPr>
+      <a:solidFill>
+        <a:schemeClr val="bg1"/>
+      </a:solidFill>
+      <a:ln w="9525" cap="flat" cmpd="sng" algn="ctr">
+        <a:solidFill>
+          <a:schemeClr val="tx1">
+            <a:lumMod val="15000"/>
+            <a:lumOff val="85000"/>
+          </a:schemeClr>
+        </a:solidFill>
+        <a:round/>
+      </a:ln>
+    </cs:spPr>
+    <cs:defRPr sz="1330" kern="1200"/>
+  </cs:chartArea>
+  <cs:dataLabel>
+    <cs:lnRef idx="0"/>
+    <cs:fillRef idx="0"/>
+    <cs:effectRef idx="0"/>
+    <cs:fontRef idx="minor">
+      <a:schemeClr val="tx1">
+        <a:lumMod val="75000"/>
+        <a:lumOff val="25000"/>
+      </a:schemeClr>
+    </cs:fontRef>
+    <cs:defRPr sz="1197" kern="1200"/>
+  </cs:dataLabel>
+  <cs:dataLabelCallout>
+    <cs:lnRef idx="0"/>
+    <cs:fillRef idx="0"/>
+    <cs:effectRef idx="0"/>
+    <cs:fontRef idx="minor">
+      <a:schemeClr val="dk1">
+        <a:lumMod val="65000"/>
+        <a:lumOff val="35000"/>
+      </a:schemeClr>
+    </cs:fontRef>
+    <cs:spPr>
+      <a:solidFill>
+        <a:schemeClr val="lt1"/>
+      </a:solidFill>
+      <a:ln>
+        <a:solidFill>
+          <a:schemeClr val="dk1">
+            <a:lumMod val="25000"/>
+            <a:lumOff val="75000"/>
+          </a:schemeClr>
+        </a:solidFill>
+      </a:ln>
+    </cs:spPr>
+    <cs:defRPr sz="1197" kern="1200"/>
+    <cs:bodyPr rot="0" spcFirstLastPara="1" vertOverflow="clip" horzOverflow="clip" vert="horz" wrap="square" lIns="36576" tIns="18288" rIns="36576" bIns="18288" anchor="ctr" anchorCtr="1">
+      <a:spAutoFit/>
+    </cs:bodyPr>
+  </cs:dataLabelCallout>
+  <cs:dataPoint>
+    <cs:lnRef idx="0"/>
+    <cs:fillRef idx="1">
+      <cs:styleClr val="auto"/>
+    </cs:fillRef>
+    <cs:effectRef idx="0"/>
+    <cs:fontRef idx="minor">
+      <a:schemeClr val="tx1"/>
+    </cs:fontRef>
+  </cs:dataPoint>
+  <cs:dataPoint3D>
+    <cs:lnRef idx="0"/>
+    <cs:fillRef idx="1">
+      <cs:styleClr val="auto"/>
+    </cs:fillRef>
+    <cs:effectRef idx="0"/>
+    <cs:fontRef idx="minor">
+      <a:schemeClr val="tx1"/>
+    </cs:fontRef>
+  </cs:dataPoint3D>
+  <cs:dataPointLine>
+    <cs:lnRef idx="0">
+      <cs:styleClr val="auto"/>
+    </cs:lnRef>
+    <cs:fillRef idx="1"/>
+    <cs:effectRef idx="0"/>
+    <cs:fontRef idx="minor">
+      <a:schemeClr val="tx1"/>
+    </cs:fontRef>
+    <cs:spPr>
+      <a:ln w="28575" cap="rnd">
+        <a:solidFill>
+          <a:schemeClr val="phClr"/>
+        </a:solidFill>
+        <a:round/>
+      </a:ln>
+    </cs:spPr>
+  </cs:dataPointLine>
+  <cs:dataPointMarker>
+    <cs:lnRef idx="0">
+      <cs:styleClr val="auto"/>
+    </cs:lnRef>
+    <cs:fillRef idx="1">
+      <cs:styleClr val="auto"/>
+    </cs:fillRef>
+    <cs:effectRef idx="0"/>
+    <cs:fontRef idx="minor">
+      <a:schemeClr val="tx1"/>
+    </cs:fontRef>
+    <cs:spPr>
+      <a:ln w="9525">
+        <a:solidFill>
+          <a:schemeClr val="phClr"/>
+        </a:solidFill>
+      </a:ln>
+    </cs:spPr>
+  </cs:dataPointMarker>
+  <cs:dataPointMarkerLayout symbol="circle" size="5"/>
+  <cs:dataPointWireframe>
+    <cs:lnRef idx="0">
+      <cs:styleClr val="auto"/>
+    </cs:lnRef>
+    <cs:fillRef idx="1"/>
+    <cs:effectRef idx="0"/>
+    <cs:fontRef idx="minor">
+      <a:schemeClr val="tx1"/>
+    </cs:fontRef>
+    <cs:spPr>
+      <a:ln w="9525" cap="rnd">
+        <a:solidFill>
+          <a:schemeClr val="phClr"/>
+        </a:solidFill>
+        <a:round/>
+      </a:ln>
+    </cs:spPr>
+  </cs:dataPointWireframe>
+  <cs:dataTable>
+    <cs:lnRef idx="0"/>
+    <cs:fillRef idx="0"/>
+    <cs:effectRef idx="0"/>
+    <cs:fontRef idx="minor">
+      <a:schemeClr val="tx1">
+        <a:lumMod val="65000"/>
+        <a:lumOff val="35000"/>
+      </a:schemeClr>
+    </cs:fontRef>
+    <cs:spPr>
+      <a:noFill/>
+      <a:ln w="9525" cap="flat" cmpd="sng" algn="ctr">
+        <a:solidFill>
+          <a:schemeClr val="tx1">
+            <a:lumMod val="15000"/>
+            <a:lumOff val="85000"/>
+          </a:schemeClr>
+        </a:solidFill>
+        <a:round/>
+      </a:ln>
+    </cs:spPr>
+    <cs:defRPr sz="1197" kern="1200"/>
+  </cs:dataTable>
+  <cs:downBar>
+    <cs:lnRef idx="0"/>
+    <cs:fillRef idx="0"/>
+    <cs:effectRef idx="0"/>
+    <cs:fontRef idx="minor">
+      <a:schemeClr val="dk1"/>
+    </cs:fontRef>
+    <cs:spPr>
+      <a:solidFill>
+        <a:schemeClr val="dk1">
+          <a:lumMod val="65000"/>
+          <a:lumOff val="35000"/>
+        </a:schemeClr>
+      </a:solidFill>
+      <a:ln w="9525">
+        <a:solidFill>
+          <a:schemeClr val="tx1">
+            <a:lumMod val="65000"/>
+            <a:lumOff val="35000"/>
+          </a:schemeClr>
+        </a:solidFill>
+      </a:ln>
+    </cs:spPr>
+  </cs:downBar>
+  <cs:dropLine>
+    <cs:lnRef idx="0"/>
+    <cs:fillRef idx="0"/>
+    <cs:effectRef idx="0"/>
+    <cs:fontRef idx="minor">
+      <a:schemeClr val="tx1"/>
+    </cs:fontRef>
+    <cs:spPr>
+      <a:ln w="9525" cap="flat" cmpd="sng" algn="ctr">
+        <a:solidFill>
+          <a:schemeClr val="tx1">
+            <a:lumMod val="35000"/>
+            <a:lumOff val="65000"/>
+          </a:schemeClr>
+        </a:solidFill>
+        <a:round/>
+      </a:ln>
+    </cs:spPr>
+  </cs:dropLine>
+  <cs:errorBar>
+    <cs:lnRef idx="0"/>
+    <cs:fillRef idx="0"/>
+    <cs:effectRef idx="0"/>
+    <cs:fontRef idx="minor">
+      <a:schemeClr val="tx1"/>
+    </cs:fontRef>
+    <cs:spPr>
+      <a:ln w="9525" cap="flat" cmpd="sng" algn="ctr">
+        <a:solidFill>
+          <a:schemeClr val="tx1">
+            <a:lumMod val="65000"/>
+            <a:lumOff val="35000"/>
+          </a:schemeClr>
+        </a:solidFill>
+        <a:round/>
+      </a:ln>
+    </cs:spPr>
+  </cs:errorBar>
+  <cs:floor>
+    <cs:lnRef idx="0"/>
+    <cs:fillRef idx="0"/>
+    <cs:effectRef idx="0"/>
+    <cs:fontRef idx="minor">
+      <a:schemeClr val="tx1"/>
+    </cs:fontRef>
+    <cs:spPr>
+      <a:noFill/>
+      <a:ln>
+        <a:noFill/>
+      </a:ln>
+    </cs:spPr>
+  </cs:floor>
+  <cs:gridlineMajor>
+    <cs:lnRef idx="0"/>
+    <cs:fillRef idx="0"/>
+    <cs:effectRef idx="0"/>
+    <cs:fontRef idx="minor">
+      <a:schemeClr val="tx1"/>
+    </cs:fontRef>
+    <cs:spPr>
+      <a:ln w="9525" cap="flat" cmpd="sng" algn="ctr">
+        <a:solidFill>
+          <a:schemeClr val="tx1">
+            <a:lumMod val="15000"/>
+            <a:lumOff val="85000"/>
+          </a:schemeClr>
+        </a:solidFill>
+        <a:round/>
+      </a:ln>
+    </cs:spPr>
+  </cs:gridlineMajor>
+  <cs:gridlineMinor>
+    <cs:lnRef idx="0"/>
+    <cs:fillRef idx="0"/>
+    <cs:effectRef idx="0"/>
+    <cs:fontRef idx="minor">
+      <a:schemeClr val="tx1"/>
+    </cs:fontRef>
+    <cs:spPr>
+      <a:ln w="9525" cap="flat" cmpd="sng" algn="ctr">
+        <a:solidFill>
+          <a:schemeClr val="tx1">
+            <a:lumMod val="5000"/>
+            <a:lumOff val="95000"/>
+          </a:schemeClr>
+        </a:solidFill>
+        <a:round/>
+      </a:ln>
+    </cs:spPr>
+  </cs:gridlineMinor>
+  <cs:hiLoLine>
+    <cs:lnRef idx="0"/>
+    <cs:fillRef idx="0"/>
+    <cs:effectRef idx="0"/>
+    <cs:fontRef idx="minor">
+      <a:schemeClr val="tx1"/>
+    </cs:fontRef>
+    <cs:spPr>
+      <a:ln w="9525" cap="flat" cmpd="sng" algn="ctr">
+        <a:solidFill>
+          <a:schemeClr val="tx1">
+            <a:lumMod val="75000"/>
+            <a:lumOff val="25000"/>
+          </a:schemeClr>
+        </a:solidFill>
+        <a:round/>
+      </a:ln>
+    </cs:spPr>
+  </cs:hiLoLine>
+  <cs:leaderLine>
+    <cs:lnRef idx="0"/>
+    <cs:fillRef idx="0"/>
+    <cs:effectRef idx="0"/>
+    <cs:fontRef idx="minor">
+      <a:schemeClr val="tx1"/>
+    </cs:fontRef>
+    <cs:spPr>
+      <a:ln w="9525" cap="flat" cmpd="sng" algn="ctr">
+        <a:solidFill>
+          <a:schemeClr val="tx1">
+            <a:lumMod val="35000"/>
+            <a:lumOff val="65000"/>
+          </a:schemeClr>
+        </a:solidFill>
+        <a:round/>
+      </a:ln>
+    </cs:spPr>
+  </cs:leaderLine>
+  <cs:legend>
+    <cs:lnRef idx="0"/>
+    <cs:fillRef idx="0"/>
+    <cs:effectRef idx="0"/>
+    <cs:fontRef idx="minor">
+      <a:schemeClr val="tx1">
+        <a:lumMod val="65000"/>
+        <a:lumOff val="35000"/>
+      </a:schemeClr>
+    </cs:fontRef>
+    <cs:defRPr sz="1197" kern="1200"/>
+  </cs:legend>
+  <cs:plotArea mods="allowNoFillOverride allowNoLineOverride">
+    <cs:lnRef idx="0"/>
+    <cs:fillRef idx="0"/>
+    <cs:effectRef idx="0"/>
+    <cs:fontRef idx="minor">
+      <a:schemeClr val="tx1"/>
+    </cs:fontRef>
+  </cs:plotArea>
+  <cs:plotArea3D mods="allowNoFillOverride allowNoLineOverride">
+    <cs:lnRef idx="0"/>
+    <cs:fillRef idx="0"/>
+    <cs:effectRef idx="0"/>
+    <cs:fontRef idx="minor">
+      <a:schemeClr val="tx1"/>
+    </cs:fontRef>
+  </cs:plotArea3D>
+  <cs:seriesAxis>
+    <cs:lnRef idx="0"/>
+    <cs:fillRef idx="0"/>
+    <cs:effectRef idx="0"/>
+    <cs:fontRef idx="minor">
+      <a:schemeClr val="tx1">
+        <a:lumMod val="65000"/>
+        <a:lumOff val="35000"/>
+      </a:schemeClr>
+    </cs:fontRef>
+    <cs:defRPr sz="1197" kern="1200"/>
+  </cs:seriesAxis>
+  <cs:seriesLine>
+    <cs:lnRef idx="0"/>
+    <cs:fillRef idx="0"/>
+    <cs:effectRef idx="0"/>
+    <cs:fontRef idx="minor">
+      <a:schemeClr val="tx1"/>
+    </cs:fontRef>
+    <cs:spPr>
+      <a:ln w="9525" cap="flat" cmpd="sng" algn="ctr">
+        <a:solidFill>
+          <a:schemeClr val="tx1">
+            <a:lumMod val="35000"/>
+            <a:lumOff val="65000"/>
+          </a:schemeClr>
+        </a:solidFill>
+        <a:round/>
+      </a:ln>
+    </cs:spPr>
+  </cs:seriesLine>
+  <cs:title>
+    <cs:lnRef idx="0"/>
+    <cs:fillRef idx="0"/>
+    <cs:effectRef idx="0"/>
+    <cs:fontRef idx="minor">
+      <a:schemeClr val="tx1">
+        <a:lumMod val="65000"/>
+        <a:lumOff val="35000"/>
+      </a:schemeClr>
+    </cs:fontRef>
+    <cs:defRPr sz="1862" b="0" kern="1200" spc="0" baseline="0"/>
+  </cs:title>
+  <cs:trendline>
+    <cs:lnRef idx="0">
+      <cs:styleClr val="auto"/>
+    </cs:lnRef>
+    <cs:fillRef idx="0"/>
+    <cs:effectRef idx="0"/>
+    <cs:fontRef idx="minor">
+      <a:schemeClr val="tx1"/>
+    </cs:fontRef>
+    <cs:spPr>
+      <a:ln w="19050" cap="rnd">
+        <a:solidFill>
+          <a:schemeClr val="phClr"/>
+        </a:solidFill>
+        <a:prstDash val="sysDot"/>
+      </a:ln>
+    </cs:spPr>
+  </cs:trendline>
+  <cs:trendlineLabel>
+    <cs:lnRef idx="0"/>
+    <cs:fillRef idx="0"/>
+    <cs:effectRef idx="0"/>
+    <cs:fontRef idx="minor">
+      <a:schemeClr val="tx1">
+        <a:lumMod val="65000"/>
+        <a:lumOff val="35000"/>
+      </a:schemeClr>
+    </cs:fontRef>
+    <cs:defRPr sz="1197" kern="1200"/>
+  </cs:trendlineLabel>
+  <cs:upBar>
+    <cs:lnRef idx="0"/>
+    <cs:fillRef idx="0"/>
+    <cs:effectRef idx="0"/>
+    <cs:fontRef idx="minor">
+      <a:schemeClr val="dk1"/>
+    </cs:fontRef>
+    <cs:spPr>
+      <a:solidFill>
+        <a:schemeClr val="lt1"/>
+      </a:solidFill>
+      <a:ln w="9525">
+        <a:solidFill>
+          <a:schemeClr val="tx1">
+            <a:lumMod val="15000"/>
+            <a:lumOff val="85000"/>
+          </a:schemeClr>
+        </a:solidFill>
+      </a:ln>
+    </cs:spPr>
+  </cs:upBar>
+  <cs:valueAxis>
+    <cs:lnRef idx="0"/>
+    <cs:fillRef idx="0"/>
+    <cs:effectRef idx="0"/>
+    <cs:fontRef idx="minor">
+      <a:schemeClr val="tx1">
+        <a:lumMod val="65000"/>
+        <a:lumOff val="35000"/>
+      </a:schemeClr>
+    </cs:fontRef>
+    <cs:defRPr sz="1197" kern="1200"/>
+  </cs:valueAxis>
+  <cs:wall>
+    <cs:lnRef idx="0"/>
+    <cs:fillRef idx="0"/>
+    <cs:effectRef idx="0"/>
+    <cs:fontRef idx="minor">
+      <a:schemeClr val="tx1"/>
+    </cs:fontRef>
+    <cs:spPr>
+      <a:noFill/>
+      <a:ln>
+        <a:noFill/>
+      </a:ln>
+    </cs:spPr>
+  </cs:wall>
+</cs:chartStyle>
+</file>
+
+<file path=ppt/charts/style3.xml><?xml version="1.0" encoding="utf-8"?>
+<cs:chartStyle xmlns:cs="http://schemas.microsoft.com/office/drawing/2012/chartStyle" xmlns:a="http://schemas.openxmlformats.org/drawingml/2006/main" id="201">
+  <cs:axisTitle>
+    <cs:lnRef idx="0"/>
+    <cs:fillRef idx="0"/>
+    <cs:effectRef idx="0"/>
+    <cs:fontRef idx="minor">
+      <a:schemeClr val="tx1">
+        <a:lumMod val="65000"/>
+        <a:lumOff val="35000"/>
+      </a:schemeClr>
+    </cs:fontRef>
+    <cs:defRPr sz="1330" kern="1200"/>
+  </cs:axisTitle>
+  <cs:categoryAxis>
+    <cs:lnRef idx="0"/>
+    <cs:fillRef idx="0"/>
+    <cs:effectRef idx="0"/>
+    <cs:fontRef idx="minor">
+      <a:schemeClr val="tx1">
+        <a:lumMod val="65000"/>
+        <a:lumOff val="35000"/>
+      </a:schemeClr>
+    </cs:fontRef>
+    <cs:spPr>
+      <a:ln w="9525" cap="flat" cmpd="sng" algn="ctr">
+        <a:solidFill>
+          <a:schemeClr val="tx1">
+            <a:lumMod val="15000"/>
+            <a:lumOff val="85000"/>
+          </a:schemeClr>
+        </a:solidFill>
+        <a:round/>
+      </a:ln>
+    </cs:spPr>
+    <cs:defRPr sz="1197" kern="1200"/>
+  </cs:categoryAxis>
+  <cs:chartArea mods="allowNoFillOverride allowNoLineOverride">
+    <cs:lnRef idx="0"/>
+    <cs:fillRef idx="0"/>
+    <cs:effectRef idx="0"/>
+    <cs:fontRef idx="minor">
+      <a:schemeClr val="tx1"/>
+    </cs:fontRef>
+    <cs:spPr>
+      <a:solidFill>
+        <a:schemeClr val="bg1"/>
+      </a:solidFill>
+      <a:ln w="9525" cap="flat" cmpd="sng" algn="ctr">
+        <a:solidFill>
+          <a:schemeClr val="tx1">
+            <a:lumMod val="15000"/>
+            <a:lumOff val="85000"/>
+          </a:schemeClr>
+        </a:solidFill>
+        <a:round/>
+      </a:ln>
+    </cs:spPr>
+    <cs:defRPr sz="1330" kern="1200"/>
+  </cs:chartArea>
+  <cs:dataLabel>
+    <cs:lnRef idx="0"/>
+    <cs:fillRef idx="0"/>
+    <cs:effectRef idx="0"/>
+    <cs:fontRef idx="minor">
+      <a:schemeClr val="tx1">
+        <a:lumMod val="75000"/>
+        <a:lumOff val="25000"/>
+      </a:schemeClr>
+    </cs:fontRef>
+    <cs:defRPr sz="1197" kern="1200"/>
+  </cs:dataLabel>
+  <cs:dataLabelCallout>
+    <cs:lnRef idx="0"/>
+    <cs:fillRef idx="0"/>
+    <cs:effectRef idx="0"/>
+    <cs:fontRef idx="minor">
+      <a:schemeClr val="dk1">
+        <a:lumMod val="65000"/>
+        <a:lumOff val="35000"/>
+      </a:schemeClr>
+    </cs:fontRef>
+    <cs:spPr>
+      <a:solidFill>
+        <a:schemeClr val="lt1"/>
+      </a:solidFill>
+      <a:ln>
+        <a:solidFill>
+          <a:schemeClr val="dk1">
+            <a:lumMod val="25000"/>
+            <a:lumOff val="75000"/>
+          </a:schemeClr>
+        </a:solidFill>
+      </a:ln>
+    </cs:spPr>
+    <cs:defRPr sz="1197" kern="1200"/>
+    <cs:bodyPr rot="0" spcFirstLastPara="1" vertOverflow="clip" horzOverflow="clip" vert="horz" wrap="square" lIns="36576" tIns="18288" rIns="36576" bIns="18288" anchor="ctr" anchorCtr="1">
+      <a:spAutoFit/>
+    </cs:bodyPr>
+  </cs:dataLabelCallout>
+  <cs:dataPoint>
+    <cs:lnRef idx="0"/>
+    <cs:fillRef idx="1">
+      <cs:styleClr val="auto"/>
+    </cs:fillRef>
+    <cs:effectRef idx="0"/>
+    <cs:fontRef idx="minor">
+      <a:schemeClr val="tx1"/>
+    </cs:fontRef>
+  </cs:dataPoint>
+  <cs:dataPoint3D>
+    <cs:lnRef idx="0"/>
+    <cs:fillRef idx="1">
+      <cs:styleClr val="auto"/>
+    </cs:fillRef>
+    <cs:effectRef idx="0"/>
+    <cs:fontRef idx="minor">
+      <a:schemeClr val="tx1"/>
+    </cs:fontRef>
+  </cs:dataPoint3D>
+  <cs:dataPointLine>
+    <cs:lnRef idx="0">
+      <cs:styleClr val="auto"/>
+    </cs:lnRef>
+    <cs:fillRef idx="1"/>
+    <cs:effectRef idx="0"/>
+    <cs:fontRef idx="minor">
+      <a:schemeClr val="tx1"/>
+    </cs:fontRef>
+    <cs:spPr>
+      <a:ln w="28575" cap="rnd">
+        <a:solidFill>
+          <a:schemeClr val="phClr"/>
+        </a:solidFill>
+        <a:round/>
+      </a:ln>
+    </cs:spPr>
+  </cs:dataPointLine>
+  <cs:dataPointMarker>
+    <cs:lnRef idx="0">
+      <cs:styleClr val="auto"/>
+    </cs:lnRef>
+    <cs:fillRef idx="1">
+      <cs:styleClr val="auto"/>
+    </cs:fillRef>
+    <cs:effectRef idx="0"/>
+    <cs:fontRef idx="minor">
+      <a:schemeClr val="tx1"/>
+    </cs:fontRef>
+    <cs:spPr>
+      <a:ln w="9525">
+        <a:solidFill>
+          <a:schemeClr val="phClr"/>
+        </a:solidFill>
+      </a:ln>
+    </cs:spPr>
+  </cs:dataPointMarker>
+  <cs:dataPointMarkerLayout symbol="circle" size="5"/>
+  <cs:dataPointWireframe>
+    <cs:lnRef idx="0">
+      <cs:styleClr val="auto"/>
+    </cs:lnRef>
+    <cs:fillRef idx="1"/>
+    <cs:effectRef idx="0"/>
+    <cs:fontRef idx="minor">
+      <a:schemeClr val="tx1"/>
+    </cs:fontRef>
+    <cs:spPr>
+      <a:ln w="9525" cap="rnd">
+        <a:solidFill>
+          <a:schemeClr val="phClr"/>
+        </a:solidFill>
+        <a:round/>
+      </a:ln>
+    </cs:spPr>
+  </cs:dataPointWireframe>
+  <cs:dataTable>
+    <cs:lnRef idx="0"/>
+    <cs:fillRef idx="0"/>
+    <cs:effectRef idx="0"/>
+    <cs:fontRef idx="minor">
+      <a:schemeClr val="tx1">
+        <a:lumMod val="65000"/>
+        <a:lumOff val="35000"/>
+      </a:schemeClr>
+    </cs:fontRef>
+    <cs:spPr>
+      <a:noFill/>
+      <a:ln w="9525" cap="flat" cmpd="sng" algn="ctr">
+        <a:solidFill>
+          <a:schemeClr val="tx1">
+            <a:lumMod val="15000"/>
+            <a:lumOff val="85000"/>
+          </a:schemeClr>
+        </a:solidFill>
+        <a:round/>
+      </a:ln>
+    </cs:spPr>
+    <cs:defRPr sz="1197" kern="1200"/>
+  </cs:dataTable>
+  <cs:downBar>
+    <cs:lnRef idx="0"/>
+    <cs:fillRef idx="0"/>
+    <cs:effectRef idx="0"/>
+    <cs:fontRef idx="minor">
+      <a:schemeClr val="dk1"/>
+    </cs:fontRef>
+    <cs:spPr>
+      <a:solidFill>
+        <a:schemeClr val="dk1">
+          <a:lumMod val="65000"/>
+          <a:lumOff val="35000"/>
+        </a:schemeClr>
+      </a:solidFill>
+      <a:ln w="9525">
+        <a:solidFill>
+          <a:schemeClr val="tx1">
+            <a:lumMod val="65000"/>
+            <a:lumOff val="35000"/>
+          </a:schemeClr>
+        </a:solidFill>
+      </a:ln>
+    </cs:spPr>
+  </cs:downBar>
+  <cs:dropLine>
+    <cs:lnRef idx="0"/>
+    <cs:fillRef idx="0"/>
+    <cs:effectRef idx="0"/>
+    <cs:fontRef idx="minor">
+      <a:schemeClr val="tx1"/>
+    </cs:fontRef>
+    <cs:spPr>
+      <a:ln w="9525" cap="flat" cmpd="sng" algn="ctr">
+        <a:solidFill>
+          <a:schemeClr val="tx1">
+            <a:lumMod val="35000"/>
+            <a:lumOff val="65000"/>
+          </a:schemeClr>
+        </a:solidFill>
+        <a:round/>
+      </a:ln>
+    </cs:spPr>
+  </cs:dropLine>
+  <cs:errorBar>
+    <cs:lnRef idx="0"/>
+    <cs:fillRef idx="0"/>
+    <cs:effectRef idx="0"/>
+    <cs:fontRef idx="minor">
+      <a:schemeClr val="tx1"/>
+    </cs:fontRef>
+    <cs:spPr>
+      <a:ln w="9525" cap="flat" cmpd="sng" algn="ctr">
+        <a:solidFill>
+          <a:schemeClr val="tx1">
+            <a:lumMod val="65000"/>
+            <a:lumOff val="35000"/>
+          </a:schemeClr>
+        </a:solidFill>
+        <a:round/>
+      </a:ln>
+    </cs:spPr>
+  </cs:errorBar>
+  <cs:floor>
+    <cs:lnRef idx="0"/>
+    <cs:fillRef idx="0"/>
+    <cs:effectRef idx="0"/>
+    <cs:fontRef idx="minor">
+      <a:schemeClr val="tx1"/>
+    </cs:fontRef>
+    <cs:spPr>
+      <a:noFill/>
+      <a:ln>
+        <a:noFill/>
+      </a:ln>
+    </cs:spPr>
+  </cs:floor>
+  <cs:gridlineMajor>
+    <cs:lnRef idx="0"/>
+    <cs:fillRef idx="0"/>
+    <cs:effectRef idx="0"/>
+    <cs:fontRef idx="minor">
+      <a:schemeClr val="tx1"/>
+    </cs:fontRef>
+    <cs:spPr>
+      <a:ln w="9525" cap="flat" cmpd="sng" algn="ctr">
+        <a:solidFill>
+          <a:schemeClr val="tx1">
+            <a:lumMod val="15000"/>
+            <a:lumOff val="85000"/>
+          </a:schemeClr>
+        </a:solidFill>
+        <a:round/>
+      </a:ln>
+    </cs:spPr>
+  </cs:gridlineMajor>
+  <cs:gridlineMinor>
+    <cs:lnRef idx="0"/>
+    <cs:fillRef idx="0"/>
+    <cs:effectRef idx="0"/>
+    <cs:fontRef idx="minor">
+      <a:schemeClr val="tx1"/>
+    </cs:fontRef>
+    <cs:spPr>
+      <a:ln w="9525" cap="flat" cmpd="sng" algn="ctr">
+        <a:solidFill>
+          <a:schemeClr val="tx1">
+            <a:lumMod val="5000"/>
+            <a:lumOff val="95000"/>
+          </a:schemeClr>
+        </a:solidFill>
+        <a:round/>
+      </a:ln>
+    </cs:spPr>
+  </cs:gridlineMinor>
+  <cs:hiLoLine>
+    <cs:lnRef idx="0"/>
+    <cs:fillRef idx="0"/>
+    <cs:effectRef idx="0"/>
+    <cs:fontRef idx="minor">
+      <a:schemeClr val="tx1"/>
+    </cs:fontRef>
+    <cs:spPr>
+      <a:ln w="9525" cap="flat" cmpd="sng" algn="ctr">
+        <a:solidFill>
+          <a:schemeClr val="tx1">
+            <a:lumMod val="75000"/>
+            <a:lumOff val="25000"/>
+          </a:schemeClr>
+        </a:solidFill>
+        <a:round/>
+      </a:ln>
+    </cs:spPr>
+  </cs:hiLoLine>
+  <cs:leaderLine>
+    <cs:lnRef idx="0"/>
+    <cs:fillRef idx="0"/>
+    <cs:effectRef idx="0"/>
+    <cs:fontRef idx="minor">
+      <a:schemeClr val="tx1"/>
+    </cs:fontRef>
+    <cs:spPr>
+      <a:ln w="9525" cap="flat" cmpd="sng" algn="ctr">
+        <a:solidFill>
+          <a:schemeClr val="tx1">
+            <a:lumMod val="35000"/>
+            <a:lumOff val="65000"/>
+          </a:schemeClr>
+        </a:solidFill>
+        <a:round/>
+      </a:ln>
+    </cs:spPr>
+  </cs:leaderLine>
+  <cs:legend>
+    <cs:lnRef idx="0"/>
+    <cs:fillRef idx="0"/>
+    <cs:effectRef idx="0"/>
+    <cs:fontRef idx="minor">
+      <a:schemeClr val="tx1">
+        <a:lumMod val="65000"/>
+        <a:lumOff val="35000"/>
+      </a:schemeClr>
+    </cs:fontRef>
+    <cs:defRPr sz="1197" kern="1200"/>
+  </cs:legend>
+  <cs:plotArea mods="allowNoFillOverride allowNoLineOverride">
+    <cs:lnRef idx="0"/>
+    <cs:fillRef idx="0"/>
+    <cs:effectRef idx="0"/>
+    <cs:fontRef idx="minor">
+      <a:schemeClr val="tx1"/>
+    </cs:fontRef>
+  </cs:plotArea>
+  <cs:plotArea3D mods="allowNoFillOverride allowNoLineOverride">
+    <cs:lnRef idx="0"/>
+    <cs:fillRef idx="0"/>
+    <cs:effectRef idx="0"/>
+    <cs:fontRef idx="minor">
+      <a:schemeClr val="tx1"/>
+    </cs:fontRef>
+  </cs:plotArea3D>
+  <cs:seriesAxis>
+    <cs:lnRef idx="0"/>
+    <cs:fillRef idx="0"/>
+    <cs:effectRef idx="0"/>
+    <cs:fontRef idx="minor">
+      <a:schemeClr val="tx1">
+        <a:lumMod val="65000"/>
+        <a:lumOff val="35000"/>
+      </a:schemeClr>
+    </cs:fontRef>
+    <cs:defRPr sz="1197" kern="1200"/>
+  </cs:seriesAxis>
+  <cs:seriesLine>
+    <cs:lnRef idx="0"/>
+    <cs:fillRef idx="0"/>
+    <cs:effectRef idx="0"/>
+    <cs:fontRef idx="minor">
+      <a:schemeClr val="tx1"/>
+    </cs:fontRef>
+    <cs:spPr>
+      <a:ln w="9525" cap="flat" cmpd="sng" algn="ctr">
+        <a:solidFill>
+          <a:schemeClr val="tx1">
+            <a:lumMod val="35000"/>
+            <a:lumOff val="65000"/>
+          </a:schemeClr>
+        </a:solidFill>
+        <a:round/>
+      </a:ln>
+    </cs:spPr>
+  </cs:seriesLine>
+  <cs:title>
+    <cs:lnRef idx="0"/>
+    <cs:fillRef idx="0"/>
+    <cs:effectRef idx="0"/>
+    <cs:fontRef idx="minor">
+      <a:schemeClr val="tx1">
+        <a:lumMod val="65000"/>
+        <a:lumOff val="35000"/>
+      </a:schemeClr>
+    </cs:fontRef>
+    <cs:defRPr sz="1862" b="0" kern="1200" spc="0" baseline="0"/>
+  </cs:title>
+  <cs:trendline>
+    <cs:lnRef idx="0">
+      <cs:styleClr val="auto"/>
+    </cs:lnRef>
+    <cs:fillRef idx="0"/>
+    <cs:effectRef idx="0"/>
+    <cs:fontRef idx="minor">
+      <a:schemeClr val="tx1"/>
+    </cs:fontRef>
+    <cs:spPr>
+      <a:ln w="19050" cap="rnd">
+        <a:solidFill>
+          <a:schemeClr val="phClr"/>
+        </a:solidFill>
+        <a:prstDash val="sysDot"/>
+      </a:ln>
+    </cs:spPr>
+  </cs:trendline>
+  <cs:trendlineLabel>
+    <cs:lnRef idx="0"/>
+    <cs:fillRef idx="0"/>
+    <cs:effectRef idx="0"/>
+    <cs:fontRef idx="minor">
+      <a:schemeClr val="tx1">
+        <a:lumMod val="65000"/>
+        <a:lumOff val="35000"/>
+      </a:schemeClr>
+    </cs:fontRef>
+    <cs:defRPr sz="1197" kern="1200"/>
+  </cs:trendlineLabel>
+  <cs:upBar>
+    <cs:lnRef idx="0"/>
+    <cs:fillRef idx="0"/>
+    <cs:effectRef idx="0"/>
+    <cs:fontRef idx="minor">
+      <a:schemeClr val="dk1"/>
+    </cs:fontRef>
+    <cs:spPr>
+      <a:solidFill>
+        <a:schemeClr val="lt1"/>
+      </a:solidFill>
+      <a:ln w="9525">
+        <a:solidFill>
+          <a:schemeClr val="tx1">
+            <a:lumMod val="15000"/>
+            <a:lumOff val="85000"/>
+          </a:schemeClr>
+        </a:solidFill>
+      </a:ln>
+    </cs:spPr>
+  </cs:upBar>
+  <cs:valueAxis>
+    <cs:lnRef idx="0"/>
+    <cs:fillRef idx="0"/>
+    <cs:effectRef idx="0"/>
+    <cs:fontRef idx="minor">
+      <a:schemeClr val="tx1">
+        <a:lumMod val="65000"/>
+        <a:lumOff val="35000"/>
+      </a:schemeClr>
+    </cs:fontRef>
+    <cs:defRPr sz="1197" kern="1200"/>
+  </cs:valueAxis>
+  <cs:wall>
+    <cs:lnRef idx="0"/>
+    <cs:fillRef idx="0"/>
+    <cs:effectRef idx="0"/>
+    <cs:fontRef idx="minor">
+      <a:schemeClr val="tx1"/>
+    </cs:fontRef>
+    <cs:spPr>
+      <a:noFill/>
+      <a:ln>
+        <a:noFill/>
+      </a:ln>
+    </cs:spPr>
+  </cs:wall>
+</cs:chartStyle>
+</file>
+
+<file path=ppt/charts/style4.xml><?xml version="1.0" encoding="utf-8"?>
+<cs:chartStyle xmlns:cs="http://schemas.microsoft.com/office/drawing/2012/chartStyle" xmlns:a="http://schemas.openxmlformats.org/drawingml/2006/main" id="201">
+  <cs:axisTitle>
+    <cs:lnRef idx="0"/>
+    <cs:fillRef idx="0"/>
+    <cs:effectRef idx="0"/>
+    <cs:fontRef idx="minor">
+      <a:schemeClr val="tx1">
+        <a:lumMod val="65000"/>
+        <a:lumOff val="35000"/>
+      </a:schemeClr>
+    </cs:fontRef>
+    <cs:defRPr sz="1330" kern="1200"/>
+  </cs:axisTitle>
+  <cs:categoryAxis>
+    <cs:lnRef idx="0"/>
+    <cs:fillRef idx="0"/>
+    <cs:effectRef idx="0"/>
+    <cs:fontRef idx="minor">
+      <a:schemeClr val="tx1">
+        <a:lumMod val="65000"/>
+        <a:lumOff val="35000"/>
+      </a:schemeClr>
+    </cs:fontRef>
+    <cs:spPr>
+      <a:ln w="9525" cap="flat" cmpd="sng" algn="ctr">
+        <a:solidFill>
+          <a:schemeClr val="tx1">
+            <a:lumMod val="15000"/>
+            <a:lumOff val="85000"/>
+          </a:schemeClr>
+        </a:solidFill>
+        <a:round/>
+      </a:ln>
+    </cs:spPr>
+    <cs:defRPr sz="1197" kern="1200"/>
+  </cs:categoryAxis>
+  <cs:chartArea mods="allowNoFillOverride allowNoLineOverride">
+    <cs:lnRef idx="0"/>
+    <cs:fillRef idx="0"/>
+    <cs:effectRef idx="0"/>
+    <cs:fontRef idx="minor">
+      <a:schemeClr val="tx1"/>
+    </cs:fontRef>
+    <cs:spPr>
+      <a:solidFill>
+        <a:schemeClr val="bg1"/>
+      </a:solidFill>
+      <a:ln w="9525" cap="flat" cmpd="sng" algn="ctr">
+        <a:solidFill>
+          <a:schemeClr val="tx1">
+            <a:lumMod val="15000"/>
+            <a:lumOff val="85000"/>
+          </a:schemeClr>
+        </a:solidFill>
+        <a:round/>
+      </a:ln>
+    </cs:spPr>
+    <cs:defRPr sz="1330" kern="1200"/>
+  </cs:chartArea>
+  <cs:dataLabel>
+    <cs:lnRef idx="0"/>
+    <cs:fillRef idx="0"/>
+    <cs:effectRef idx="0"/>
+    <cs:fontRef idx="minor">
+      <a:schemeClr val="tx1">
+        <a:lumMod val="75000"/>
+        <a:lumOff val="25000"/>
+      </a:schemeClr>
+    </cs:fontRef>
+    <cs:defRPr sz="1197" kern="1200"/>
+  </cs:dataLabel>
+  <cs:dataLabelCallout>
+    <cs:lnRef idx="0"/>
+    <cs:fillRef idx="0"/>
+    <cs:effectRef idx="0"/>
+    <cs:fontRef idx="minor">
+      <a:schemeClr val="dk1">
+        <a:lumMod val="65000"/>
+        <a:lumOff val="35000"/>
+      </a:schemeClr>
+    </cs:fontRef>
+    <cs:spPr>
+      <a:solidFill>
+        <a:schemeClr val="lt1"/>
+      </a:solidFill>
+      <a:ln>
+        <a:solidFill>
+          <a:schemeClr val="dk1">
+            <a:lumMod val="25000"/>
+            <a:lumOff val="75000"/>
+          </a:schemeClr>
+        </a:solidFill>
+      </a:ln>
+    </cs:spPr>
+    <cs:defRPr sz="1197" kern="1200"/>
+    <cs:bodyPr rot="0" spcFirstLastPara="1" vertOverflow="clip" horzOverflow="clip" vert="horz" wrap="square" lIns="36576" tIns="18288" rIns="36576" bIns="18288" anchor="ctr" anchorCtr="1">
+      <a:spAutoFit/>
+    </cs:bodyPr>
+  </cs:dataLabelCallout>
+  <cs:dataPoint>
+    <cs:lnRef idx="0"/>
+    <cs:fillRef idx="1">
+      <cs:styleClr val="auto"/>
+    </cs:fillRef>
+    <cs:effectRef idx="0"/>
+    <cs:fontRef idx="minor">
+      <a:schemeClr val="tx1"/>
+    </cs:fontRef>
+  </cs:dataPoint>
+  <cs:dataPoint3D>
+    <cs:lnRef idx="0"/>
+    <cs:fillRef idx="1">
+      <cs:styleClr val="auto"/>
+    </cs:fillRef>
+    <cs:effectRef idx="0"/>
+    <cs:fontRef idx="minor">
+      <a:schemeClr val="tx1"/>
+    </cs:fontRef>
+  </cs:dataPoint3D>
+  <cs:dataPointLine>
+    <cs:lnRef idx="0">
+      <cs:styleClr val="auto"/>
+    </cs:lnRef>
+    <cs:fillRef idx="1"/>
+    <cs:effectRef idx="0"/>
+    <cs:fontRef idx="minor">
+      <a:schemeClr val="tx1"/>
+    </cs:fontRef>
+    <cs:spPr>
+      <a:ln w="28575" cap="rnd">
+        <a:solidFill>
+          <a:schemeClr val="phClr"/>
+        </a:solidFill>
+        <a:round/>
+      </a:ln>
+    </cs:spPr>
+  </cs:dataPointLine>
+  <cs:dataPointMarker>
+    <cs:lnRef idx="0">
+      <cs:styleClr val="auto"/>
+    </cs:lnRef>
+    <cs:fillRef idx="1">
+      <cs:styleClr val="auto"/>
+    </cs:fillRef>
+    <cs:effectRef idx="0"/>
+    <cs:fontRef idx="minor">
+      <a:schemeClr val="tx1"/>
+    </cs:fontRef>
+    <cs:spPr>
+      <a:ln w="9525">
+        <a:solidFill>
+          <a:schemeClr val="phClr"/>
+        </a:solidFill>
+      </a:ln>
+    </cs:spPr>
+  </cs:dataPointMarker>
+  <cs:dataPointMarkerLayout symbol="circle" size="5"/>
+  <cs:dataPointWireframe>
+    <cs:lnRef idx="0">
+      <cs:styleClr val="auto"/>
+    </cs:lnRef>
+    <cs:fillRef idx="1"/>
+    <cs:effectRef idx="0"/>
+    <cs:fontRef idx="minor">
+      <a:schemeClr val="tx1"/>
+    </cs:fontRef>
+    <cs:spPr>
+      <a:ln w="9525" cap="rnd">
+        <a:solidFill>
+          <a:schemeClr val="phClr"/>
+        </a:solidFill>
+        <a:round/>
+      </a:ln>
+    </cs:spPr>
+  </cs:dataPointWireframe>
+  <cs:dataTable>
+    <cs:lnRef idx="0"/>
+    <cs:fillRef idx="0"/>
+    <cs:effectRef idx="0"/>
+    <cs:fontRef idx="minor">
+      <a:schemeClr val="tx1">
+        <a:lumMod val="65000"/>
+        <a:lumOff val="35000"/>
+      </a:schemeClr>
+    </cs:fontRef>
+    <cs:spPr>
+      <a:noFill/>
+      <a:ln w="9525" cap="flat" cmpd="sng" algn="ctr">
+        <a:solidFill>
+          <a:schemeClr val="tx1">
+            <a:lumMod val="15000"/>
+            <a:lumOff val="85000"/>
+          </a:schemeClr>
+        </a:solidFill>
+        <a:round/>
+      </a:ln>
+    </cs:spPr>
+    <cs:defRPr sz="1197" kern="1200"/>
+  </cs:dataTable>
+  <cs:downBar>
+    <cs:lnRef idx="0"/>
+    <cs:fillRef idx="0"/>
+    <cs:effectRef idx="0"/>
+    <cs:fontRef idx="minor">
+      <a:schemeClr val="dk1"/>
+    </cs:fontRef>
+    <cs:spPr>
+      <a:solidFill>
+        <a:schemeClr val="dk1">
+          <a:lumMod val="65000"/>
+          <a:lumOff val="35000"/>
+        </a:schemeClr>
+      </a:solidFill>
+      <a:ln w="9525">
+        <a:solidFill>
+          <a:schemeClr val="tx1">
+            <a:lumMod val="65000"/>
+            <a:lumOff val="35000"/>
+          </a:schemeClr>
+        </a:solidFill>
+      </a:ln>
+    </cs:spPr>
+  </cs:downBar>
+  <cs:dropLine>
+    <cs:lnRef idx="0"/>
+    <cs:fillRef idx="0"/>
+    <cs:effectRef idx="0"/>
+    <cs:fontRef idx="minor">
+      <a:schemeClr val="tx1"/>
+    </cs:fontRef>
+    <cs:spPr>
+      <a:ln w="9525" cap="flat" cmpd="sng" algn="ctr">
+        <a:solidFill>
+          <a:schemeClr val="tx1">
+            <a:lumMod val="35000"/>
+            <a:lumOff val="65000"/>
+          </a:schemeClr>
+        </a:solidFill>
+        <a:round/>
+      </a:ln>
+    </cs:spPr>
+  </cs:dropLine>
+  <cs:errorBar>
+    <cs:lnRef idx="0"/>
+    <cs:fillRef idx="0"/>
+    <cs:effectRef idx="0"/>
+    <cs:fontRef idx="minor">
+      <a:schemeClr val="tx1"/>
+    </cs:fontRef>
+    <cs:spPr>
+      <a:ln w="9525" cap="flat" cmpd="sng" algn="ctr">
+        <a:solidFill>
+          <a:schemeClr val="tx1">
+            <a:lumMod val="65000"/>
+            <a:lumOff val="35000"/>
+          </a:schemeClr>
+        </a:solidFill>
+        <a:round/>
+      </a:ln>
+    </cs:spPr>
+  </cs:errorBar>
+  <cs:floor>
+    <cs:lnRef idx="0"/>
+    <cs:fillRef idx="0"/>
+    <cs:effectRef idx="0"/>
+    <cs:fontRef idx="minor">
+      <a:schemeClr val="tx1"/>
+    </cs:fontRef>
+    <cs:spPr>
+      <a:noFill/>
+      <a:ln>
+        <a:noFill/>
+      </a:ln>
+    </cs:spPr>
+  </cs:floor>
+  <cs:gridlineMajor>
+    <cs:lnRef idx="0"/>
+    <cs:fillRef idx="0"/>
+    <cs:effectRef idx="0"/>
+    <cs:fontRef idx="minor">
+      <a:schemeClr val="tx1"/>
+    </cs:fontRef>
+    <cs:spPr>
+      <a:ln w="9525" cap="flat" cmpd="sng" algn="ctr">
+        <a:solidFill>
+          <a:schemeClr val="tx1">
+            <a:lumMod val="15000"/>
+            <a:lumOff val="85000"/>
+          </a:schemeClr>
+        </a:solidFill>
+        <a:round/>
+      </a:ln>
+    </cs:spPr>
+  </cs:gridlineMajor>
+  <cs:gridlineMinor>
+    <cs:lnRef idx="0"/>
+    <cs:fillRef idx="0"/>
+    <cs:effectRef idx="0"/>
+    <cs:fontRef idx="minor">
+      <a:schemeClr val="tx1"/>
+    </cs:fontRef>
+    <cs:spPr>
+      <a:ln w="9525" cap="flat" cmpd="sng" algn="ctr">
+        <a:solidFill>
+          <a:schemeClr val="tx1">
+            <a:lumMod val="5000"/>
+            <a:lumOff val="95000"/>
+          </a:schemeClr>
+        </a:solidFill>
+        <a:round/>
+      </a:ln>
+    </cs:spPr>
+  </cs:gridlineMinor>
+  <cs:hiLoLine>
+    <cs:lnRef idx="0"/>
+    <cs:fillRef idx="0"/>
+    <cs:effectRef idx="0"/>
+    <cs:fontRef idx="minor">
+      <a:schemeClr val="tx1"/>
+    </cs:fontRef>
+    <cs:spPr>
+      <a:ln w="9525" cap="flat" cmpd="sng" algn="ctr">
+        <a:solidFill>
+          <a:schemeClr val="tx1">
+            <a:lumMod val="75000"/>
+            <a:lumOff val="25000"/>
+          </a:schemeClr>
+        </a:solidFill>
+        <a:round/>
+      </a:ln>
+    </cs:spPr>
+  </cs:hiLoLine>
+  <cs:leaderLine>
+    <cs:lnRef idx="0"/>
+    <cs:fillRef idx="0"/>
+    <cs:effectRef idx="0"/>
+    <cs:fontRef idx="minor">
+      <a:schemeClr val="tx1"/>
+    </cs:fontRef>
+    <cs:spPr>
+      <a:ln w="9525" cap="flat" cmpd="sng" algn="ctr">
+        <a:solidFill>
+          <a:schemeClr val="tx1">
+            <a:lumMod val="35000"/>
+            <a:lumOff val="65000"/>
+          </a:schemeClr>
+        </a:solidFill>
+        <a:round/>
+      </a:ln>
+    </cs:spPr>
+  </cs:leaderLine>
+  <cs:legend>
+    <cs:lnRef idx="0"/>
+    <cs:fillRef idx="0"/>
+    <cs:effectRef idx="0"/>
+    <cs:fontRef idx="minor">
+      <a:schemeClr val="tx1">
+        <a:lumMod val="65000"/>
+        <a:lumOff val="35000"/>
+      </a:schemeClr>
+    </cs:fontRef>
+    <cs:defRPr sz="1197" kern="1200"/>
+  </cs:legend>
+  <cs:plotArea mods="allowNoFillOverride allowNoLineOverride">
+    <cs:lnRef idx="0"/>
+    <cs:fillRef idx="0"/>
+    <cs:effectRef idx="0"/>
+    <cs:fontRef idx="minor">
+      <a:schemeClr val="tx1"/>
+    </cs:fontRef>
+  </cs:plotArea>
+  <cs:plotArea3D mods="allowNoFillOverride allowNoLineOverride">
+    <cs:lnRef idx="0"/>
+    <cs:fillRef idx="0"/>
+    <cs:effectRef idx="0"/>
+    <cs:fontRef idx="minor">
+      <a:schemeClr val="tx1"/>
+    </cs:fontRef>
+  </cs:plotArea3D>
+  <cs:seriesAxis>
+    <cs:lnRef idx="0"/>
+    <cs:fillRef idx="0"/>
+    <cs:effectRef idx="0"/>
+    <cs:fontRef idx="minor">
+      <a:schemeClr val="tx1">
+        <a:lumMod val="65000"/>
+        <a:lumOff val="35000"/>
+      </a:schemeClr>
+    </cs:fontRef>
+    <cs:defRPr sz="1197" kern="1200"/>
+  </cs:seriesAxis>
+  <cs:seriesLine>
+    <cs:lnRef idx="0"/>
+    <cs:fillRef idx="0"/>
+    <cs:effectRef idx="0"/>
+    <cs:fontRef idx="minor">
+      <a:schemeClr val="tx1"/>
+    </cs:fontRef>
+    <cs:spPr>
+      <a:ln w="9525" cap="flat" cmpd="sng" algn="ctr">
+        <a:solidFill>
+          <a:schemeClr val="tx1">
+            <a:lumMod val="35000"/>
+            <a:lumOff val="65000"/>
+          </a:schemeClr>
+        </a:solidFill>
+        <a:round/>
+      </a:ln>
+    </cs:spPr>
+  </cs:seriesLine>
+  <cs:title>
+    <cs:lnRef idx="0"/>
+    <cs:fillRef idx="0"/>
+    <cs:effectRef idx="0"/>
+    <cs:fontRef idx="minor">
+      <a:schemeClr val="tx1">
+        <a:lumMod val="65000"/>
+        <a:lumOff val="35000"/>
+      </a:schemeClr>
+    </cs:fontRef>
+    <cs:defRPr sz="1862" b="0" kern="1200" spc="0" baseline="0"/>
+  </cs:title>
+  <cs:trendline>
+    <cs:lnRef idx="0">
+      <cs:styleClr val="auto"/>
+    </cs:lnRef>
+    <cs:fillRef idx="0"/>
+    <cs:effectRef idx="0"/>
+    <cs:fontRef idx="minor">
+      <a:schemeClr val="tx1"/>
+    </cs:fontRef>
+    <cs:spPr>
+      <a:ln w="19050" cap="rnd">
+        <a:solidFill>
+          <a:schemeClr val="phClr"/>
+        </a:solidFill>
+        <a:prstDash val="sysDot"/>
+      </a:ln>
+    </cs:spPr>
+  </cs:trendline>
+  <cs:trendlineLabel>
+    <cs:lnRef idx="0"/>
+    <cs:fillRef idx="0"/>
+    <cs:effectRef idx="0"/>
+    <cs:fontRef idx="minor">
+      <a:schemeClr val="tx1">
+        <a:lumMod val="65000"/>
+        <a:lumOff val="35000"/>
+      </a:schemeClr>
+    </cs:fontRef>
+    <cs:defRPr sz="1197" kern="1200"/>
+  </cs:trendlineLabel>
+  <cs:upBar>
+    <cs:lnRef idx="0"/>
+    <cs:fillRef idx="0"/>
+    <cs:effectRef idx="0"/>
+    <cs:fontRef idx="minor">
+      <a:schemeClr val="dk1"/>
+    </cs:fontRef>
+    <cs:spPr>
+      <a:solidFill>
+        <a:schemeClr val="lt1"/>
+      </a:solidFill>
+      <a:ln w="9525">
+        <a:solidFill>
+          <a:schemeClr val="tx1">
+            <a:lumMod val="15000"/>
+            <a:lumOff val="85000"/>
+          </a:schemeClr>
+        </a:solidFill>
+      </a:ln>
+    </cs:spPr>
+  </cs:upBar>
+  <cs:valueAxis>
+    <cs:lnRef idx="0"/>
+    <cs:fillRef idx="0"/>
+    <cs:effectRef idx="0"/>
+    <cs:fontRef idx="minor">
+      <a:schemeClr val="tx1">
+        <a:lumMod val="65000"/>
+        <a:lumOff val="35000"/>
+      </a:schemeClr>
+    </cs:fontRef>
+    <cs:defRPr sz="1197" kern="1200"/>
+  </cs:valueAxis>
+  <cs:wall>
+    <cs:lnRef idx="0"/>
+    <cs:fillRef idx="0"/>
+    <cs:effectRef idx="0"/>
+    <cs:fontRef idx="minor">
+      <a:schemeClr val="tx1"/>
+    </cs:fontRef>
+    <cs:spPr>
+      <a:noFill/>
+      <a:ln>
+        <a:noFill/>
+      </a:ln>
+    </cs:spPr>
+  </cs:wall>
+</cs:chartStyle>
+</file>
+
+<file path=ppt/charts/style5.xml><?xml version="1.0" encoding="utf-8"?>
+<cs:chartStyle xmlns:cs="http://schemas.microsoft.com/office/drawing/2012/chartStyle" xmlns:a="http://schemas.openxmlformats.org/drawingml/2006/main" id="201">
+  <cs:axisTitle>
+    <cs:lnRef idx="0"/>
+    <cs:fillRef idx="0"/>
+    <cs:effectRef idx="0"/>
+    <cs:fontRef idx="minor">
+      <a:schemeClr val="tx1">
+        <a:lumMod val="65000"/>
+        <a:lumOff val="35000"/>
+      </a:schemeClr>
+    </cs:fontRef>
+    <cs:defRPr sz="1330" kern="1200"/>
+  </cs:axisTitle>
+  <cs:categoryAxis>
+    <cs:lnRef idx="0"/>
+    <cs:fillRef idx="0"/>
+    <cs:effectRef idx="0"/>
+    <cs:fontRef idx="minor">
+      <a:schemeClr val="tx1">
+        <a:lumMod val="65000"/>
+        <a:lumOff val="35000"/>
+      </a:schemeClr>
+    </cs:fontRef>
+    <cs:spPr>
+      <a:ln w="9525" cap="flat" cmpd="sng" algn="ctr">
+        <a:solidFill>
+          <a:schemeClr val="tx1">
+            <a:lumMod val="15000"/>
+            <a:lumOff val="85000"/>
+          </a:schemeClr>
+        </a:solidFill>
+        <a:round/>
+      </a:ln>
+    </cs:spPr>
+    <cs:defRPr sz="1197" kern="1200"/>
+  </cs:categoryAxis>
+  <cs:chartArea mods="allowNoFillOverride allowNoLineOverride">
+    <cs:lnRef idx="0"/>
+    <cs:fillRef idx="0"/>
+    <cs:effectRef idx="0"/>
+    <cs:fontRef idx="minor">
+      <a:schemeClr val="tx1"/>
+    </cs:fontRef>
+    <cs:spPr>
+      <a:solidFill>
+        <a:schemeClr val="bg1"/>
+      </a:solidFill>
+      <a:ln w="9525" cap="flat" cmpd="sng" algn="ctr">
+        <a:solidFill>
+          <a:schemeClr val="tx1">
+            <a:lumMod val="15000"/>
+            <a:lumOff val="85000"/>
+          </a:schemeClr>
+        </a:solidFill>
+        <a:round/>
+      </a:ln>
+    </cs:spPr>
+    <cs:defRPr sz="1330" kern="1200"/>
+  </cs:chartArea>
+  <cs:dataLabel>
+    <cs:lnRef idx="0"/>
+    <cs:fillRef idx="0"/>
+    <cs:effectRef idx="0"/>
+    <cs:fontRef idx="minor">
+      <a:schemeClr val="tx1">
+        <a:lumMod val="75000"/>
+        <a:lumOff val="25000"/>
+      </a:schemeClr>
+    </cs:fontRef>
+    <cs:defRPr sz="1197" kern="1200"/>
+  </cs:dataLabel>
+  <cs:dataLabelCallout>
+    <cs:lnRef idx="0"/>
+    <cs:fillRef idx="0"/>
+    <cs:effectRef idx="0"/>
+    <cs:fontRef idx="minor">
+      <a:schemeClr val="dk1">
+        <a:lumMod val="65000"/>
+        <a:lumOff val="35000"/>
+      </a:schemeClr>
+    </cs:fontRef>
+    <cs:spPr>
+      <a:solidFill>
+        <a:schemeClr val="lt1"/>
+      </a:solidFill>
+      <a:ln>
+        <a:solidFill>
+          <a:schemeClr val="dk1">
+            <a:lumMod val="25000"/>
+            <a:lumOff val="75000"/>
+          </a:schemeClr>
+        </a:solidFill>
+      </a:ln>
+    </cs:spPr>
+    <cs:defRPr sz="1197" kern="1200"/>
+    <cs:bodyPr rot="0" spcFirstLastPara="1" vertOverflow="clip" horzOverflow="clip" vert="horz" wrap="square" lIns="36576" tIns="18288" rIns="36576" bIns="18288" anchor="ctr" anchorCtr="1">
+      <a:spAutoFit/>
+    </cs:bodyPr>
+  </cs:dataLabelCallout>
+  <cs:dataPoint>
+    <cs:lnRef idx="0"/>
+    <cs:fillRef idx="1">
+      <cs:styleClr val="auto"/>
+    </cs:fillRef>
+    <cs:effectRef idx="0"/>
+    <cs:fontRef idx="minor">
+      <a:schemeClr val="tx1"/>
+    </cs:fontRef>
+  </cs:dataPoint>
+  <cs:dataPoint3D>
+    <cs:lnRef idx="0"/>
+    <cs:fillRef idx="1">
+      <cs:styleClr val="auto"/>
+    </cs:fillRef>
+    <cs:effectRef idx="0"/>
+    <cs:fontRef idx="minor">
+      <a:schemeClr val="tx1"/>
+    </cs:fontRef>
+  </cs:dataPoint3D>
+  <cs:dataPointLine>
+    <cs:lnRef idx="0">
+      <cs:styleClr val="auto"/>
+    </cs:lnRef>
+    <cs:fillRef idx="1"/>
+    <cs:effectRef idx="0"/>
+    <cs:fontRef idx="minor">
+      <a:schemeClr val="tx1"/>
+    </cs:fontRef>
+    <cs:spPr>
+      <a:ln w="28575" cap="rnd">
+        <a:solidFill>
+          <a:schemeClr val="phClr"/>
+        </a:solidFill>
+        <a:round/>
+      </a:ln>
+    </cs:spPr>
+  </cs:dataPointLine>
+  <cs:dataPointMarker>
+    <cs:lnRef idx="0">
+      <cs:styleClr val="auto"/>
+    </cs:lnRef>
+    <cs:fillRef idx="1">
+      <cs:styleClr val="auto"/>
+    </cs:fillRef>
+    <cs:effectRef idx="0"/>
+    <cs:fontRef idx="minor">
+      <a:schemeClr val="tx1"/>
+    </cs:fontRef>
+    <cs:spPr>
+      <a:ln w="9525">
+        <a:solidFill>
+          <a:schemeClr val="phClr"/>
+        </a:solidFill>
+      </a:ln>
+    </cs:spPr>
+  </cs:dataPointMarker>
+  <cs:dataPointMarkerLayout symbol="circle" size="5"/>
+  <cs:dataPointWireframe>
+    <cs:lnRef idx="0">
+      <cs:styleClr val="auto"/>
+    </cs:lnRef>
+    <cs:fillRef idx="1"/>
+    <cs:effectRef idx="0"/>
+    <cs:fontRef idx="minor">
+      <a:schemeClr val="tx1"/>
+    </cs:fontRef>
+    <cs:spPr>
+      <a:ln w="9525" cap="rnd">
+        <a:solidFill>
+          <a:schemeClr val="phClr"/>
+        </a:solidFill>
+        <a:round/>
+      </a:ln>
+    </cs:spPr>
+  </cs:dataPointWireframe>
+  <cs:dataTable>
+    <cs:lnRef idx="0"/>
+    <cs:fillRef idx="0"/>
+    <cs:effectRef idx="0"/>
+    <cs:fontRef idx="minor">
+      <a:schemeClr val="tx1">
+        <a:lumMod val="65000"/>
+        <a:lumOff val="35000"/>
+      </a:schemeClr>
+    </cs:fontRef>
+    <cs:spPr>
+      <a:noFill/>
+      <a:ln w="9525" cap="flat" cmpd="sng" algn="ctr">
+        <a:solidFill>
+          <a:schemeClr val="tx1">
+            <a:lumMod val="15000"/>
+            <a:lumOff val="85000"/>
+          </a:schemeClr>
+        </a:solidFill>
+        <a:round/>
+      </a:ln>
+    </cs:spPr>
+    <cs:defRPr sz="1197" kern="1200"/>
+  </cs:dataTable>
+  <cs:downBar>
+    <cs:lnRef idx="0"/>
+    <cs:fillRef idx="0"/>
+    <cs:effectRef idx="0"/>
+    <cs:fontRef idx="minor">
+      <a:schemeClr val="dk1"/>
+    </cs:fontRef>
+    <cs:spPr>
+      <a:solidFill>
+        <a:schemeClr val="dk1">
+          <a:lumMod val="65000"/>
+          <a:lumOff val="35000"/>
+        </a:schemeClr>
+      </a:solidFill>
+      <a:ln w="9525">
+        <a:solidFill>
+          <a:schemeClr val="tx1">
+            <a:lumMod val="65000"/>
+            <a:lumOff val="35000"/>
+          </a:schemeClr>
+        </a:solidFill>
+      </a:ln>
+    </cs:spPr>
+  </cs:downBar>
+  <cs:dropLine>
+    <cs:lnRef idx="0"/>
+    <cs:fillRef idx="0"/>
+    <cs:effectRef idx="0"/>
+    <cs:fontRef idx="minor">
+      <a:schemeClr val="tx1"/>
+    </cs:fontRef>
+    <cs:spPr>
+      <a:ln w="9525" cap="flat" cmpd="sng" algn="ctr">
+        <a:solidFill>
+          <a:schemeClr val="tx1">
+            <a:lumMod val="35000"/>
+            <a:lumOff val="65000"/>
+          </a:schemeClr>
+        </a:solidFill>
+        <a:round/>
+      </a:ln>
+    </cs:spPr>
+  </cs:dropLine>
+  <cs:errorBar>
+    <cs:lnRef idx="0"/>
+    <cs:fillRef idx="0"/>
+    <cs:effectRef idx="0"/>
+    <cs:fontRef idx="minor">
+      <a:schemeClr val="tx1"/>
+    </cs:fontRef>
+    <cs:spPr>
+      <a:ln w="9525" cap="flat" cmpd="sng" algn="ctr">
+        <a:solidFill>
+          <a:schemeClr val="tx1">
+            <a:lumMod val="65000"/>
+            <a:lumOff val="35000"/>
+          </a:schemeClr>
+        </a:solidFill>
+        <a:round/>
+      </a:ln>
+    </cs:spPr>
+  </cs:errorBar>
+  <cs:floor>
+    <cs:lnRef idx="0"/>
+    <cs:fillRef idx="0"/>
+    <cs:effectRef idx="0"/>
+    <cs:fontRef idx="minor">
+      <a:schemeClr val="tx1"/>
+    </cs:fontRef>
+    <cs:spPr>
+      <a:noFill/>
+      <a:ln>
+        <a:noFill/>
+      </a:ln>
+    </cs:spPr>
+  </cs:floor>
+  <cs:gridlineMajor>
+    <cs:lnRef idx="0"/>
+    <cs:fillRef idx="0"/>
+    <cs:effectRef idx="0"/>
+    <cs:fontRef idx="minor">
+      <a:schemeClr val="tx1"/>
+    </cs:fontRef>
+    <cs:spPr>
+      <a:ln w="9525" cap="flat" cmpd="sng" algn="ctr">
+        <a:solidFill>
+          <a:schemeClr val="tx1">
+            <a:lumMod val="15000"/>
+            <a:lumOff val="85000"/>
+          </a:schemeClr>
+        </a:solidFill>
+        <a:round/>
+      </a:ln>
+    </cs:spPr>
+  </cs:gridlineMajor>
+  <cs:gridlineMinor>
+    <cs:lnRef idx="0"/>
+    <cs:fillRef idx="0"/>
+    <cs:effectRef idx="0"/>
+    <cs:fontRef idx="minor">
+      <a:schemeClr val="tx1"/>
+    </cs:fontRef>
+    <cs:spPr>
+      <a:ln w="9525" cap="flat" cmpd="sng" algn="ctr">
+        <a:solidFill>
+          <a:schemeClr val="tx1">
+            <a:lumMod val="5000"/>
+            <a:lumOff val="95000"/>
+          </a:schemeClr>
+        </a:solidFill>
+        <a:round/>
+      </a:ln>
+    </cs:spPr>
+  </cs:gridlineMinor>
+  <cs:hiLoLine>
+    <cs:lnRef idx="0"/>
+    <cs:fillRef idx="0"/>
+    <cs:effectRef idx="0"/>
+    <cs:fontRef idx="minor">
+      <a:schemeClr val="tx1"/>
+    </cs:fontRef>
+    <cs:spPr>
+      <a:ln w="9525" cap="flat" cmpd="sng" algn="ctr">
+        <a:solidFill>
+          <a:schemeClr val="tx1">
+            <a:lumMod val="75000"/>
+            <a:lumOff val="25000"/>
+          </a:schemeClr>
+        </a:solidFill>
+        <a:round/>
+      </a:ln>
+    </cs:spPr>
+  </cs:hiLoLine>
+  <cs:leaderLine>
+    <cs:lnRef idx="0"/>
+    <cs:fillRef idx="0"/>
+    <cs:effectRef idx="0"/>
+    <cs:fontRef idx="minor">
+      <a:schemeClr val="tx1"/>
+    </cs:fontRef>
+    <cs:spPr>
+      <a:ln w="9525" cap="flat" cmpd="sng" algn="ctr">
+        <a:solidFill>
+          <a:schemeClr val="tx1">
+            <a:lumMod val="35000"/>
+            <a:lumOff val="65000"/>
+          </a:schemeClr>
+        </a:solidFill>
+        <a:round/>
+      </a:ln>
+    </cs:spPr>
+  </cs:leaderLine>
+  <cs:legend>
+    <cs:lnRef idx="0"/>
+    <cs:fillRef idx="0"/>
+    <cs:effectRef idx="0"/>
+    <cs:fontRef idx="minor">
+      <a:schemeClr val="tx1">
+        <a:lumMod val="65000"/>
+        <a:lumOff val="35000"/>
+      </a:schemeClr>
+    </cs:fontRef>
+    <cs:defRPr sz="1197" kern="1200"/>
+  </cs:legend>
+  <cs:plotArea mods="allowNoFillOverride allowNoLineOverride">
+    <cs:lnRef idx="0"/>
+    <cs:fillRef idx="0"/>
+    <cs:effectRef idx="0"/>
+    <cs:fontRef idx="minor">
+      <a:schemeClr val="tx1"/>
+    </cs:fontRef>
+  </cs:plotArea>
+  <cs:plotArea3D mods="allowNoFillOverride allowNoLineOverride">
+    <cs:lnRef idx="0"/>
+    <cs:fillRef idx="0"/>
+    <cs:effectRef idx="0"/>
+    <cs:fontRef idx="minor">
+      <a:schemeClr val="tx1"/>
+    </cs:fontRef>
+  </cs:plotArea3D>
+  <cs:seriesAxis>
+    <cs:lnRef idx="0"/>
+    <cs:fillRef idx="0"/>
+    <cs:effectRef idx="0"/>
+    <cs:fontRef idx="minor">
+      <a:schemeClr val="tx1">
+        <a:lumMod val="65000"/>
+        <a:lumOff val="35000"/>
+      </a:schemeClr>
+    </cs:fontRef>
+    <cs:defRPr sz="1197" kern="1200"/>
+  </cs:seriesAxis>
+  <cs:seriesLine>
+    <cs:lnRef idx="0"/>
+    <cs:fillRef idx="0"/>
+    <cs:effectRef idx="0"/>
+    <cs:fontRef idx="minor">
+      <a:schemeClr val="tx1"/>
+    </cs:fontRef>
+    <cs:spPr>
+      <a:ln w="9525" cap="flat" cmpd="sng" algn="ctr">
+        <a:solidFill>
+          <a:schemeClr val="tx1">
+            <a:lumMod val="35000"/>
+            <a:lumOff val="65000"/>
+          </a:schemeClr>
+        </a:solidFill>
+        <a:round/>
+      </a:ln>
+    </cs:spPr>
+  </cs:seriesLine>
+  <cs:title>
+    <cs:lnRef idx="0"/>
+    <cs:fillRef idx="0"/>
+    <cs:effectRef idx="0"/>
+    <cs:fontRef idx="minor">
+      <a:schemeClr val="tx1">
+        <a:lumMod val="65000"/>
+        <a:lumOff val="35000"/>
+      </a:schemeClr>
+    </cs:fontRef>
+    <cs:defRPr sz="1862" b="0" kern="1200" spc="0" baseline="0"/>
+  </cs:title>
+  <cs:trendline>
+    <cs:lnRef idx="0">
+      <cs:styleClr val="auto"/>
+    </cs:lnRef>
+    <cs:fillRef idx="0"/>
+    <cs:effectRef idx="0"/>
+    <cs:fontRef idx="minor">
+      <a:schemeClr val="tx1"/>
+    </cs:fontRef>
+    <cs:spPr>
+      <a:ln w="19050" cap="rnd">
+        <a:solidFill>
+          <a:schemeClr val="phClr"/>
+        </a:solidFill>
+        <a:prstDash val="sysDot"/>
+      </a:ln>
+    </cs:spPr>
+  </cs:trendline>
+  <cs:trendlineLabel>
+    <cs:lnRef idx="0"/>
+    <cs:fillRef idx="0"/>
+    <cs:effectRef idx="0"/>
+    <cs:fontRef idx="minor">
+      <a:schemeClr val="tx1">
+        <a:lumMod val="65000"/>
+        <a:lumOff val="35000"/>
+      </a:schemeClr>
+    </cs:fontRef>
+    <cs:defRPr sz="1197" kern="1200"/>
+  </cs:trendlineLabel>
+  <cs:upBar>
+    <cs:lnRef idx="0"/>
+    <cs:fillRef idx="0"/>
+    <cs:effectRef idx="0"/>
+    <cs:fontRef idx="minor">
+      <a:schemeClr val="dk1"/>
+    </cs:fontRef>
+    <cs:spPr>
+      <a:solidFill>
+        <a:schemeClr val="lt1"/>
+      </a:solidFill>
+      <a:ln w="9525">
+        <a:solidFill>
+          <a:schemeClr val="tx1">
+            <a:lumMod val="15000"/>
+            <a:lumOff val="85000"/>
+          </a:schemeClr>
+        </a:solidFill>
+      </a:ln>
+    </cs:spPr>
+  </cs:upBar>
+  <cs:valueAxis>
+    <cs:lnRef idx="0"/>
+    <cs:fillRef idx="0"/>
+    <cs:effectRef idx="0"/>
+    <cs:fontRef idx="minor">
+      <a:schemeClr val="tx1">
+        <a:lumMod val="65000"/>
+        <a:lumOff val="35000"/>
+      </a:schemeClr>
+    </cs:fontRef>
+    <cs:defRPr sz="1197" kern="1200"/>
+  </cs:valueAxis>
+  <cs:wall>
+    <cs:lnRef idx="0"/>
+    <cs:fillRef idx="0"/>
+    <cs:effectRef idx="0"/>
+    <cs:fontRef idx="minor">
+      <a:schemeClr val="tx1"/>
+    </cs:fontRef>
+    <cs:spPr>
+      <a:noFill/>
+      <a:ln>
+        <a:noFill/>
+      </a:ln>
+    </cs:spPr>
+  </cs:wall>
+</cs:chartStyle>
+</file>
+
 <file path=ppt/notesMasters/notesMaster1.xml><?xml version="1.0" encoding="utf-8"?>
 <p:notesMaster xmlns:a="http://schemas.openxmlformats.org/drawingml/2006/main" xmlns:r="http://schemas.openxmlformats.org/officeDocument/2006/relationships" xmlns:p="http://schemas.openxmlformats.org/presentationml/2006/main">
   <p:cSld>
@@ -198,7 +5976,7 @@
           <a:p>
             <a:fld id="{E479B4A8-4442-4EFA-983E-4A3A47E7C37A}" type="datetimeFigureOut">
               <a:rPr lang="zh-CN" altLang="en-US" smtClean="0"/>
-              <a:t>2025/10/26</a:t>
+              <a:t>2025/10/29</a:t>
             </a:fld>
             <a:endParaRPr lang="zh-CN" altLang="en-US"/>
           </a:p>
@@ -549,6 +6327,522 @@
 </p:notes>
 </file>
 
+<file path=ppt/notesSlides/notesSlide2.xml><?xml version="1.0" encoding="utf-8"?>
+<p:notes xmlns:a="http://schemas.openxmlformats.org/drawingml/2006/main" xmlns:r="http://schemas.openxmlformats.org/officeDocument/2006/relationships" xmlns:p="http://schemas.openxmlformats.org/presentationml/2006/main">
+  <p:cSld>
+    <p:spTree>
+      <p:nvGrpSpPr>
+        <p:cNvPr id="1" name=""/>
+        <p:cNvGrpSpPr/>
+        <p:nvPr/>
+      </p:nvGrpSpPr>
+      <p:grpSpPr>
+        <a:xfrm>
+          <a:off x="0" y="0"/>
+          <a:ext cx="0" cy="0"/>
+          <a:chOff x="0" y="0"/>
+          <a:chExt cx="0" cy="0"/>
+        </a:xfrm>
+      </p:grpSpPr>
+      <p:sp>
+        <p:nvSpPr>
+          <p:cNvPr id="2" name="幻灯片图像占位符 1"/>
+          <p:cNvSpPr>
+            <a:spLocks noGrp="1" noRot="1" noChangeAspect="1"/>
+          </p:cNvSpPr>
+          <p:nvPr>
+            <p:ph type="sldImg"/>
+          </p:nvPr>
+        </p:nvSpPr>
+        <p:spPr/>
+      </p:sp>
+      <p:sp>
+        <p:nvSpPr>
+          <p:cNvPr id="3" name="备注占位符 2"/>
+          <p:cNvSpPr>
+            <a:spLocks noGrp="1"/>
+          </p:cNvSpPr>
+          <p:nvPr>
+            <p:ph type="body" idx="1"/>
+          </p:nvPr>
+        </p:nvSpPr>
+        <p:spPr/>
+        <p:txBody>
+          <a:bodyPr/>
+          <a:lstStyle/>
+          <a:p>
+            <a:endParaRPr lang="zh-CN" altLang="en-US" dirty="0"/>
+          </a:p>
+        </p:txBody>
+      </p:sp>
+      <p:sp>
+        <p:nvSpPr>
+          <p:cNvPr id="4" name="灯片编号占位符 3"/>
+          <p:cNvSpPr>
+            <a:spLocks noGrp="1"/>
+          </p:cNvSpPr>
+          <p:nvPr>
+            <p:ph type="sldNum" sz="quarter" idx="5"/>
+          </p:nvPr>
+        </p:nvSpPr>
+        <p:spPr/>
+        <p:txBody>
+          <a:bodyPr/>
+          <a:lstStyle/>
+          <a:p>
+            <a:fld id="{47DCAE5F-3CE4-4689-9B39-A23F7DE768F1}" type="slidenum">
+              <a:rPr lang="zh-CN" altLang="en-US" smtClean="0"/>
+              <a:t>3</a:t>
+            </a:fld>
+            <a:endParaRPr lang="zh-CN" altLang="en-US"/>
+          </a:p>
+        </p:txBody>
+      </p:sp>
+    </p:spTree>
+    <p:extLst>
+      <p:ext uri="{BB962C8B-B14F-4D97-AF65-F5344CB8AC3E}">
+        <p14:creationId xmlns:p14="http://schemas.microsoft.com/office/powerpoint/2010/main" val="1012318731"/>
+      </p:ext>
+    </p:extLst>
+  </p:cSld>
+  <p:clrMapOvr>
+    <a:masterClrMapping/>
+  </p:clrMapOvr>
+</p:notes>
+</file>
+
+<file path=ppt/notesSlides/notesSlide3.xml><?xml version="1.0" encoding="utf-8"?>
+<p:notes xmlns:a="http://schemas.openxmlformats.org/drawingml/2006/main" xmlns:r="http://schemas.openxmlformats.org/officeDocument/2006/relationships" xmlns:p="http://schemas.openxmlformats.org/presentationml/2006/main">
+  <p:cSld>
+    <p:spTree>
+      <p:nvGrpSpPr>
+        <p:cNvPr id="1" name="">
+          <a:extLst>
+            <a:ext uri="{FF2B5EF4-FFF2-40B4-BE49-F238E27FC236}">
+              <a16:creationId xmlns:a16="http://schemas.microsoft.com/office/drawing/2014/main" id="{BC94FA68-B263-D858-11CA-B3904310D416}"/>
+            </a:ext>
+          </a:extLst>
+        </p:cNvPr>
+        <p:cNvGrpSpPr/>
+        <p:nvPr/>
+      </p:nvGrpSpPr>
+      <p:grpSpPr>
+        <a:xfrm>
+          <a:off x="0" y="0"/>
+          <a:ext cx="0" cy="0"/>
+          <a:chOff x="0" y="0"/>
+          <a:chExt cx="0" cy="0"/>
+        </a:xfrm>
+      </p:grpSpPr>
+      <p:sp>
+        <p:nvSpPr>
+          <p:cNvPr id="2" name="幻灯片图像占位符 1">
+            <a:extLst>
+              <a:ext uri="{FF2B5EF4-FFF2-40B4-BE49-F238E27FC236}">
+                <a16:creationId xmlns:a16="http://schemas.microsoft.com/office/drawing/2014/main" id="{FCC1D08A-47D0-5C25-BC03-F0693816E3F7}"/>
+              </a:ext>
+            </a:extLst>
+          </p:cNvPr>
+          <p:cNvSpPr>
+            <a:spLocks noGrp="1" noRot="1" noChangeAspect="1"/>
+          </p:cNvSpPr>
+          <p:nvPr>
+            <p:ph type="sldImg"/>
+          </p:nvPr>
+        </p:nvSpPr>
+        <p:spPr/>
+      </p:sp>
+      <p:sp>
+        <p:nvSpPr>
+          <p:cNvPr id="3" name="备注占位符 2">
+            <a:extLst>
+              <a:ext uri="{FF2B5EF4-FFF2-40B4-BE49-F238E27FC236}">
+                <a16:creationId xmlns:a16="http://schemas.microsoft.com/office/drawing/2014/main" id="{EA150CC7-A21A-8372-45F3-17A4F6409200}"/>
+              </a:ext>
+            </a:extLst>
+          </p:cNvPr>
+          <p:cNvSpPr>
+            <a:spLocks noGrp="1"/>
+          </p:cNvSpPr>
+          <p:nvPr>
+            <p:ph type="body" idx="1"/>
+          </p:nvPr>
+        </p:nvSpPr>
+        <p:spPr/>
+        <p:txBody>
+          <a:bodyPr/>
+          <a:lstStyle/>
+          <a:p>
+            <a:endParaRPr lang="zh-CN" altLang="en-US" dirty="0"/>
+          </a:p>
+        </p:txBody>
+      </p:sp>
+      <p:sp>
+        <p:nvSpPr>
+          <p:cNvPr id="4" name="灯片编号占位符 3">
+            <a:extLst>
+              <a:ext uri="{FF2B5EF4-FFF2-40B4-BE49-F238E27FC236}">
+                <a16:creationId xmlns:a16="http://schemas.microsoft.com/office/drawing/2014/main" id="{95435844-F6FD-697E-1600-B9C099889C4B}"/>
+              </a:ext>
+            </a:extLst>
+          </p:cNvPr>
+          <p:cNvSpPr>
+            <a:spLocks noGrp="1"/>
+          </p:cNvSpPr>
+          <p:nvPr>
+            <p:ph type="sldNum" sz="quarter" idx="5"/>
+          </p:nvPr>
+        </p:nvSpPr>
+        <p:spPr/>
+        <p:txBody>
+          <a:bodyPr/>
+          <a:lstStyle/>
+          <a:p>
+            <a:fld id="{47DCAE5F-3CE4-4689-9B39-A23F7DE768F1}" type="slidenum">
+              <a:rPr lang="zh-CN" altLang="en-US" smtClean="0"/>
+              <a:t>4</a:t>
+            </a:fld>
+            <a:endParaRPr lang="zh-CN" altLang="en-US"/>
+          </a:p>
+        </p:txBody>
+      </p:sp>
+    </p:spTree>
+    <p:extLst>
+      <p:ext uri="{BB962C8B-B14F-4D97-AF65-F5344CB8AC3E}">
+        <p14:creationId xmlns:p14="http://schemas.microsoft.com/office/powerpoint/2010/main" val="4088257884"/>
+      </p:ext>
+    </p:extLst>
+  </p:cSld>
+  <p:clrMapOvr>
+    <a:masterClrMapping/>
+  </p:clrMapOvr>
+</p:notes>
+</file>
+
+<file path=ppt/notesSlides/notesSlide4.xml><?xml version="1.0" encoding="utf-8"?>
+<p:notes xmlns:a="http://schemas.openxmlformats.org/drawingml/2006/main" xmlns:r="http://schemas.openxmlformats.org/officeDocument/2006/relationships" xmlns:p="http://schemas.openxmlformats.org/presentationml/2006/main">
+  <p:cSld>
+    <p:spTree>
+      <p:nvGrpSpPr>
+        <p:cNvPr id="1" name="">
+          <a:extLst>
+            <a:ext uri="{FF2B5EF4-FFF2-40B4-BE49-F238E27FC236}">
+              <a16:creationId xmlns:a16="http://schemas.microsoft.com/office/drawing/2014/main" id="{5FBB5E03-2F5D-023A-B9ED-D763C25B0F91}"/>
+            </a:ext>
+          </a:extLst>
+        </p:cNvPr>
+        <p:cNvGrpSpPr/>
+        <p:nvPr/>
+      </p:nvGrpSpPr>
+      <p:grpSpPr>
+        <a:xfrm>
+          <a:off x="0" y="0"/>
+          <a:ext cx="0" cy="0"/>
+          <a:chOff x="0" y="0"/>
+          <a:chExt cx="0" cy="0"/>
+        </a:xfrm>
+      </p:grpSpPr>
+      <p:sp>
+        <p:nvSpPr>
+          <p:cNvPr id="2" name="幻灯片图像占位符 1">
+            <a:extLst>
+              <a:ext uri="{FF2B5EF4-FFF2-40B4-BE49-F238E27FC236}">
+                <a16:creationId xmlns:a16="http://schemas.microsoft.com/office/drawing/2014/main" id="{BF1574A7-382D-9EE8-6BA0-9B95DC5EEF7E}"/>
+              </a:ext>
+            </a:extLst>
+          </p:cNvPr>
+          <p:cNvSpPr>
+            <a:spLocks noGrp="1" noRot="1" noChangeAspect="1"/>
+          </p:cNvSpPr>
+          <p:nvPr>
+            <p:ph type="sldImg"/>
+          </p:nvPr>
+        </p:nvSpPr>
+        <p:spPr/>
+      </p:sp>
+      <p:sp>
+        <p:nvSpPr>
+          <p:cNvPr id="3" name="备注占位符 2">
+            <a:extLst>
+              <a:ext uri="{FF2B5EF4-FFF2-40B4-BE49-F238E27FC236}">
+                <a16:creationId xmlns:a16="http://schemas.microsoft.com/office/drawing/2014/main" id="{EF3036B0-DF1D-1E54-98BA-4D2D728152CE}"/>
+              </a:ext>
+            </a:extLst>
+          </p:cNvPr>
+          <p:cNvSpPr>
+            <a:spLocks noGrp="1"/>
+          </p:cNvSpPr>
+          <p:nvPr>
+            <p:ph type="body" idx="1"/>
+          </p:nvPr>
+        </p:nvSpPr>
+        <p:spPr/>
+        <p:txBody>
+          <a:bodyPr/>
+          <a:lstStyle/>
+          <a:p>
+            <a:endParaRPr lang="zh-CN" altLang="en-US" dirty="0"/>
+          </a:p>
+        </p:txBody>
+      </p:sp>
+      <p:sp>
+        <p:nvSpPr>
+          <p:cNvPr id="4" name="灯片编号占位符 3">
+            <a:extLst>
+              <a:ext uri="{FF2B5EF4-FFF2-40B4-BE49-F238E27FC236}">
+                <a16:creationId xmlns:a16="http://schemas.microsoft.com/office/drawing/2014/main" id="{8E940AC9-714A-52AF-2920-C9CB7C7D97BC}"/>
+              </a:ext>
+            </a:extLst>
+          </p:cNvPr>
+          <p:cNvSpPr>
+            <a:spLocks noGrp="1"/>
+          </p:cNvSpPr>
+          <p:nvPr>
+            <p:ph type="sldNum" sz="quarter" idx="5"/>
+          </p:nvPr>
+        </p:nvSpPr>
+        <p:spPr/>
+        <p:txBody>
+          <a:bodyPr/>
+          <a:lstStyle/>
+          <a:p>
+            <a:fld id="{47DCAE5F-3CE4-4689-9B39-A23F7DE768F1}" type="slidenum">
+              <a:rPr lang="zh-CN" altLang="en-US" smtClean="0"/>
+              <a:t>5</a:t>
+            </a:fld>
+            <a:endParaRPr lang="zh-CN" altLang="en-US"/>
+          </a:p>
+        </p:txBody>
+      </p:sp>
+    </p:spTree>
+    <p:extLst>
+      <p:ext uri="{BB962C8B-B14F-4D97-AF65-F5344CB8AC3E}">
+        <p14:creationId xmlns:p14="http://schemas.microsoft.com/office/powerpoint/2010/main" val="2740419805"/>
+      </p:ext>
+    </p:extLst>
+  </p:cSld>
+  <p:clrMapOvr>
+    <a:masterClrMapping/>
+  </p:clrMapOvr>
+</p:notes>
+</file>
+
+<file path=ppt/notesSlides/notesSlide5.xml><?xml version="1.0" encoding="utf-8"?>
+<p:notes xmlns:a="http://schemas.openxmlformats.org/drawingml/2006/main" xmlns:r="http://schemas.openxmlformats.org/officeDocument/2006/relationships" xmlns:p="http://schemas.openxmlformats.org/presentationml/2006/main">
+  <p:cSld>
+    <p:spTree>
+      <p:nvGrpSpPr>
+        <p:cNvPr id="1" name="">
+          <a:extLst>
+            <a:ext uri="{FF2B5EF4-FFF2-40B4-BE49-F238E27FC236}">
+              <a16:creationId xmlns:a16="http://schemas.microsoft.com/office/drawing/2014/main" id="{0C687CB7-E75E-152F-86DF-B5A1952F0763}"/>
+            </a:ext>
+          </a:extLst>
+        </p:cNvPr>
+        <p:cNvGrpSpPr/>
+        <p:nvPr/>
+      </p:nvGrpSpPr>
+      <p:grpSpPr>
+        <a:xfrm>
+          <a:off x="0" y="0"/>
+          <a:ext cx="0" cy="0"/>
+          <a:chOff x="0" y="0"/>
+          <a:chExt cx="0" cy="0"/>
+        </a:xfrm>
+      </p:grpSpPr>
+      <p:sp>
+        <p:nvSpPr>
+          <p:cNvPr id="2" name="幻灯片图像占位符 1">
+            <a:extLst>
+              <a:ext uri="{FF2B5EF4-FFF2-40B4-BE49-F238E27FC236}">
+                <a16:creationId xmlns:a16="http://schemas.microsoft.com/office/drawing/2014/main" id="{1DD866AC-1190-2493-E065-269EBF107128}"/>
+              </a:ext>
+            </a:extLst>
+          </p:cNvPr>
+          <p:cNvSpPr>
+            <a:spLocks noGrp="1" noRot="1" noChangeAspect="1"/>
+          </p:cNvSpPr>
+          <p:nvPr>
+            <p:ph type="sldImg"/>
+          </p:nvPr>
+        </p:nvSpPr>
+        <p:spPr/>
+      </p:sp>
+      <p:sp>
+        <p:nvSpPr>
+          <p:cNvPr id="3" name="备注占位符 2">
+            <a:extLst>
+              <a:ext uri="{FF2B5EF4-FFF2-40B4-BE49-F238E27FC236}">
+                <a16:creationId xmlns:a16="http://schemas.microsoft.com/office/drawing/2014/main" id="{687CD2E8-BA47-54B4-BACC-36C17101D900}"/>
+              </a:ext>
+            </a:extLst>
+          </p:cNvPr>
+          <p:cNvSpPr>
+            <a:spLocks noGrp="1"/>
+          </p:cNvSpPr>
+          <p:nvPr>
+            <p:ph type="body" idx="1"/>
+          </p:nvPr>
+        </p:nvSpPr>
+        <p:spPr/>
+        <p:txBody>
+          <a:bodyPr/>
+          <a:lstStyle/>
+          <a:p>
+            <a:endParaRPr lang="zh-CN" altLang="en-US" dirty="0"/>
+          </a:p>
+        </p:txBody>
+      </p:sp>
+      <p:sp>
+        <p:nvSpPr>
+          <p:cNvPr id="4" name="灯片编号占位符 3">
+            <a:extLst>
+              <a:ext uri="{FF2B5EF4-FFF2-40B4-BE49-F238E27FC236}">
+                <a16:creationId xmlns:a16="http://schemas.microsoft.com/office/drawing/2014/main" id="{763EDD4D-C703-7C5B-6BEB-1877914AB5E7}"/>
+              </a:ext>
+            </a:extLst>
+          </p:cNvPr>
+          <p:cNvSpPr>
+            <a:spLocks noGrp="1"/>
+          </p:cNvSpPr>
+          <p:nvPr>
+            <p:ph type="sldNum" sz="quarter" idx="5"/>
+          </p:nvPr>
+        </p:nvSpPr>
+        <p:spPr/>
+        <p:txBody>
+          <a:bodyPr/>
+          <a:lstStyle/>
+          <a:p>
+            <a:fld id="{47DCAE5F-3CE4-4689-9B39-A23F7DE768F1}" type="slidenum">
+              <a:rPr lang="zh-CN" altLang="en-US" smtClean="0"/>
+              <a:t>12</a:t>
+            </a:fld>
+            <a:endParaRPr lang="zh-CN" altLang="en-US"/>
+          </a:p>
+        </p:txBody>
+      </p:sp>
+    </p:spTree>
+    <p:extLst>
+      <p:ext uri="{BB962C8B-B14F-4D97-AF65-F5344CB8AC3E}">
+        <p14:creationId xmlns:p14="http://schemas.microsoft.com/office/powerpoint/2010/main" val="1909626172"/>
+      </p:ext>
+    </p:extLst>
+  </p:cSld>
+  <p:clrMapOvr>
+    <a:masterClrMapping/>
+  </p:clrMapOvr>
+</p:notes>
+</file>
+
+<file path=ppt/notesSlides/notesSlide6.xml><?xml version="1.0" encoding="utf-8"?>
+<p:notes xmlns:a="http://schemas.openxmlformats.org/drawingml/2006/main" xmlns:r="http://schemas.openxmlformats.org/officeDocument/2006/relationships" xmlns:p="http://schemas.openxmlformats.org/presentationml/2006/main">
+  <p:cSld>
+    <p:spTree>
+      <p:nvGrpSpPr>
+        <p:cNvPr id="1" name="">
+          <a:extLst>
+            <a:ext uri="{FF2B5EF4-FFF2-40B4-BE49-F238E27FC236}">
+              <a16:creationId xmlns:a16="http://schemas.microsoft.com/office/drawing/2014/main" id="{15369313-EF03-AD87-185F-091B15F1EC67}"/>
+            </a:ext>
+          </a:extLst>
+        </p:cNvPr>
+        <p:cNvGrpSpPr/>
+        <p:nvPr/>
+      </p:nvGrpSpPr>
+      <p:grpSpPr>
+        <a:xfrm>
+          <a:off x="0" y="0"/>
+          <a:ext cx="0" cy="0"/>
+          <a:chOff x="0" y="0"/>
+          <a:chExt cx="0" cy="0"/>
+        </a:xfrm>
+      </p:grpSpPr>
+      <p:sp>
+        <p:nvSpPr>
+          <p:cNvPr id="2" name="幻灯片图像占位符 1">
+            <a:extLst>
+              <a:ext uri="{FF2B5EF4-FFF2-40B4-BE49-F238E27FC236}">
+                <a16:creationId xmlns:a16="http://schemas.microsoft.com/office/drawing/2014/main" id="{657D1AC2-89BF-12E6-E79D-E21B8BF08F84}"/>
+              </a:ext>
+            </a:extLst>
+          </p:cNvPr>
+          <p:cNvSpPr>
+            <a:spLocks noGrp="1" noRot="1" noChangeAspect="1"/>
+          </p:cNvSpPr>
+          <p:nvPr>
+            <p:ph type="sldImg"/>
+          </p:nvPr>
+        </p:nvSpPr>
+        <p:spPr/>
+      </p:sp>
+      <p:sp>
+        <p:nvSpPr>
+          <p:cNvPr id="3" name="备注占位符 2">
+            <a:extLst>
+              <a:ext uri="{FF2B5EF4-FFF2-40B4-BE49-F238E27FC236}">
+                <a16:creationId xmlns:a16="http://schemas.microsoft.com/office/drawing/2014/main" id="{7A95A4FE-248F-4DF4-A4B2-071F3A67E5DB}"/>
+              </a:ext>
+            </a:extLst>
+          </p:cNvPr>
+          <p:cNvSpPr>
+            <a:spLocks noGrp="1"/>
+          </p:cNvSpPr>
+          <p:nvPr>
+            <p:ph type="body" idx="1"/>
+          </p:nvPr>
+        </p:nvSpPr>
+        <p:spPr/>
+        <p:txBody>
+          <a:bodyPr/>
+          <a:lstStyle/>
+          <a:p>
+            <a:endParaRPr lang="zh-CN" altLang="en-US" dirty="0"/>
+          </a:p>
+        </p:txBody>
+      </p:sp>
+      <p:sp>
+        <p:nvSpPr>
+          <p:cNvPr id="4" name="灯片编号占位符 3">
+            <a:extLst>
+              <a:ext uri="{FF2B5EF4-FFF2-40B4-BE49-F238E27FC236}">
+                <a16:creationId xmlns:a16="http://schemas.microsoft.com/office/drawing/2014/main" id="{1ECF15FE-7795-7C17-EF13-ADDD69A153BE}"/>
+              </a:ext>
+            </a:extLst>
+          </p:cNvPr>
+          <p:cNvSpPr>
+            <a:spLocks noGrp="1"/>
+          </p:cNvSpPr>
+          <p:nvPr>
+            <p:ph type="sldNum" sz="quarter" idx="5"/>
+          </p:nvPr>
+        </p:nvSpPr>
+        <p:spPr/>
+        <p:txBody>
+          <a:bodyPr/>
+          <a:lstStyle/>
+          <a:p>
+            <a:fld id="{47DCAE5F-3CE4-4689-9B39-A23F7DE768F1}" type="slidenum">
+              <a:rPr lang="zh-CN" altLang="en-US" smtClean="0"/>
+              <a:t>13</a:t>
+            </a:fld>
+            <a:endParaRPr lang="zh-CN" altLang="en-US"/>
+          </a:p>
+        </p:txBody>
+      </p:sp>
+    </p:spTree>
+    <p:extLst>
+      <p:ext uri="{BB962C8B-B14F-4D97-AF65-F5344CB8AC3E}">
+        <p14:creationId xmlns:p14="http://schemas.microsoft.com/office/powerpoint/2010/main" val="2761677806"/>
+      </p:ext>
+    </p:extLst>
+  </p:cSld>
+  <p:clrMapOvr>
+    <a:masterClrMapping/>
+  </p:clrMapOvr>
+</p:notes>
+</file>
+
 <file path=ppt/slideLayouts/slideLayout1.xml><?xml version="1.0" encoding="utf-8"?>
 <p:sldLayout xmlns:a="http://schemas.openxmlformats.org/drawingml/2006/main" xmlns:r="http://schemas.openxmlformats.org/officeDocument/2006/relationships" xmlns:p="http://schemas.openxmlformats.org/presentationml/2006/main" type="title" preserve="1">
   <p:cSld name="标题幻灯片">
@@ -696,7 +6990,7 @@
           <a:p>
             <a:fld id="{791E7EED-2046-4448-A79D-DDD88A7B3F82}" type="datetimeFigureOut">
               <a:rPr lang="zh-CN" altLang="en-US" smtClean="0"/>
-              <a:t>2025/10/26</a:t>
+              <a:t>2025/10/29</a:t>
             </a:fld>
             <a:endParaRPr lang="zh-CN" altLang="en-US"/>
           </a:p>
@@ -894,7 +7188,7 @@
           <a:p>
             <a:fld id="{791E7EED-2046-4448-A79D-DDD88A7B3F82}" type="datetimeFigureOut">
               <a:rPr lang="zh-CN" altLang="en-US" smtClean="0"/>
-              <a:t>2025/10/26</a:t>
+              <a:t>2025/10/29</a:t>
             </a:fld>
             <a:endParaRPr lang="zh-CN" altLang="en-US"/>
           </a:p>
@@ -1102,7 +7396,7 @@
           <a:p>
             <a:fld id="{791E7EED-2046-4448-A79D-DDD88A7B3F82}" type="datetimeFigureOut">
               <a:rPr lang="zh-CN" altLang="en-US" smtClean="0"/>
-              <a:t>2025/10/26</a:t>
+              <a:t>2025/10/29</a:t>
             </a:fld>
             <a:endParaRPr lang="zh-CN" altLang="en-US"/>
           </a:p>
@@ -1300,7 +7594,7 @@
           <a:p>
             <a:fld id="{791E7EED-2046-4448-A79D-DDD88A7B3F82}" type="datetimeFigureOut">
               <a:rPr lang="zh-CN" altLang="en-US" smtClean="0"/>
-              <a:t>2025/10/26</a:t>
+              <a:t>2025/10/29</a:t>
             </a:fld>
             <a:endParaRPr lang="zh-CN" altLang="en-US"/>
           </a:p>
@@ -1575,7 +7869,7 @@
           <a:p>
             <a:fld id="{791E7EED-2046-4448-A79D-DDD88A7B3F82}" type="datetimeFigureOut">
               <a:rPr lang="zh-CN" altLang="en-US" smtClean="0"/>
-              <a:t>2025/10/26</a:t>
+              <a:t>2025/10/29</a:t>
             </a:fld>
             <a:endParaRPr lang="zh-CN" altLang="en-US"/>
           </a:p>
@@ -1840,7 +8134,7 @@
           <a:p>
             <a:fld id="{791E7EED-2046-4448-A79D-DDD88A7B3F82}" type="datetimeFigureOut">
               <a:rPr lang="zh-CN" altLang="en-US" smtClean="0"/>
-              <a:t>2025/10/26</a:t>
+              <a:t>2025/10/29</a:t>
             </a:fld>
             <a:endParaRPr lang="zh-CN" altLang="en-US"/>
           </a:p>
@@ -2252,7 +8546,7 @@
           <a:p>
             <a:fld id="{791E7EED-2046-4448-A79D-DDD88A7B3F82}" type="datetimeFigureOut">
               <a:rPr lang="zh-CN" altLang="en-US" smtClean="0"/>
-              <a:t>2025/10/26</a:t>
+              <a:t>2025/10/29</a:t>
             </a:fld>
             <a:endParaRPr lang="zh-CN" altLang="en-US"/>
           </a:p>
@@ -2393,7 +8687,7 @@
           <a:p>
             <a:fld id="{791E7EED-2046-4448-A79D-DDD88A7B3F82}" type="datetimeFigureOut">
               <a:rPr lang="zh-CN" altLang="en-US" smtClean="0"/>
-              <a:t>2025/10/26</a:t>
+              <a:t>2025/10/29</a:t>
             </a:fld>
             <a:endParaRPr lang="zh-CN" altLang="en-US"/>
           </a:p>
@@ -2506,7 +8800,7 @@
           <a:p>
             <a:fld id="{791E7EED-2046-4448-A79D-DDD88A7B3F82}" type="datetimeFigureOut">
               <a:rPr lang="zh-CN" altLang="en-US" smtClean="0"/>
-              <a:t>2025/10/26</a:t>
+              <a:t>2025/10/29</a:t>
             </a:fld>
             <a:endParaRPr lang="zh-CN" altLang="en-US"/>
           </a:p>
@@ -2817,7 +9111,7 @@
           <a:p>
             <a:fld id="{791E7EED-2046-4448-A79D-DDD88A7B3F82}" type="datetimeFigureOut">
               <a:rPr lang="zh-CN" altLang="en-US" smtClean="0"/>
-              <a:t>2025/10/26</a:t>
+              <a:t>2025/10/29</a:t>
             </a:fld>
             <a:endParaRPr lang="zh-CN" altLang="en-US"/>
           </a:p>
@@ -3105,7 +9399,7 @@
           <a:p>
             <a:fld id="{791E7EED-2046-4448-A79D-DDD88A7B3F82}" type="datetimeFigureOut">
               <a:rPr lang="zh-CN" altLang="en-US" smtClean="0"/>
-              <a:t>2025/10/26</a:t>
+              <a:t>2025/10/29</a:t>
             </a:fld>
             <a:endParaRPr lang="zh-CN" altLang="en-US"/>
           </a:p>
@@ -3346,7 +9640,7 @@
           <a:p>
             <a:fld id="{791E7EED-2046-4448-A79D-DDD88A7B3F82}" type="datetimeFigureOut">
               <a:rPr lang="zh-CN" altLang="en-US" smtClean="0"/>
-              <a:t>2025/10/26</a:t>
+              <a:t>2025/10/29</a:t>
             </a:fld>
             <a:endParaRPr lang="zh-CN" altLang="en-US"/>
           </a:p>
@@ -3829,6 +10123,523 @@
 </p:sld>
 </file>
 
+<file path=ppt/slides/slide10.xml><?xml version="1.0" encoding="utf-8"?>
+<p:sld xmlns:a="http://schemas.openxmlformats.org/drawingml/2006/main" xmlns:r="http://schemas.openxmlformats.org/officeDocument/2006/relationships" xmlns:p="http://schemas.openxmlformats.org/presentationml/2006/main">
+  <p:cSld>
+    <p:spTree>
+      <p:nvGrpSpPr>
+        <p:cNvPr id="1" name=""/>
+        <p:cNvGrpSpPr/>
+        <p:nvPr/>
+      </p:nvGrpSpPr>
+      <p:grpSpPr>
+        <a:xfrm>
+          <a:off x="0" y="0"/>
+          <a:ext cx="0" cy="0"/>
+          <a:chOff x="0" y="0"/>
+          <a:chExt cx="0" cy="0"/>
+        </a:xfrm>
+      </p:grpSpPr>
+      <p:pic>
+        <p:nvPicPr>
+          <p:cNvPr id="23" name="内容占位符 22">
+            <a:extLst>
+              <a:ext uri="{FF2B5EF4-FFF2-40B4-BE49-F238E27FC236}">
+                <a16:creationId xmlns:a16="http://schemas.microsoft.com/office/drawing/2014/main" id="{81D5DD2F-2839-7042-1761-D9991281E04E}"/>
+              </a:ext>
+            </a:extLst>
+          </p:cNvPr>
+          <p:cNvPicPr>
+            <a:picLocks noGrp="1" noChangeAspect="1"/>
+          </p:cNvPicPr>
+          <p:nvPr>
+            <p:ph idx="1"/>
+          </p:nvPr>
+        </p:nvPicPr>
+        <p:blipFill>
+          <a:blip r:embed="rId2"/>
+          <a:stretch>
+            <a:fillRect/>
+          </a:stretch>
+        </p:blipFill>
+        <p:spPr>
+          <a:xfrm>
+            <a:off x="3007431" y="673100"/>
+            <a:ext cx="6177138" cy="5503863"/>
+          </a:xfrm>
+          <a:prstGeom prst="rect">
+            <a:avLst/>
+          </a:prstGeom>
+        </p:spPr>
+      </p:pic>
+    </p:spTree>
+    <p:extLst>
+      <p:ext uri="{BB962C8B-B14F-4D97-AF65-F5344CB8AC3E}">
+        <p14:creationId xmlns:p14="http://schemas.microsoft.com/office/powerpoint/2010/main" val="1081419558"/>
+      </p:ext>
+    </p:extLst>
+  </p:cSld>
+  <p:clrMapOvr>
+    <a:masterClrMapping/>
+  </p:clrMapOvr>
+</p:sld>
+</file>
+
+<file path=ppt/slides/slide11.xml><?xml version="1.0" encoding="utf-8"?>
+<p:sld xmlns:a="http://schemas.openxmlformats.org/drawingml/2006/main" xmlns:r="http://schemas.openxmlformats.org/officeDocument/2006/relationships" xmlns:p="http://schemas.openxmlformats.org/presentationml/2006/main">
+  <p:cSld>
+    <p:spTree>
+      <p:nvGrpSpPr>
+        <p:cNvPr id="1" name=""/>
+        <p:cNvGrpSpPr/>
+        <p:nvPr/>
+      </p:nvGrpSpPr>
+      <p:grpSpPr>
+        <a:xfrm>
+          <a:off x="0" y="0"/>
+          <a:ext cx="0" cy="0"/>
+          <a:chOff x="0" y="0"/>
+          <a:chExt cx="0" cy="0"/>
+        </a:xfrm>
+      </p:grpSpPr>
+      <p:sp>
+        <p:nvSpPr>
+          <p:cNvPr id="2" name="标题 1">
+            <a:extLst>
+              <a:ext uri="{FF2B5EF4-FFF2-40B4-BE49-F238E27FC236}">
+                <a16:creationId xmlns:a16="http://schemas.microsoft.com/office/drawing/2014/main" id="{B8990465-E505-1C9B-9697-7CEC66C2BBD2}"/>
+              </a:ext>
+            </a:extLst>
+          </p:cNvPr>
+          <p:cNvSpPr>
+            <a:spLocks noGrp="1"/>
+          </p:cNvSpPr>
+          <p:nvPr>
+            <p:ph type="title"/>
+          </p:nvPr>
+        </p:nvSpPr>
+        <p:spPr/>
+        <p:txBody>
+          <a:bodyPr/>
+          <a:lstStyle/>
+          <a:p>
+            <a:r>
+              <a:rPr lang="zh-CN" altLang="en-US" dirty="0"/>
+              <a:t>算法复杂度</a:t>
+            </a:r>
+          </a:p>
+        </p:txBody>
+      </p:sp>
+      <p:sp>
+        <p:nvSpPr>
+          <p:cNvPr id="3" name="内容占位符 2">
+            <a:extLst>
+              <a:ext uri="{FF2B5EF4-FFF2-40B4-BE49-F238E27FC236}">
+                <a16:creationId xmlns:a16="http://schemas.microsoft.com/office/drawing/2014/main" id="{34782A88-0973-09B0-4B75-C73893FDA153}"/>
+              </a:ext>
+            </a:extLst>
+          </p:cNvPr>
+          <p:cNvSpPr>
+            <a:spLocks noGrp="1"/>
+          </p:cNvSpPr>
+          <p:nvPr>
+            <p:ph idx="1"/>
+          </p:nvPr>
+        </p:nvSpPr>
+        <p:spPr/>
+        <p:txBody>
+          <a:bodyPr/>
+          <a:lstStyle/>
+          <a:p>
+            <a:r>
+              <a:rPr lang="en-US" altLang="zh-CN" dirty="0" err="1"/>
+              <a:t>blur_image</a:t>
+            </a:r>
+            <a:r>
+              <a:rPr lang="zh-CN" altLang="en-US" dirty="0"/>
+              <a:t>：</a:t>
+            </a:r>
+            <a:r>
+              <a:rPr lang="en-US" altLang="zh-CN" dirty="0"/>
+              <a:t>O(</a:t>
+            </a:r>
+            <a:r>
+              <a:rPr lang="en-US" altLang="zh-CN" dirty="0" err="1"/>
+              <a:t>mxn</a:t>
+            </a:r>
+            <a:r>
+              <a:rPr lang="en-US" altLang="zh-CN" dirty="0"/>
+              <a:t>)</a:t>
+            </a:r>
+          </a:p>
+          <a:p>
+            <a:r>
+              <a:rPr lang="en-US" altLang="zh-CN" dirty="0" err="1"/>
+              <a:t>blur_image_separable</a:t>
+            </a:r>
+            <a:r>
+              <a:rPr lang="zh-CN" altLang="en-US" dirty="0"/>
+              <a:t>：</a:t>
+            </a:r>
+            <a:r>
+              <a:rPr lang="en-US" altLang="zh-CN" dirty="0"/>
+              <a:t>O(</a:t>
+            </a:r>
+            <a:r>
+              <a:rPr lang="en-US" altLang="zh-CN" dirty="0" err="1"/>
+              <a:t>m+n</a:t>
+            </a:r>
+            <a:r>
+              <a:rPr lang="en-US" altLang="zh-CN" dirty="0"/>
+              <a:t>)</a:t>
+            </a:r>
+          </a:p>
+          <a:p>
+            <a:pPr marL="0" indent="0">
+              <a:buNone/>
+            </a:pPr>
+            <a:endParaRPr lang="en-US" altLang="zh-CN" dirty="0"/>
+          </a:p>
+          <a:p>
+            <a:pPr marL="0" indent="0">
+              <a:buNone/>
+            </a:pPr>
+            <a:endParaRPr lang="en-US" altLang="zh-CN" dirty="0"/>
+          </a:p>
+          <a:p>
+            <a:endParaRPr lang="zh-CN" altLang="en-US" dirty="0"/>
+          </a:p>
+        </p:txBody>
+      </p:sp>
+    </p:spTree>
+    <p:extLst>
+      <p:ext uri="{BB962C8B-B14F-4D97-AF65-F5344CB8AC3E}">
+        <p14:creationId xmlns:p14="http://schemas.microsoft.com/office/powerpoint/2010/main" val="1017333910"/>
+      </p:ext>
+    </p:extLst>
+  </p:cSld>
+  <p:clrMapOvr>
+    <a:masterClrMapping/>
+  </p:clrMapOvr>
+</p:sld>
+</file>
+
+<file path=ppt/slides/slide12.xml><?xml version="1.0" encoding="utf-8"?>
+<p:sld xmlns:a="http://schemas.openxmlformats.org/drawingml/2006/main" xmlns:r="http://schemas.openxmlformats.org/officeDocument/2006/relationships" xmlns:p="http://schemas.openxmlformats.org/presentationml/2006/main">
+  <p:cSld>
+    <p:spTree>
+      <p:nvGrpSpPr>
+        <p:cNvPr id="1" name="">
+          <a:extLst>
+            <a:ext uri="{FF2B5EF4-FFF2-40B4-BE49-F238E27FC236}">
+              <a16:creationId xmlns:a16="http://schemas.microsoft.com/office/drawing/2014/main" id="{68C7BA2F-E436-9602-B97B-FDDF366212E7}"/>
+            </a:ext>
+          </a:extLst>
+        </p:cNvPr>
+        <p:cNvGrpSpPr/>
+        <p:nvPr/>
+      </p:nvGrpSpPr>
+      <p:grpSpPr>
+        <a:xfrm>
+          <a:off x="0" y="0"/>
+          <a:ext cx="0" cy="0"/>
+          <a:chOff x="0" y="0"/>
+          <a:chExt cx="0" cy="0"/>
+        </a:xfrm>
+      </p:grpSpPr>
+      <p:graphicFrame>
+        <p:nvGraphicFramePr>
+          <p:cNvPr id="6" name="内容占位符 5">
+            <a:extLst>
+              <a:ext uri="{FF2B5EF4-FFF2-40B4-BE49-F238E27FC236}">
+                <a16:creationId xmlns:a16="http://schemas.microsoft.com/office/drawing/2014/main" id="{703024A9-82C1-E5B1-3FDA-0F7E966A32FA}"/>
+              </a:ext>
+            </a:extLst>
+          </p:cNvPr>
+          <p:cNvGraphicFramePr>
+            <a:graphicFrameLocks noGrp="1"/>
+          </p:cNvGraphicFramePr>
+          <p:nvPr>
+            <p:ph idx="1"/>
+            <p:extLst>
+              <p:ext uri="{D42A27DB-BD31-4B8C-83A1-F6EECF244321}">
+                <p14:modId xmlns:p14="http://schemas.microsoft.com/office/powerpoint/2010/main" val="3437941868"/>
+              </p:ext>
+            </p:extLst>
+          </p:nvPr>
+        </p:nvGraphicFramePr>
+        <p:xfrm>
+          <a:off x="838200" y="711200"/>
+          <a:ext cx="10515600" cy="5465763"/>
+        </p:xfrm>
+        <a:graphic>
+          <a:graphicData uri="http://schemas.openxmlformats.org/drawingml/2006/chart">
+            <c:chart xmlns:c="http://schemas.openxmlformats.org/drawingml/2006/chart" xmlns:r="http://schemas.openxmlformats.org/officeDocument/2006/relationships" r:id="rId3"/>
+          </a:graphicData>
+        </a:graphic>
+      </p:graphicFrame>
+      <p:sp>
+        <p:nvSpPr>
+          <p:cNvPr id="7" name="文本框 6">
+            <a:extLst>
+              <a:ext uri="{FF2B5EF4-FFF2-40B4-BE49-F238E27FC236}">
+                <a16:creationId xmlns:a16="http://schemas.microsoft.com/office/drawing/2014/main" id="{8A333D42-4F96-C3A6-FC2A-D1E86A370258}"/>
+              </a:ext>
+            </a:extLst>
+          </p:cNvPr>
+          <p:cNvSpPr txBox="1"/>
+          <p:nvPr/>
+        </p:nvSpPr>
+        <p:spPr>
+          <a:xfrm>
+            <a:off x="8525782" y="5807631"/>
+            <a:ext cx="2828018" cy="369332"/>
+          </a:xfrm>
+          <a:prstGeom prst="rect">
+            <a:avLst/>
+          </a:prstGeom>
+          <a:noFill/>
+        </p:spPr>
+        <p:txBody>
+          <a:bodyPr wrap="none" rtlCol="0">
+            <a:spAutoFit/>
+          </a:bodyPr>
+          <a:lstStyle/>
+          <a:p>
+            <a:r>
+              <a:rPr lang="zh-CN" altLang="en-US" dirty="0"/>
+              <a:t>测试设备：</a:t>
+            </a:r>
+            <a:r>
+              <a:rPr lang="en-US" altLang="zh-CN" dirty="0"/>
+              <a:t>14700KF+4090</a:t>
+            </a:r>
+            <a:endParaRPr lang="zh-CN" altLang="en-US" dirty="0"/>
+          </a:p>
+        </p:txBody>
+      </p:sp>
+    </p:spTree>
+    <p:extLst>
+      <p:ext uri="{BB962C8B-B14F-4D97-AF65-F5344CB8AC3E}">
+        <p14:creationId xmlns:p14="http://schemas.microsoft.com/office/powerpoint/2010/main" val="379171561"/>
+      </p:ext>
+    </p:extLst>
+  </p:cSld>
+  <p:clrMapOvr>
+    <a:masterClrMapping/>
+  </p:clrMapOvr>
+</p:sld>
+</file>
+
+<file path=ppt/slides/slide13.xml><?xml version="1.0" encoding="utf-8"?>
+<p:sld xmlns:a="http://schemas.openxmlformats.org/drawingml/2006/main" xmlns:r="http://schemas.openxmlformats.org/officeDocument/2006/relationships" xmlns:p="http://schemas.openxmlformats.org/presentationml/2006/main">
+  <p:cSld>
+    <p:spTree>
+      <p:nvGrpSpPr>
+        <p:cNvPr id="1" name="">
+          <a:extLst>
+            <a:ext uri="{FF2B5EF4-FFF2-40B4-BE49-F238E27FC236}">
+              <a16:creationId xmlns:a16="http://schemas.microsoft.com/office/drawing/2014/main" id="{5C0626BE-C8B3-EAD2-FDC6-37EA5F23EB24}"/>
+            </a:ext>
+          </a:extLst>
+        </p:cNvPr>
+        <p:cNvGrpSpPr/>
+        <p:nvPr/>
+      </p:nvGrpSpPr>
+      <p:grpSpPr>
+        <a:xfrm>
+          <a:off x="0" y="0"/>
+          <a:ext cx="0" cy="0"/>
+          <a:chOff x="0" y="0"/>
+          <a:chExt cx="0" cy="0"/>
+        </a:xfrm>
+      </p:grpSpPr>
+      <p:graphicFrame>
+        <p:nvGraphicFramePr>
+          <p:cNvPr id="6" name="内容占位符 5">
+            <a:extLst>
+              <a:ext uri="{FF2B5EF4-FFF2-40B4-BE49-F238E27FC236}">
+                <a16:creationId xmlns:a16="http://schemas.microsoft.com/office/drawing/2014/main" id="{B060F8BF-8D33-8A2D-DD72-B0ED0D53566E}"/>
+              </a:ext>
+            </a:extLst>
+          </p:cNvPr>
+          <p:cNvGraphicFramePr>
+            <a:graphicFrameLocks noGrp="1"/>
+          </p:cNvGraphicFramePr>
+          <p:nvPr>
+            <p:ph idx="1"/>
+            <p:extLst>
+              <p:ext uri="{D42A27DB-BD31-4B8C-83A1-F6EECF244321}">
+                <p14:modId xmlns:p14="http://schemas.microsoft.com/office/powerpoint/2010/main" val="3334660182"/>
+              </p:ext>
+            </p:extLst>
+          </p:nvPr>
+        </p:nvGraphicFramePr>
+        <p:xfrm>
+          <a:off x="838200" y="711200"/>
+          <a:ext cx="10515600" cy="5465763"/>
+        </p:xfrm>
+        <a:graphic>
+          <a:graphicData uri="http://schemas.openxmlformats.org/drawingml/2006/chart">
+            <c:chart xmlns:c="http://schemas.openxmlformats.org/drawingml/2006/chart" xmlns:r="http://schemas.openxmlformats.org/officeDocument/2006/relationships" r:id="rId3"/>
+          </a:graphicData>
+        </a:graphic>
+      </p:graphicFrame>
+      <p:sp>
+        <p:nvSpPr>
+          <p:cNvPr id="7" name="文本框 6">
+            <a:extLst>
+              <a:ext uri="{FF2B5EF4-FFF2-40B4-BE49-F238E27FC236}">
+                <a16:creationId xmlns:a16="http://schemas.microsoft.com/office/drawing/2014/main" id="{8C288CA4-8202-465D-2329-4875218B48FD}"/>
+              </a:ext>
+            </a:extLst>
+          </p:cNvPr>
+          <p:cNvSpPr txBox="1"/>
+          <p:nvPr/>
+        </p:nvSpPr>
+        <p:spPr>
+          <a:xfrm>
+            <a:off x="8525782" y="5807631"/>
+            <a:ext cx="2828018" cy="369332"/>
+          </a:xfrm>
+          <a:prstGeom prst="rect">
+            <a:avLst/>
+          </a:prstGeom>
+          <a:noFill/>
+        </p:spPr>
+        <p:txBody>
+          <a:bodyPr wrap="none" rtlCol="0">
+            <a:spAutoFit/>
+          </a:bodyPr>
+          <a:lstStyle/>
+          <a:p>
+            <a:r>
+              <a:rPr lang="zh-CN" altLang="en-US" dirty="0"/>
+              <a:t>测试设备：</a:t>
+            </a:r>
+            <a:r>
+              <a:rPr lang="en-US" altLang="zh-CN" dirty="0"/>
+              <a:t>14700KF+4090</a:t>
+            </a:r>
+            <a:endParaRPr lang="zh-CN" altLang="en-US" dirty="0"/>
+          </a:p>
+        </p:txBody>
+      </p:sp>
+    </p:spTree>
+    <p:extLst>
+      <p:ext uri="{BB962C8B-B14F-4D97-AF65-F5344CB8AC3E}">
+        <p14:creationId xmlns:p14="http://schemas.microsoft.com/office/powerpoint/2010/main" val="1146255039"/>
+      </p:ext>
+    </p:extLst>
+  </p:cSld>
+  <p:clrMapOvr>
+    <a:masterClrMapping/>
+  </p:clrMapOvr>
+</p:sld>
+</file>
+
+<file path=ppt/slides/slide14.xml><?xml version="1.0" encoding="utf-8"?>
+<p:sld xmlns:a="http://schemas.openxmlformats.org/drawingml/2006/main" xmlns:r="http://schemas.openxmlformats.org/officeDocument/2006/relationships" xmlns:p="http://schemas.openxmlformats.org/presentationml/2006/main">
+  <p:cSld>
+    <p:spTree>
+      <p:nvGrpSpPr>
+        <p:cNvPr id="1" name=""/>
+        <p:cNvGrpSpPr/>
+        <p:nvPr/>
+      </p:nvGrpSpPr>
+      <p:grpSpPr>
+        <a:xfrm>
+          <a:off x="0" y="0"/>
+          <a:ext cx="0" cy="0"/>
+          <a:chOff x="0" y="0"/>
+          <a:chExt cx="0" cy="0"/>
+        </a:xfrm>
+      </p:grpSpPr>
+      <p:sp>
+        <p:nvSpPr>
+          <p:cNvPr id="2" name="标题 1">
+            <a:extLst>
+              <a:ext uri="{FF2B5EF4-FFF2-40B4-BE49-F238E27FC236}">
+                <a16:creationId xmlns:a16="http://schemas.microsoft.com/office/drawing/2014/main" id="{FB4E29C9-E2ED-B65D-0F18-511832B3C33F}"/>
+              </a:ext>
+            </a:extLst>
+          </p:cNvPr>
+          <p:cNvSpPr>
+            <a:spLocks noGrp="1"/>
+          </p:cNvSpPr>
+          <p:nvPr>
+            <p:ph type="title"/>
+          </p:nvPr>
+        </p:nvSpPr>
+        <p:spPr/>
+        <p:txBody>
+          <a:bodyPr/>
+          <a:lstStyle/>
+          <a:p>
+            <a:r>
+              <a:rPr lang="zh-CN" altLang="en-US" dirty="0"/>
+              <a:t>总结</a:t>
+            </a:r>
+          </a:p>
+        </p:txBody>
+      </p:sp>
+      <p:sp>
+        <p:nvSpPr>
+          <p:cNvPr id="3" name="内容占位符 2">
+            <a:extLst>
+              <a:ext uri="{FF2B5EF4-FFF2-40B4-BE49-F238E27FC236}">
+                <a16:creationId xmlns:a16="http://schemas.microsoft.com/office/drawing/2014/main" id="{F7221591-8986-5746-8D9C-BCDE4A9632BF}"/>
+              </a:ext>
+            </a:extLst>
+          </p:cNvPr>
+          <p:cNvSpPr>
+            <a:spLocks noGrp="1"/>
+          </p:cNvSpPr>
+          <p:nvPr>
+            <p:ph idx="1"/>
+          </p:nvPr>
+        </p:nvSpPr>
+        <p:spPr/>
+        <p:txBody>
+          <a:bodyPr/>
+          <a:lstStyle/>
+          <a:p>
+            <a:r>
+              <a:rPr lang="zh-CN" altLang="en-US" dirty="0"/>
+              <a:t>正常版本滤波 </a:t>
+            </a:r>
+            <a:r>
+              <a:rPr lang="en-US" altLang="zh-CN" dirty="0"/>
+              <a:t>vs </a:t>
+            </a:r>
+            <a:r>
+              <a:rPr lang="zh-CN" altLang="en-US" dirty="0"/>
+              <a:t>分离版本滤波</a:t>
+            </a:r>
+            <a:endParaRPr lang="en-US" altLang="zh-CN" dirty="0"/>
+          </a:p>
+          <a:p>
+            <a:r>
+              <a:rPr lang="zh-CN" altLang="en-US"/>
+              <a:t>性能瓶颈</a:t>
+            </a:r>
+            <a:endParaRPr lang="en-US" altLang="zh-CN" dirty="0"/>
+          </a:p>
+        </p:txBody>
+      </p:sp>
+    </p:spTree>
+    <p:extLst>
+      <p:ext uri="{BB962C8B-B14F-4D97-AF65-F5344CB8AC3E}">
+        <p14:creationId xmlns:p14="http://schemas.microsoft.com/office/powerpoint/2010/main" val="1781705202"/>
+      </p:ext>
+    </p:extLst>
+  </p:cSld>
+  <p:clrMapOvr>
+    <a:masterClrMapping/>
+  </p:clrMapOvr>
+</p:sld>
+</file>
+
 <file path=ppt/slides/slide2.xml><?xml version="1.0" encoding="utf-8"?>
 <p:sld xmlns:a="http://schemas.openxmlformats.org/drawingml/2006/main" xmlns:r="http://schemas.openxmlformats.org/officeDocument/2006/relationships" xmlns:p="http://schemas.openxmlformats.org/presentationml/2006/main">
   <p:cSld>
@@ -3851,7 +10662,7 @@
           <p:cNvPr id="2" name="标题 1">
             <a:extLst>
               <a:ext uri="{FF2B5EF4-FFF2-40B4-BE49-F238E27FC236}">
-                <a16:creationId xmlns:a16="http://schemas.microsoft.com/office/drawing/2014/main" id="{D5A99AAE-F2B4-834B-B295-78A7CCFF7847}"/>
+                <a16:creationId xmlns:a16="http://schemas.microsoft.com/office/drawing/2014/main" id="{6C0A7818-D2C5-5D9C-E3DA-366CD2ED2687}"/>
               </a:ext>
             </a:extLst>
           </p:cNvPr>
@@ -3867,7 +10678,10 @@
           <a:bodyPr/>
           <a:lstStyle/>
           <a:p>
-            <a:endParaRPr lang="zh-CN" altLang="en-US"/>
+            <a:r>
+              <a:rPr lang="zh-CN" altLang="en-US" dirty="0"/>
+              <a:t>可分离性</a:t>
+            </a:r>
           </a:p>
         </p:txBody>
       </p:sp>
@@ -3876,7 +10690,7 @@
           <p:cNvPr id="3" name="内容占位符 2">
             <a:extLst>
               <a:ext uri="{FF2B5EF4-FFF2-40B4-BE49-F238E27FC236}">
-                <a16:creationId xmlns:a16="http://schemas.microsoft.com/office/drawing/2014/main" id="{5E29AE54-DE7D-EE55-5AF4-225DB056AA80}"/>
+                <a16:creationId xmlns:a16="http://schemas.microsoft.com/office/drawing/2014/main" id="{75465F2A-46B7-3D85-616F-0D0BA93BF9B8}"/>
               </a:ext>
             </a:extLst>
           </p:cNvPr>
@@ -3892,7 +10706,134 @@
           <a:bodyPr/>
           <a:lstStyle/>
           <a:p>
-            <a:endParaRPr lang="zh-CN" altLang="en-US"/>
+            <a:r>
+              <a:rPr lang="zh-CN" altLang="en-US" dirty="0"/>
+              <a:t>水平（</a:t>
+            </a:r>
+            <a:r>
+              <a:rPr lang="en-US" altLang="zh-CN" dirty="0"/>
+              <a:t>X</a:t>
+            </a:r>
+            <a:r>
+              <a:rPr lang="zh-CN" altLang="en-US" dirty="0"/>
+              <a:t>）方向滤波</a:t>
+            </a:r>
+            <a:endParaRPr lang="en-US" altLang="zh-CN" dirty="0"/>
+          </a:p>
+          <a:p>
+            <a:r>
+              <a:rPr lang="zh-CN" altLang="en-US" dirty="0"/>
+              <a:t>垂直（</a:t>
+            </a:r>
+            <a:r>
+              <a:rPr lang="en-US" altLang="zh-CN" dirty="0"/>
+              <a:t>Y</a:t>
+            </a:r>
+            <a:r>
+              <a:rPr lang="zh-CN" altLang="en-US" dirty="0"/>
+              <a:t>）方向滤波</a:t>
+            </a:r>
+          </a:p>
+        </p:txBody>
+      </p:sp>
+    </p:spTree>
+    <p:extLst>
+      <p:ext uri="{BB962C8B-B14F-4D97-AF65-F5344CB8AC3E}">
+        <p14:creationId xmlns:p14="http://schemas.microsoft.com/office/powerpoint/2010/main" val="2645049121"/>
+      </p:ext>
+    </p:extLst>
+  </p:cSld>
+  <p:clrMapOvr>
+    <a:masterClrMapping/>
+  </p:clrMapOvr>
+</p:sld>
+</file>
+
+<file path=ppt/slides/slide3.xml><?xml version="1.0" encoding="utf-8"?>
+<p:sld xmlns:a="http://schemas.openxmlformats.org/drawingml/2006/main" xmlns:r="http://schemas.openxmlformats.org/officeDocument/2006/relationships" xmlns:p="http://schemas.openxmlformats.org/presentationml/2006/main">
+  <p:cSld>
+    <p:spTree>
+      <p:nvGrpSpPr>
+        <p:cNvPr id="1" name=""/>
+        <p:cNvGrpSpPr/>
+        <p:nvPr/>
+      </p:nvGrpSpPr>
+      <p:grpSpPr>
+        <a:xfrm>
+          <a:off x="0" y="0"/>
+          <a:ext cx="0" cy="0"/>
+          <a:chOff x="0" y="0"/>
+          <a:chExt cx="0" cy="0"/>
+        </a:xfrm>
+      </p:grpSpPr>
+      <p:graphicFrame>
+        <p:nvGraphicFramePr>
+          <p:cNvPr id="6" name="内容占位符 5">
+            <a:extLst>
+              <a:ext uri="{FF2B5EF4-FFF2-40B4-BE49-F238E27FC236}">
+                <a16:creationId xmlns:a16="http://schemas.microsoft.com/office/drawing/2014/main" id="{91E1B100-300E-50B6-AC5D-CE3F30AD9A87}"/>
+              </a:ext>
+            </a:extLst>
+          </p:cNvPr>
+          <p:cNvGraphicFramePr>
+            <a:graphicFrameLocks noGrp="1"/>
+          </p:cNvGraphicFramePr>
+          <p:nvPr>
+            <p:ph idx="1"/>
+            <p:extLst>
+              <p:ext uri="{D42A27DB-BD31-4B8C-83A1-F6EECF244321}">
+                <p14:modId xmlns:p14="http://schemas.microsoft.com/office/powerpoint/2010/main" val="1194455604"/>
+              </p:ext>
+            </p:extLst>
+          </p:nvPr>
+        </p:nvGraphicFramePr>
+        <p:xfrm>
+          <a:off x="838200" y="711200"/>
+          <a:ext cx="10515600" cy="5465763"/>
+        </p:xfrm>
+        <a:graphic>
+          <a:graphicData uri="http://schemas.openxmlformats.org/drawingml/2006/chart">
+            <c:chart xmlns:c="http://schemas.openxmlformats.org/drawingml/2006/chart" xmlns:r="http://schemas.openxmlformats.org/officeDocument/2006/relationships" r:id="rId3"/>
+          </a:graphicData>
+        </a:graphic>
+      </p:graphicFrame>
+      <p:sp>
+        <p:nvSpPr>
+          <p:cNvPr id="7" name="文本框 6">
+            <a:extLst>
+              <a:ext uri="{FF2B5EF4-FFF2-40B4-BE49-F238E27FC236}">
+                <a16:creationId xmlns:a16="http://schemas.microsoft.com/office/drawing/2014/main" id="{4F8455DF-73A5-F1D0-C14A-DD19D7DE5BD1}"/>
+              </a:ext>
+            </a:extLst>
+          </p:cNvPr>
+          <p:cNvSpPr txBox="1"/>
+          <p:nvPr/>
+        </p:nvSpPr>
+        <p:spPr>
+          <a:xfrm>
+            <a:off x="8525782" y="5807631"/>
+            <a:ext cx="2828018" cy="369332"/>
+          </a:xfrm>
+          <a:prstGeom prst="rect">
+            <a:avLst/>
+          </a:prstGeom>
+          <a:noFill/>
+        </p:spPr>
+        <p:txBody>
+          <a:bodyPr wrap="none" rtlCol="0">
+            <a:spAutoFit/>
+          </a:bodyPr>
+          <a:lstStyle/>
+          <a:p>
+            <a:r>
+              <a:rPr lang="zh-CN" altLang="en-US" dirty="0"/>
+              <a:t>测试设备：</a:t>
+            </a:r>
+            <a:r>
+              <a:rPr lang="en-US" altLang="zh-CN" dirty="0"/>
+              <a:t>14700KF+4090</a:t>
+            </a:r>
+            <a:endParaRPr lang="zh-CN" altLang="en-US" dirty="0"/>
           </a:p>
         </p:txBody>
       </p:sp>
@@ -3900,6 +10841,458 @@
     <p:extLst>
       <p:ext uri="{BB962C8B-B14F-4D97-AF65-F5344CB8AC3E}">
         <p14:creationId xmlns:p14="http://schemas.microsoft.com/office/powerpoint/2010/main" val="746783432"/>
+      </p:ext>
+    </p:extLst>
+  </p:cSld>
+  <p:clrMapOvr>
+    <a:masterClrMapping/>
+  </p:clrMapOvr>
+</p:sld>
+</file>
+
+<file path=ppt/slides/slide4.xml><?xml version="1.0" encoding="utf-8"?>
+<p:sld xmlns:a="http://schemas.openxmlformats.org/drawingml/2006/main" xmlns:r="http://schemas.openxmlformats.org/officeDocument/2006/relationships" xmlns:p="http://schemas.openxmlformats.org/presentationml/2006/main">
+  <p:cSld>
+    <p:spTree>
+      <p:nvGrpSpPr>
+        <p:cNvPr id="1" name="">
+          <a:extLst>
+            <a:ext uri="{FF2B5EF4-FFF2-40B4-BE49-F238E27FC236}">
+              <a16:creationId xmlns:a16="http://schemas.microsoft.com/office/drawing/2014/main" id="{ACB9E72C-7172-D976-29DF-BAD0E87BC042}"/>
+            </a:ext>
+          </a:extLst>
+        </p:cNvPr>
+        <p:cNvGrpSpPr/>
+        <p:nvPr/>
+      </p:nvGrpSpPr>
+      <p:grpSpPr>
+        <a:xfrm>
+          <a:off x="0" y="0"/>
+          <a:ext cx="0" cy="0"/>
+          <a:chOff x="0" y="0"/>
+          <a:chExt cx="0" cy="0"/>
+        </a:xfrm>
+      </p:grpSpPr>
+      <p:graphicFrame>
+        <p:nvGraphicFramePr>
+          <p:cNvPr id="6" name="内容占位符 5">
+            <a:extLst>
+              <a:ext uri="{FF2B5EF4-FFF2-40B4-BE49-F238E27FC236}">
+                <a16:creationId xmlns:a16="http://schemas.microsoft.com/office/drawing/2014/main" id="{560F1052-7206-D503-71BB-22FEFBB00F19}"/>
+              </a:ext>
+            </a:extLst>
+          </p:cNvPr>
+          <p:cNvGraphicFramePr>
+            <a:graphicFrameLocks noGrp="1"/>
+          </p:cNvGraphicFramePr>
+          <p:nvPr>
+            <p:ph idx="1"/>
+          </p:nvPr>
+        </p:nvGraphicFramePr>
+        <p:xfrm>
+          <a:off x="838200" y="711200"/>
+          <a:ext cx="10515600" cy="5465763"/>
+        </p:xfrm>
+        <a:graphic>
+          <a:graphicData uri="http://schemas.openxmlformats.org/drawingml/2006/chart">
+            <c:chart xmlns:c="http://schemas.openxmlformats.org/drawingml/2006/chart" xmlns:r="http://schemas.openxmlformats.org/officeDocument/2006/relationships" r:id="rId3"/>
+          </a:graphicData>
+        </a:graphic>
+      </p:graphicFrame>
+      <p:sp>
+        <p:nvSpPr>
+          <p:cNvPr id="7" name="文本框 6">
+            <a:extLst>
+              <a:ext uri="{FF2B5EF4-FFF2-40B4-BE49-F238E27FC236}">
+                <a16:creationId xmlns:a16="http://schemas.microsoft.com/office/drawing/2014/main" id="{182C345C-6529-F58D-A175-ED3C2B7DFB2C}"/>
+              </a:ext>
+            </a:extLst>
+          </p:cNvPr>
+          <p:cNvSpPr txBox="1"/>
+          <p:nvPr/>
+        </p:nvSpPr>
+        <p:spPr>
+          <a:xfrm>
+            <a:off x="8525782" y="5807631"/>
+            <a:ext cx="2828018" cy="369332"/>
+          </a:xfrm>
+          <a:prstGeom prst="rect">
+            <a:avLst/>
+          </a:prstGeom>
+          <a:noFill/>
+        </p:spPr>
+        <p:txBody>
+          <a:bodyPr wrap="none" rtlCol="0">
+            <a:spAutoFit/>
+          </a:bodyPr>
+          <a:lstStyle/>
+          <a:p>
+            <a:r>
+              <a:rPr lang="zh-CN" altLang="en-US" dirty="0"/>
+              <a:t>测试设备：</a:t>
+            </a:r>
+            <a:r>
+              <a:rPr lang="en-US" altLang="zh-CN" dirty="0"/>
+              <a:t>14700KF+4090</a:t>
+            </a:r>
+            <a:endParaRPr lang="zh-CN" altLang="en-US" dirty="0"/>
+          </a:p>
+        </p:txBody>
+      </p:sp>
+    </p:spTree>
+    <p:extLst>
+      <p:ext uri="{BB962C8B-B14F-4D97-AF65-F5344CB8AC3E}">
+        <p14:creationId xmlns:p14="http://schemas.microsoft.com/office/powerpoint/2010/main" val="2561623886"/>
+      </p:ext>
+    </p:extLst>
+  </p:cSld>
+  <p:clrMapOvr>
+    <a:masterClrMapping/>
+  </p:clrMapOvr>
+</p:sld>
+</file>
+
+<file path=ppt/slides/slide5.xml><?xml version="1.0" encoding="utf-8"?>
+<p:sld xmlns:a="http://schemas.openxmlformats.org/drawingml/2006/main" xmlns:r="http://schemas.openxmlformats.org/officeDocument/2006/relationships" xmlns:p="http://schemas.openxmlformats.org/presentationml/2006/main">
+  <p:cSld>
+    <p:spTree>
+      <p:nvGrpSpPr>
+        <p:cNvPr id="1" name="">
+          <a:extLst>
+            <a:ext uri="{FF2B5EF4-FFF2-40B4-BE49-F238E27FC236}">
+              <a16:creationId xmlns:a16="http://schemas.microsoft.com/office/drawing/2014/main" id="{3BCC9946-6B8D-FA18-B63D-9EF18DCF5F25}"/>
+            </a:ext>
+          </a:extLst>
+        </p:cNvPr>
+        <p:cNvGrpSpPr/>
+        <p:nvPr/>
+      </p:nvGrpSpPr>
+      <p:grpSpPr>
+        <a:xfrm>
+          <a:off x="0" y="0"/>
+          <a:ext cx="0" cy="0"/>
+          <a:chOff x="0" y="0"/>
+          <a:chExt cx="0" cy="0"/>
+        </a:xfrm>
+      </p:grpSpPr>
+      <p:graphicFrame>
+        <p:nvGraphicFramePr>
+          <p:cNvPr id="6" name="内容占位符 5">
+            <a:extLst>
+              <a:ext uri="{FF2B5EF4-FFF2-40B4-BE49-F238E27FC236}">
+                <a16:creationId xmlns:a16="http://schemas.microsoft.com/office/drawing/2014/main" id="{1BB34D51-953C-FC99-33AF-809AC21CB456}"/>
+              </a:ext>
+            </a:extLst>
+          </p:cNvPr>
+          <p:cNvGraphicFramePr>
+            <a:graphicFrameLocks noGrp="1"/>
+          </p:cNvGraphicFramePr>
+          <p:nvPr>
+            <p:ph idx="1"/>
+          </p:nvPr>
+        </p:nvGraphicFramePr>
+        <p:xfrm>
+          <a:off x="838200" y="711200"/>
+          <a:ext cx="10515600" cy="5465763"/>
+        </p:xfrm>
+        <a:graphic>
+          <a:graphicData uri="http://schemas.openxmlformats.org/drawingml/2006/chart">
+            <c:chart xmlns:c="http://schemas.openxmlformats.org/drawingml/2006/chart" xmlns:r="http://schemas.openxmlformats.org/officeDocument/2006/relationships" r:id="rId3"/>
+          </a:graphicData>
+        </a:graphic>
+      </p:graphicFrame>
+      <p:sp>
+        <p:nvSpPr>
+          <p:cNvPr id="7" name="文本框 6">
+            <a:extLst>
+              <a:ext uri="{FF2B5EF4-FFF2-40B4-BE49-F238E27FC236}">
+                <a16:creationId xmlns:a16="http://schemas.microsoft.com/office/drawing/2014/main" id="{5D6A4F5B-F8FC-2118-D720-B67748F6CC5E}"/>
+              </a:ext>
+            </a:extLst>
+          </p:cNvPr>
+          <p:cNvSpPr txBox="1"/>
+          <p:nvPr/>
+        </p:nvSpPr>
+        <p:spPr>
+          <a:xfrm>
+            <a:off x="8525782" y="5807631"/>
+            <a:ext cx="2828018" cy="369332"/>
+          </a:xfrm>
+          <a:prstGeom prst="rect">
+            <a:avLst/>
+          </a:prstGeom>
+          <a:noFill/>
+        </p:spPr>
+        <p:txBody>
+          <a:bodyPr wrap="none" rtlCol="0">
+            <a:spAutoFit/>
+          </a:bodyPr>
+          <a:lstStyle/>
+          <a:p>
+            <a:r>
+              <a:rPr lang="zh-CN" altLang="en-US" dirty="0"/>
+              <a:t>测试设备：</a:t>
+            </a:r>
+            <a:r>
+              <a:rPr lang="en-US" altLang="zh-CN" dirty="0"/>
+              <a:t>14700KF+4090</a:t>
+            </a:r>
+            <a:endParaRPr lang="zh-CN" altLang="en-US" dirty="0"/>
+          </a:p>
+        </p:txBody>
+      </p:sp>
+    </p:spTree>
+    <p:extLst>
+      <p:ext uri="{BB962C8B-B14F-4D97-AF65-F5344CB8AC3E}">
+        <p14:creationId xmlns:p14="http://schemas.microsoft.com/office/powerpoint/2010/main" val="3883060853"/>
+      </p:ext>
+    </p:extLst>
+  </p:cSld>
+  <p:clrMapOvr>
+    <a:masterClrMapping/>
+  </p:clrMapOvr>
+</p:sld>
+</file>
+
+<file path=ppt/slides/slide6.xml><?xml version="1.0" encoding="utf-8"?>
+<p:sld xmlns:a="http://schemas.openxmlformats.org/drawingml/2006/main" xmlns:r="http://schemas.openxmlformats.org/officeDocument/2006/relationships" xmlns:p="http://schemas.openxmlformats.org/presentationml/2006/main">
+  <p:cSld>
+    <p:spTree>
+      <p:nvGrpSpPr>
+        <p:cNvPr id="1" name=""/>
+        <p:cNvGrpSpPr/>
+        <p:nvPr/>
+      </p:nvGrpSpPr>
+      <p:grpSpPr>
+        <a:xfrm>
+          <a:off x="0" y="0"/>
+          <a:ext cx="0" cy="0"/>
+          <a:chOff x="0" y="0"/>
+          <a:chExt cx="0" cy="0"/>
+        </a:xfrm>
+      </p:grpSpPr>
+      <p:pic>
+        <p:nvPicPr>
+          <p:cNvPr id="15" name="内容占位符 14">
+            <a:extLst>
+              <a:ext uri="{FF2B5EF4-FFF2-40B4-BE49-F238E27FC236}">
+                <a16:creationId xmlns:a16="http://schemas.microsoft.com/office/drawing/2014/main" id="{401BCEBB-3988-65A9-7CAF-04591FFDB37D}"/>
+              </a:ext>
+            </a:extLst>
+          </p:cNvPr>
+          <p:cNvPicPr>
+            <a:picLocks noGrp="1" noChangeAspect="1"/>
+          </p:cNvPicPr>
+          <p:nvPr>
+            <p:ph idx="1"/>
+          </p:nvPr>
+        </p:nvPicPr>
+        <p:blipFill>
+          <a:blip r:embed="rId2"/>
+          <a:stretch>
+            <a:fillRect/>
+          </a:stretch>
+        </p:blipFill>
+        <p:spPr>
+          <a:xfrm>
+            <a:off x="2094941" y="1560240"/>
+            <a:ext cx="8002117" cy="3915321"/>
+          </a:xfrm>
+          <a:prstGeom prst="rect">
+            <a:avLst/>
+          </a:prstGeom>
+        </p:spPr>
+      </p:pic>
+    </p:spTree>
+    <p:extLst>
+      <p:ext uri="{BB962C8B-B14F-4D97-AF65-F5344CB8AC3E}">
+        <p14:creationId xmlns:p14="http://schemas.microsoft.com/office/powerpoint/2010/main" val="3720339002"/>
+      </p:ext>
+    </p:extLst>
+  </p:cSld>
+  <p:clrMapOvr>
+    <a:masterClrMapping/>
+  </p:clrMapOvr>
+</p:sld>
+</file>
+
+<file path=ppt/slides/slide7.xml><?xml version="1.0" encoding="utf-8"?>
+<p:sld xmlns:a="http://schemas.openxmlformats.org/drawingml/2006/main" xmlns:r="http://schemas.openxmlformats.org/officeDocument/2006/relationships" xmlns:p="http://schemas.openxmlformats.org/presentationml/2006/main">
+  <p:cSld>
+    <p:spTree>
+      <p:nvGrpSpPr>
+        <p:cNvPr id="1" name=""/>
+        <p:cNvGrpSpPr/>
+        <p:nvPr/>
+      </p:nvGrpSpPr>
+      <p:grpSpPr>
+        <a:xfrm>
+          <a:off x="0" y="0"/>
+          <a:ext cx="0" cy="0"/>
+          <a:chOff x="0" y="0"/>
+          <a:chExt cx="0" cy="0"/>
+        </a:xfrm>
+      </p:grpSpPr>
+      <p:pic>
+        <p:nvPicPr>
+          <p:cNvPr id="9" name="内容占位符 8">
+            <a:extLst>
+              <a:ext uri="{FF2B5EF4-FFF2-40B4-BE49-F238E27FC236}">
+                <a16:creationId xmlns:a16="http://schemas.microsoft.com/office/drawing/2014/main" id="{020B4AEA-E073-31AF-F7D7-ED60AA424F31}"/>
+              </a:ext>
+            </a:extLst>
+          </p:cNvPr>
+          <p:cNvPicPr>
+            <a:picLocks noGrp="1" noChangeAspect="1"/>
+          </p:cNvPicPr>
+          <p:nvPr>
+            <p:ph idx="1"/>
+          </p:nvPr>
+        </p:nvPicPr>
+        <p:blipFill>
+          <a:blip r:embed="rId2"/>
+          <a:stretch>
+            <a:fillRect/>
+          </a:stretch>
+        </p:blipFill>
+        <p:spPr>
+          <a:xfrm>
+            <a:off x="3525953" y="693738"/>
+            <a:ext cx="5140094" cy="5483225"/>
+          </a:xfrm>
+          <a:prstGeom prst="rect">
+            <a:avLst/>
+          </a:prstGeom>
+        </p:spPr>
+      </p:pic>
+    </p:spTree>
+    <p:extLst>
+      <p:ext uri="{BB962C8B-B14F-4D97-AF65-F5344CB8AC3E}">
+        <p14:creationId xmlns:p14="http://schemas.microsoft.com/office/powerpoint/2010/main" val="3549123421"/>
+      </p:ext>
+    </p:extLst>
+  </p:cSld>
+  <p:clrMapOvr>
+    <a:masterClrMapping/>
+  </p:clrMapOvr>
+</p:sld>
+</file>
+
+<file path=ppt/slides/slide8.xml><?xml version="1.0" encoding="utf-8"?>
+<p:sld xmlns:a="http://schemas.openxmlformats.org/drawingml/2006/main" xmlns:r="http://schemas.openxmlformats.org/officeDocument/2006/relationships" xmlns:p="http://schemas.openxmlformats.org/presentationml/2006/main">
+  <p:cSld>
+    <p:spTree>
+      <p:nvGrpSpPr>
+        <p:cNvPr id="1" name=""/>
+        <p:cNvGrpSpPr/>
+        <p:nvPr/>
+      </p:nvGrpSpPr>
+      <p:grpSpPr>
+        <a:xfrm>
+          <a:off x="0" y="0"/>
+          <a:ext cx="0" cy="0"/>
+          <a:chOff x="0" y="0"/>
+          <a:chExt cx="0" cy="0"/>
+        </a:xfrm>
+      </p:grpSpPr>
+      <p:pic>
+        <p:nvPicPr>
+          <p:cNvPr id="5" name="内容占位符 4">
+            <a:extLst>
+              <a:ext uri="{FF2B5EF4-FFF2-40B4-BE49-F238E27FC236}">
+                <a16:creationId xmlns:a16="http://schemas.microsoft.com/office/drawing/2014/main" id="{034391B1-4733-E30C-57B1-B213FCF7BD3B}"/>
+              </a:ext>
+            </a:extLst>
+          </p:cNvPr>
+          <p:cNvPicPr>
+            <a:picLocks noGrp="1" noChangeAspect="1"/>
+          </p:cNvPicPr>
+          <p:nvPr>
+            <p:ph idx="1"/>
+          </p:nvPr>
+        </p:nvPicPr>
+        <p:blipFill>
+          <a:blip r:embed="rId2"/>
+          <a:stretch>
+            <a:fillRect/>
+          </a:stretch>
+        </p:blipFill>
+        <p:spPr>
+          <a:xfrm>
+            <a:off x="1990152" y="981519"/>
+            <a:ext cx="8211696" cy="5010849"/>
+          </a:xfrm>
+          <a:prstGeom prst="rect">
+            <a:avLst/>
+          </a:prstGeom>
+        </p:spPr>
+      </p:pic>
+    </p:spTree>
+    <p:extLst>
+      <p:ext uri="{BB962C8B-B14F-4D97-AF65-F5344CB8AC3E}">
+        <p14:creationId xmlns:p14="http://schemas.microsoft.com/office/powerpoint/2010/main" val="2046029060"/>
+      </p:ext>
+    </p:extLst>
+  </p:cSld>
+  <p:clrMapOvr>
+    <a:masterClrMapping/>
+  </p:clrMapOvr>
+</p:sld>
+</file>
+
+<file path=ppt/slides/slide9.xml><?xml version="1.0" encoding="utf-8"?>
+<p:sld xmlns:a="http://schemas.openxmlformats.org/drawingml/2006/main" xmlns:r="http://schemas.openxmlformats.org/officeDocument/2006/relationships" xmlns:p="http://schemas.openxmlformats.org/presentationml/2006/main">
+  <p:cSld>
+    <p:spTree>
+      <p:nvGrpSpPr>
+        <p:cNvPr id="1" name=""/>
+        <p:cNvGrpSpPr/>
+        <p:nvPr/>
+      </p:nvGrpSpPr>
+      <p:grpSpPr>
+        <a:xfrm>
+          <a:off x="0" y="0"/>
+          <a:ext cx="0" cy="0"/>
+          <a:chOff x="0" y="0"/>
+          <a:chExt cx="0" cy="0"/>
+        </a:xfrm>
+      </p:grpSpPr>
+      <p:pic>
+        <p:nvPicPr>
+          <p:cNvPr id="9" name="内容占位符 8">
+            <a:extLst>
+              <a:ext uri="{FF2B5EF4-FFF2-40B4-BE49-F238E27FC236}">
+                <a16:creationId xmlns:a16="http://schemas.microsoft.com/office/drawing/2014/main" id="{D9B7BF64-B742-5121-E0F2-DFAF2B9A093B}"/>
+              </a:ext>
+            </a:extLst>
+          </p:cNvPr>
+          <p:cNvPicPr>
+            <a:picLocks noGrp="1" noChangeAspect="1"/>
+          </p:cNvPicPr>
+          <p:nvPr>
+            <p:ph idx="1"/>
+          </p:nvPr>
+        </p:nvPicPr>
+        <p:blipFill>
+          <a:blip r:embed="rId2"/>
+          <a:stretch>
+            <a:fillRect/>
+          </a:stretch>
+        </p:blipFill>
+        <p:spPr>
+          <a:xfrm>
+            <a:off x="1413809" y="1712673"/>
+            <a:ext cx="9364382" cy="3439005"/>
+          </a:xfrm>
+          <a:prstGeom prst="rect">
+            <a:avLst/>
+          </a:prstGeom>
+        </p:spPr>
+      </p:pic>
+    </p:spTree>
+    <p:extLst>
+      <p:ext uri="{BB962C8B-B14F-4D97-AF65-F5344CB8AC3E}">
+        <p14:creationId xmlns:p14="http://schemas.microsoft.com/office/powerpoint/2010/main" val="2584092573"/>
       </p:ext>
     </p:extLst>
   </p:cSld>
